--- a/Presentation/Software Engineering Presentation.pptx
+++ b/Presentation/Software Engineering Presentation.pptx
@@ -5,27 +5,31 @@
     <p:sldMasterId id="2147483659" r:id="rId1"/>
   </p:sldMasterIdLst>
   <p:notesMasterIdLst>
-    <p:notesMasterId r:id="rId20"/>
+    <p:notesMasterId r:id="rId24"/>
   </p:notesMasterIdLst>
   <p:sldIdLst>
     <p:sldId id="256" r:id="rId2"/>
     <p:sldId id="257" r:id="rId3"/>
     <p:sldId id="258" r:id="rId4"/>
-    <p:sldId id="259" r:id="rId5"/>
-    <p:sldId id="260" r:id="rId6"/>
-    <p:sldId id="261" r:id="rId7"/>
-    <p:sldId id="262" r:id="rId8"/>
-    <p:sldId id="270" r:id="rId9"/>
-    <p:sldId id="263" r:id="rId10"/>
-    <p:sldId id="264" r:id="rId11"/>
-    <p:sldId id="265" r:id="rId12"/>
-    <p:sldId id="267" r:id="rId13"/>
-    <p:sldId id="271" r:id="rId14"/>
-    <p:sldId id="272" r:id="rId15"/>
-    <p:sldId id="273" r:id="rId16"/>
-    <p:sldId id="274" r:id="rId17"/>
-    <p:sldId id="268" r:id="rId18"/>
-    <p:sldId id="269" r:id="rId19"/>
+    <p:sldId id="261" r:id="rId5"/>
+    <p:sldId id="262" r:id="rId6"/>
+    <p:sldId id="278" r:id="rId7"/>
+    <p:sldId id="259" r:id="rId8"/>
+    <p:sldId id="260" r:id="rId9"/>
+    <p:sldId id="270" r:id="rId10"/>
+    <p:sldId id="263" r:id="rId11"/>
+    <p:sldId id="264" r:id="rId12"/>
+    <p:sldId id="265" r:id="rId13"/>
+    <p:sldId id="272" r:id="rId14"/>
+    <p:sldId id="273" r:id="rId15"/>
+    <p:sldId id="274" r:id="rId16"/>
+    <p:sldId id="267" r:id="rId17"/>
+    <p:sldId id="275" r:id="rId18"/>
+    <p:sldId id="276" r:id="rId19"/>
+    <p:sldId id="277" r:id="rId20"/>
+    <p:sldId id="271" r:id="rId21"/>
+    <p:sldId id="268" r:id="rId22"/>
+    <p:sldId id="269" r:id="rId23"/>
   </p:sldIdLst>
   <p:sldSz cx="9144000" cy="5143500" type="screen16x9"/>
   <p:notesSz cx="6858000" cy="9144000"/>
@@ -602,6 +606,107 @@
   <p:cSld>
     <p:spTree>
       <p:nvGrpSpPr>
+        <p:cNvPr id="1" name="Shape 146"/>
+        <p:cNvGrpSpPr/>
+        <p:nvPr/>
+      </p:nvGrpSpPr>
+      <p:grpSpPr>
+        <a:xfrm>
+          <a:off x="0" y="0"/>
+          <a:ext cx="0" cy="0"/>
+          <a:chOff x="0" y="0"/>
+          <a:chExt cx="0" cy="0"/>
+        </a:xfrm>
+      </p:grpSpPr>
+      <p:sp>
+        <p:nvSpPr>
+          <p:cNvPr id="147" name="Shape 147"/>
+          <p:cNvSpPr>
+            <a:spLocks noGrp="1" noRot="1" noChangeAspect="1"/>
+          </p:cNvSpPr>
+          <p:nvPr>
+            <p:ph type="sldImg" idx="2"/>
+          </p:nvPr>
+        </p:nvSpPr>
+        <p:spPr>
+          <a:xfrm>
+            <a:off x="381000" y="685800"/>
+            <a:ext cx="6096000" cy="3429000"/>
+          </a:xfrm>
+          <a:custGeom>
+            <a:avLst/>
+            <a:gdLst/>
+            <a:ahLst/>
+            <a:cxnLst/>
+            <a:rect l="0" t="0" r="0" b="0"/>
+            <a:pathLst>
+              <a:path w="120000" h="120000" extrusionOk="0">
+                <a:moveTo>
+                  <a:pt x="0" y="0"/>
+                </a:moveTo>
+                <a:lnTo>
+                  <a:pt x="120000" y="0"/>
+                </a:lnTo>
+                <a:lnTo>
+                  <a:pt x="120000" y="120000"/>
+                </a:lnTo>
+                <a:lnTo>
+                  <a:pt x="0" y="120000"/>
+                </a:lnTo>
+                <a:close/>
+              </a:path>
+            </a:pathLst>
+          </a:custGeom>
+        </p:spPr>
+      </p:sp>
+      <p:sp>
+        <p:nvSpPr>
+          <p:cNvPr id="148" name="Shape 148"/>
+          <p:cNvSpPr txBox="1">
+            <a:spLocks noGrp="1"/>
+          </p:cNvSpPr>
+          <p:nvPr>
+            <p:ph type="body" idx="1"/>
+          </p:nvPr>
+        </p:nvSpPr>
+        <p:spPr>
+          <a:xfrm>
+            <a:off x="685800" y="4343400"/>
+            <a:ext cx="5486399" cy="4114800"/>
+          </a:xfrm>
+          <a:prstGeom prst="rect">
+            <a:avLst/>
+          </a:prstGeom>
+        </p:spPr>
+        <p:txBody>
+          <a:bodyPr lIns="91425" tIns="91425" rIns="91425" bIns="91425" anchor="t" anchorCtr="0">
+            <a:noAutofit/>
+          </a:bodyPr>
+          <a:lstStyle/>
+          <a:p>
+            <a:pPr lvl="0">
+              <a:spcBef>
+                <a:spcPts val="0"/>
+              </a:spcBef>
+              <a:buNone/>
+            </a:pPr>
+            <a:endParaRPr/>
+          </a:p>
+        </p:txBody>
+      </p:sp>
+    </p:spTree>
+  </p:cSld>
+  <p:clrMapOvr>
+    <a:masterClrMapping/>
+  </p:clrMapOvr>
+</p:notes>
+</file>
+
+<file path=ppt/notesSlides/notesSlide11.xml><?xml version="1.0" encoding="utf-8"?>
+<p:notes xmlns:a="http://schemas.openxmlformats.org/drawingml/2006/main" xmlns:r="http://schemas.openxmlformats.org/officeDocument/2006/relationships" xmlns:p="http://schemas.openxmlformats.org/presentationml/2006/main" showMasterSp="0" showMasterPhAnim="0">
+  <p:cSld>
+    <p:spTree>
+      <p:nvGrpSpPr>
         <p:cNvPr id="1" name="Shape 157"/>
         <p:cNvGrpSpPr/>
         <p:nvPr/>
@@ -698,7 +803,7 @@
 </p:notes>
 </file>
 
-<file path=ppt/notesSlides/notesSlide11.xml><?xml version="1.0" encoding="utf-8"?>
+<file path=ppt/notesSlides/notesSlide12.xml><?xml version="1.0" encoding="utf-8"?>
 <p:notes xmlns:a="http://schemas.openxmlformats.org/drawingml/2006/main" xmlns:r="http://schemas.openxmlformats.org/officeDocument/2006/relationships" xmlns:p="http://schemas.openxmlformats.org/presentationml/2006/main" showMasterSp="0" showMasterPhAnim="0">
   <p:cSld>
     <p:spTree>
@@ -799,7 +904,325 @@
 </p:notes>
 </file>
 
-<file path=ppt/notesSlides/notesSlide12.xml><?xml version="1.0" encoding="utf-8"?>
+<file path=ppt/notesSlides/notesSlide13.xml><?xml version="1.0" encoding="utf-8"?>
+<p:notes xmlns:a="http://schemas.openxmlformats.org/drawingml/2006/main" xmlns:r="http://schemas.openxmlformats.org/officeDocument/2006/relationships" xmlns:p="http://schemas.openxmlformats.org/presentationml/2006/main" showMasterSp="0" showMasterPhAnim="0">
+  <p:cSld>
+    <p:spTree>
+      <p:nvGrpSpPr>
+        <p:cNvPr id="1" name="Shape 174"/>
+        <p:cNvGrpSpPr/>
+        <p:nvPr/>
+      </p:nvGrpSpPr>
+      <p:grpSpPr>
+        <a:xfrm>
+          <a:off x="0" y="0"/>
+          <a:ext cx="0" cy="0"/>
+          <a:chOff x="0" y="0"/>
+          <a:chExt cx="0" cy="0"/>
+        </a:xfrm>
+      </p:grpSpPr>
+      <p:sp>
+        <p:nvSpPr>
+          <p:cNvPr id="175" name="Shape 175"/>
+          <p:cNvSpPr>
+            <a:spLocks noGrp="1" noRot="1" noChangeAspect="1"/>
+          </p:cNvSpPr>
+          <p:nvPr>
+            <p:ph type="sldImg" idx="2"/>
+          </p:nvPr>
+        </p:nvSpPr>
+        <p:spPr>
+          <a:xfrm>
+            <a:off x="381000" y="685800"/>
+            <a:ext cx="6096000" cy="3429000"/>
+          </a:xfrm>
+          <a:custGeom>
+            <a:avLst/>
+            <a:gdLst/>
+            <a:ahLst/>
+            <a:cxnLst/>
+            <a:rect l="0" t="0" r="0" b="0"/>
+            <a:pathLst>
+              <a:path w="120000" h="120000" extrusionOk="0">
+                <a:moveTo>
+                  <a:pt x="0" y="0"/>
+                </a:moveTo>
+                <a:lnTo>
+                  <a:pt x="120000" y="0"/>
+                </a:lnTo>
+                <a:lnTo>
+                  <a:pt x="120000" y="120000"/>
+                </a:lnTo>
+                <a:lnTo>
+                  <a:pt x="0" y="120000"/>
+                </a:lnTo>
+                <a:close/>
+              </a:path>
+            </a:pathLst>
+          </a:custGeom>
+        </p:spPr>
+      </p:sp>
+      <p:sp>
+        <p:nvSpPr>
+          <p:cNvPr id="176" name="Shape 176"/>
+          <p:cNvSpPr txBox="1">
+            <a:spLocks noGrp="1"/>
+          </p:cNvSpPr>
+          <p:nvPr>
+            <p:ph type="body" idx="1"/>
+          </p:nvPr>
+        </p:nvSpPr>
+        <p:spPr>
+          <a:xfrm>
+            <a:off x="685800" y="4343400"/>
+            <a:ext cx="5486400" cy="4114800"/>
+          </a:xfrm>
+          <a:prstGeom prst="rect">
+            <a:avLst/>
+          </a:prstGeom>
+        </p:spPr>
+        <p:txBody>
+          <a:bodyPr lIns="91425" tIns="91425" rIns="91425" bIns="91425" anchor="t" anchorCtr="0">
+            <a:noAutofit/>
+          </a:bodyPr>
+          <a:lstStyle/>
+          <a:p>
+            <a:pPr lvl="0" rtl="0">
+              <a:spcBef>
+                <a:spcPts val="0"/>
+              </a:spcBef>
+              <a:buNone/>
+            </a:pPr>
+            <a:endParaRPr/>
+          </a:p>
+        </p:txBody>
+      </p:sp>
+    </p:spTree>
+    <p:extLst>
+      <p:ext uri="{BB962C8B-B14F-4D97-AF65-F5344CB8AC3E}">
+        <p14:creationId xmlns:p14="http://schemas.microsoft.com/office/powerpoint/2010/main" val="1245746850"/>
+      </p:ext>
+    </p:extLst>
+  </p:cSld>
+  <p:clrMapOvr>
+    <a:masterClrMapping/>
+  </p:clrMapOvr>
+</p:notes>
+</file>
+
+<file path=ppt/notesSlides/notesSlide14.xml><?xml version="1.0" encoding="utf-8"?>
+<p:notes xmlns:a="http://schemas.openxmlformats.org/drawingml/2006/main" xmlns:r="http://schemas.openxmlformats.org/officeDocument/2006/relationships" xmlns:p="http://schemas.openxmlformats.org/presentationml/2006/main" showMasterSp="0" showMasterPhAnim="0">
+  <p:cSld>
+    <p:spTree>
+      <p:nvGrpSpPr>
+        <p:cNvPr id="1" name="Shape 174"/>
+        <p:cNvGrpSpPr/>
+        <p:nvPr/>
+      </p:nvGrpSpPr>
+      <p:grpSpPr>
+        <a:xfrm>
+          <a:off x="0" y="0"/>
+          <a:ext cx="0" cy="0"/>
+          <a:chOff x="0" y="0"/>
+          <a:chExt cx="0" cy="0"/>
+        </a:xfrm>
+      </p:grpSpPr>
+      <p:sp>
+        <p:nvSpPr>
+          <p:cNvPr id="175" name="Shape 175"/>
+          <p:cNvSpPr>
+            <a:spLocks noGrp="1" noRot="1" noChangeAspect="1"/>
+          </p:cNvSpPr>
+          <p:nvPr>
+            <p:ph type="sldImg" idx="2"/>
+          </p:nvPr>
+        </p:nvSpPr>
+        <p:spPr>
+          <a:xfrm>
+            <a:off x="381000" y="685800"/>
+            <a:ext cx="6096000" cy="3429000"/>
+          </a:xfrm>
+          <a:custGeom>
+            <a:avLst/>
+            <a:gdLst/>
+            <a:ahLst/>
+            <a:cxnLst/>
+            <a:rect l="0" t="0" r="0" b="0"/>
+            <a:pathLst>
+              <a:path w="120000" h="120000" extrusionOk="0">
+                <a:moveTo>
+                  <a:pt x="0" y="0"/>
+                </a:moveTo>
+                <a:lnTo>
+                  <a:pt x="120000" y="0"/>
+                </a:lnTo>
+                <a:lnTo>
+                  <a:pt x="120000" y="120000"/>
+                </a:lnTo>
+                <a:lnTo>
+                  <a:pt x="0" y="120000"/>
+                </a:lnTo>
+                <a:close/>
+              </a:path>
+            </a:pathLst>
+          </a:custGeom>
+        </p:spPr>
+      </p:sp>
+      <p:sp>
+        <p:nvSpPr>
+          <p:cNvPr id="176" name="Shape 176"/>
+          <p:cNvSpPr txBox="1">
+            <a:spLocks noGrp="1"/>
+          </p:cNvSpPr>
+          <p:nvPr>
+            <p:ph type="body" idx="1"/>
+          </p:nvPr>
+        </p:nvSpPr>
+        <p:spPr>
+          <a:xfrm>
+            <a:off x="685800" y="4343400"/>
+            <a:ext cx="5486400" cy="4114800"/>
+          </a:xfrm>
+          <a:prstGeom prst="rect">
+            <a:avLst/>
+          </a:prstGeom>
+        </p:spPr>
+        <p:txBody>
+          <a:bodyPr lIns="91425" tIns="91425" rIns="91425" bIns="91425" anchor="t" anchorCtr="0">
+            <a:noAutofit/>
+          </a:bodyPr>
+          <a:lstStyle/>
+          <a:p>
+            <a:pPr lvl="0" rtl="0">
+              <a:spcBef>
+                <a:spcPts val="0"/>
+              </a:spcBef>
+              <a:buNone/>
+            </a:pPr>
+            <a:endParaRPr/>
+          </a:p>
+        </p:txBody>
+      </p:sp>
+    </p:spTree>
+    <p:extLst>
+      <p:ext uri="{BB962C8B-B14F-4D97-AF65-F5344CB8AC3E}">
+        <p14:creationId xmlns:p14="http://schemas.microsoft.com/office/powerpoint/2010/main" val="734616327"/>
+      </p:ext>
+    </p:extLst>
+  </p:cSld>
+  <p:clrMapOvr>
+    <a:masterClrMapping/>
+  </p:clrMapOvr>
+</p:notes>
+</file>
+
+<file path=ppt/notesSlides/notesSlide15.xml><?xml version="1.0" encoding="utf-8"?>
+<p:notes xmlns:a="http://schemas.openxmlformats.org/drawingml/2006/main" xmlns:r="http://schemas.openxmlformats.org/officeDocument/2006/relationships" xmlns:p="http://schemas.openxmlformats.org/presentationml/2006/main" showMasterSp="0" showMasterPhAnim="0">
+  <p:cSld>
+    <p:spTree>
+      <p:nvGrpSpPr>
+        <p:cNvPr id="1" name="Shape 174"/>
+        <p:cNvGrpSpPr/>
+        <p:nvPr/>
+      </p:nvGrpSpPr>
+      <p:grpSpPr>
+        <a:xfrm>
+          <a:off x="0" y="0"/>
+          <a:ext cx="0" cy="0"/>
+          <a:chOff x="0" y="0"/>
+          <a:chExt cx="0" cy="0"/>
+        </a:xfrm>
+      </p:grpSpPr>
+      <p:sp>
+        <p:nvSpPr>
+          <p:cNvPr id="175" name="Shape 175"/>
+          <p:cNvSpPr>
+            <a:spLocks noGrp="1" noRot="1" noChangeAspect="1"/>
+          </p:cNvSpPr>
+          <p:nvPr>
+            <p:ph type="sldImg" idx="2"/>
+          </p:nvPr>
+        </p:nvSpPr>
+        <p:spPr>
+          <a:xfrm>
+            <a:off x="381000" y="685800"/>
+            <a:ext cx="6096000" cy="3429000"/>
+          </a:xfrm>
+          <a:custGeom>
+            <a:avLst/>
+            <a:gdLst/>
+            <a:ahLst/>
+            <a:cxnLst/>
+            <a:rect l="0" t="0" r="0" b="0"/>
+            <a:pathLst>
+              <a:path w="120000" h="120000" extrusionOk="0">
+                <a:moveTo>
+                  <a:pt x="0" y="0"/>
+                </a:moveTo>
+                <a:lnTo>
+                  <a:pt x="120000" y="0"/>
+                </a:lnTo>
+                <a:lnTo>
+                  <a:pt x="120000" y="120000"/>
+                </a:lnTo>
+                <a:lnTo>
+                  <a:pt x="0" y="120000"/>
+                </a:lnTo>
+                <a:close/>
+              </a:path>
+            </a:pathLst>
+          </a:custGeom>
+        </p:spPr>
+      </p:sp>
+      <p:sp>
+        <p:nvSpPr>
+          <p:cNvPr id="176" name="Shape 176"/>
+          <p:cNvSpPr txBox="1">
+            <a:spLocks noGrp="1"/>
+          </p:cNvSpPr>
+          <p:nvPr>
+            <p:ph type="body" idx="1"/>
+          </p:nvPr>
+        </p:nvSpPr>
+        <p:spPr>
+          <a:xfrm>
+            <a:off x="685800" y="4343400"/>
+            <a:ext cx="5486400" cy="4114800"/>
+          </a:xfrm>
+          <a:prstGeom prst="rect">
+            <a:avLst/>
+          </a:prstGeom>
+        </p:spPr>
+        <p:txBody>
+          <a:bodyPr lIns="91425" tIns="91425" rIns="91425" bIns="91425" anchor="t" anchorCtr="0">
+            <a:noAutofit/>
+          </a:bodyPr>
+          <a:lstStyle/>
+          <a:p>
+            <a:pPr lvl="0" rtl="0">
+              <a:spcBef>
+                <a:spcPts val="0"/>
+              </a:spcBef>
+              <a:buNone/>
+            </a:pPr>
+            <a:endParaRPr/>
+          </a:p>
+        </p:txBody>
+      </p:sp>
+    </p:spTree>
+    <p:extLst>
+      <p:ext uri="{BB962C8B-B14F-4D97-AF65-F5344CB8AC3E}">
+        <p14:creationId xmlns:p14="http://schemas.microsoft.com/office/powerpoint/2010/main" val="2083248692"/>
+      </p:ext>
+    </p:extLst>
+  </p:cSld>
+  <p:clrMapOvr>
+    <a:masterClrMapping/>
+  </p:clrMapOvr>
+</p:notes>
+</file>
+
+<file path=ppt/notesSlides/notesSlide16.xml><?xml version="1.0" encoding="utf-8"?>
 <p:notes xmlns:a="http://schemas.openxmlformats.org/drawingml/2006/main" xmlns:r="http://schemas.openxmlformats.org/officeDocument/2006/relationships" xmlns:p="http://schemas.openxmlformats.org/presentationml/2006/main" showMasterSp="0" showMasterPhAnim="0">
   <p:cSld>
     <p:spTree>
@@ -900,7 +1323,7 @@
 </p:notes>
 </file>
 
-<file path=ppt/notesSlides/notesSlide13.xml><?xml version="1.0" encoding="utf-8"?>
+<file path=ppt/notesSlides/notesSlide17.xml><?xml version="1.0" encoding="utf-8"?>
 <p:notes xmlns:a="http://schemas.openxmlformats.org/drawingml/2006/main" xmlns:r="http://schemas.openxmlformats.org/officeDocument/2006/relationships" xmlns:p="http://schemas.openxmlformats.org/presentationml/2006/main" showMasterSp="0" showMasterPhAnim="0">
   <p:cSld>
     <p:spTree>
@@ -1208,7 +1631,7 @@
   <p:cSld>
     <p:spTree>
       <p:nvGrpSpPr>
-        <p:cNvPr id="1" name="Shape 88"/>
+        <p:cNvPr id="1" name="Shape 110"/>
         <p:cNvGrpSpPr/>
         <p:nvPr/>
       </p:nvGrpSpPr>
@@ -1222,7 +1645,7 @@
       </p:grpSpPr>
       <p:sp>
         <p:nvSpPr>
-          <p:cNvPr id="89" name="Shape 89"/>
+          <p:cNvPr id="111" name="Shape 111"/>
           <p:cNvSpPr>
             <a:spLocks noGrp="1" noRot="1" noChangeAspect="1"/>
           </p:cNvSpPr>
@@ -1263,7 +1686,7 @@
       </p:sp>
       <p:sp>
         <p:nvSpPr>
-          <p:cNvPr id="90" name="Shape 90"/>
+          <p:cNvPr id="112" name="Shape 112"/>
           <p:cNvSpPr txBox="1">
             <a:spLocks noGrp="1"/>
           </p:cNvSpPr>
@@ -1274,7 +1697,7 @@
         <p:spPr>
           <a:xfrm>
             <a:off x="685800" y="4343400"/>
-            <a:ext cx="5486400" cy="4114800"/>
+            <a:ext cx="5486399" cy="4114800"/>
           </a:xfrm>
           <a:prstGeom prst="rect">
             <a:avLst/>
@@ -1286,7 +1709,7 @@
           </a:bodyPr>
           <a:lstStyle/>
           <a:p>
-            <a:pPr lvl="0" rtl="0">
+            <a:pPr lvl="0">
               <a:spcBef>
                 <a:spcPts val="0"/>
               </a:spcBef>
@@ -1309,7 +1732,7 @@
   <p:cSld>
     <p:spTree>
       <p:nvGrpSpPr>
-        <p:cNvPr id="1" name="Shape 103"/>
+        <p:cNvPr id="1" name="Shape 116"/>
         <p:cNvGrpSpPr/>
         <p:nvPr/>
       </p:nvGrpSpPr>
@@ -1323,7 +1746,7 @@
       </p:grpSpPr>
       <p:sp>
         <p:nvSpPr>
-          <p:cNvPr id="104" name="Shape 104"/>
+          <p:cNvPr id="117" name="Shape 117"/>
           <p:cNvSpPr>
             <a:spLocks noGrp="1" noRot="1" noChangeAspect="1"/>
           </p:cNvSpPr>
@@ -1364,7 +1787,7 @@
       </p:sp>
       <p:sp>
         <p:nvSpPr>
-          <p:cNvPr id="105" name="Shape 105"/>
+          <p:cNvPr id="118" name="Shape 118"/>
           <p:cNvSpPr txBox="1">
             <a:spLocks noGrp="1"/>
           </p:cNvSpPr>
@@ -1375,7 +1798,7 @@
         <p:spPr>
           <a:xfrm>
             <a:off x="685800" y="4343400"/>
-            <a:ext cx="5486400" cy="4114800"/>
+            <a:ext cx="5486399" cy="4114800"/>
           </a:xfrm>
           <a:prstGeom prst="rect">
             <a:avLst/>
@@ -1387,7 +1810,7 @@
           </a:bodyPr>
           <a:lstStyle/>
           <a:p>
-            <a:pPr lvl="0" rtl="0">
+            <a:pPr lvl="0">
               <a:spcBef>
                 <a:spcPts val="0"/>
               </a:spcBef>
@@ -1499,6 +1922,11 @@
         </p:txBody>
       </p:sp>
     </p:spTree>
+    <p:extLst>
+      <p:ext uri="{BB962C8B-B14F-4D97-AF65-F5344CB8AC3E}">
+        <p14:creationId xmlns:p14="http://schemas.microsoft.com/office/powerpoint/2010/main" val="1988955503"/>
+      </p:ext>
+    </p:extLst>
   </p:cSld>
   <p:clrMapOvr>
     <a:masterClrMapping/>
@@ -1511,7 +1939,7 @@
   <p:cSld>
     <p:spTree>
       <p:nvGrpSpPr>
-        <p:cNvPr id="1" name="Shape 116"/>
+        <p:cNvPr id="1" name="Shape 88"/>
         <p:cNvGrpSpPr/>
         <p:nvPr/>
       </p:nvGrpSpPr>
@@ -1525,7 +1953,7 @@
       </p:grpSpPr>
       <p:sp>
         <p:nvSpPr>
-          <p:cNvPr id="117" name="Shape 117"/>
+          <p:cNvPr id="89" name="Shape 89"/>
           <p:cNvSpPr>
             <a:spLocks noGrp="1" noRot="1" noChangeAspect="1"/>
           </p:cNvSpPr>
@@ -1566,7 +1994,7 @@
       </p:sp>
       <p:sp>
         <p:nvSpPr>
-          <p:cNvPr id="118" name="Shape 118"/>
+          <p:cNvPr id="90" name="Shape 90"/>
           <p:cNvSpPr txBox="1">
             <a:spLocks noGrp="1"/>
           </p:cNvSpPr>
@@ -1577,7 +2005,7 @@
         <p:spPr>
           <a:xfrm>
             <a:off x="685800" y="4343400"/>
-            <a:ext cx="5486399" cy="4114800"/>
+            <a:ext cx="5486400" cy="4114800"/>
           </a:xfrm>
           <a:prstGeom prst="rect">
             <a:avLst/>
@@ -1589,7 +2017,7 @@
           </a:bodyPr>
           <a:lstStyle/>
           <a:p>
-            <a:pPr lvl="0">
+            <a:pPr lvl="0" rtl="0">
               <a:spcBef>
                 <a:spcPts val="0"/>
               </a:spcBef>
@@ -1608,6 +2036,107 @@
 </file>
 
 <file path=ppt/notesSlides/notesSlide8.xml><?xml version="1.0" encoding="utf-8"?>
+<p:notes xmlns:a="http://schemas.openxmlformats.org/drawingml/2006/main" xmlns:r="http://schemas.openxmlformats.org/officeDocument/2006/relationships" xmlns:p="http://schemas.openxmlformats.org/presentationml/2006/main" showMasterSp="0" showMasterPhAnim="0">
+  <p:cSld>
+    <p:spTree>
+      <p:nvGrpSpPr>
+        <p:cNvPr id="1" name="Shape 103"/>
+        <p:cNvGrpSpPr/>
+        <p:nvPr/>
+      </p:nvGrpSpPr>
+      <p:grpSpPr>
+        <a:xfrm>
+          <a:off x="0" y="0"/>
+          <a:ext cx="0" cy="0"/>
+          <a:chOff x="0" y="0"/>
+          <a:chExt cx="0" cy="0"/>
+        </a:xfrm>
+      </p:grpSpPr>
+      <p:sp>
+        <p:nvSpPr>
+          <p:cNvPr id="104" name="Shape 104"/>
+          <p:cNvSpPr>
+            <a:spLocks noGrp="1" noRot="1" noChangeAspect="1"/>
+          </p:cNvSpPr>
+          <p:nvPr>
+            <p:ph type="sldImg" idx="2"/>
+          </p:nvPr>
+        </p:nvSpPr>
+        <p:spPr>
+          <a:xfrm>
+            <a:off x="381000" y="685800"/>
+            <a:ext cx="6096000" cy="3429000"/>
+          </a:xfrm>
+          <a:custGeom>
+            <a:avLst/>
+            <a:gdLst/>
+            <a:ahLst/>
+            <a:cxnLst/>
+            <a:rect l="0" t="0" r="0" b="0"/>
+            <a:pathLst>
+              <a:path w="120000" h="120000" extrusionOk="0">
+                <a:moveTo>
+                  <a:pt x="0" y="0"/>
+                </a:moveTo>
+                <a:lnTo>
+                  <a:pt x="120000" y="0"/>
+                </a:lnTo>
+                <a:lnTo>
+                  <a:pt x="120000" y="120000"/>
+                </a:lnTo>
+                <a:lnTo>
+                  <a:pt x="0" y="120000"/>
+                </a:lnTo>
+                <a:close/>
+              </a:path>
+            </a:pathLst>
+          </a:custGeom>
+        </p:spPr>
+      </p:sp>
+      <p:sp>
+        <p:nvSpPr>
+          <p:cNvPr id="105" name="Shape 105"/>
+          <p:cNvSpPr txBox="1">
+            <a:spLocks noGrp="1"/>
+          </p:cNvSpPr>
+          <p:nvPr>
+            <p:ph type="body" idx="1"/>
+          </p:nvPr>
+        </p:nvSpPr>
+        <p:spPr>
+          <a:xfrm>
+            <a:off x="685800" y="4343400"/>
+            <a:ext cx="5486400" cy="4114800"/>
+          </a:xfrm>
+          <a:prstGeom prst="rect">
+            <a:avLst/>
+          </a:prstGeom>
+        </p:spPr>
+        <p:txBody>
+          <a:bodyPr lIns="91425" tIns="91425" rIns="91425" bIns="91425" anchor="t" anchorCtr="0">
+            <a:noAutofit/>
+          </a:bodyPr>
+          <a:lstStyle/>
+          <a:p>
+            <a:pPr lvl="0" rtl="0">
+              <a:spcBef>
+                <a:spcPts val="0"/>
+              </a:spcBef>
+              <a:buNone/>
+            </a:pPr>
+            <a:endParaRPr/>
+          </a:p>
+        </p:txBody>
+      </p:sp>
+    </p:spTree>
+  </p:cSld>
+  <p:clrMapOvr>
+    <a:masterClrMapping/>
+  </p:clrMapOvr>
+</p:notes>
+</file>
+
+<file path=ppt/notesSlides/notesSlide9.xml><?xml version="1.0" encoding="utf-8"?>
 <p:notes xmlns:a="http://schemas.openxmlformats.org/drawingml/2006/main" xmlns:r="http://schemas.openxmlformats.org/officeDocument/2006/relationships" xmlns:p="http://schemas.openxmlformats.org/presentationml/2006/main" showMasterSp="0" showMasterPhAnim="0">
   <p:cSld>
     <p:spTree>
@@ -1691,107 +2220,6 @@
           <a:lstStyle/>
           <a:p>
             <a:pPr lvl="0" rtl="0">
-              <a:spcBef>
-                <a:spcPts val="0"/>
-              </a:spcBef>
-              <a:buNone/>
-            </a:pPr>
-            <a:endParaRPr/>
-          </a:p>
-        </p:txBody>
-      </p:sp>
-    </p:spTree>
-  </p:cSld>
-  <p:clrMapOvr>
-    <a:masterClrMapping/>
-  </p:clrMapOvr>
-</p:notes>
-</file>
-
-<file path=ppt/notesSlides/notesSlide9.xml><?xml version="1.0" encoding="utf-8"?>
-<p:notes xmlns:a="http://schemas.openxmlformats.org/drawingml/2006/main" xmlns:r="http://schemas.openxmlformats.org/officeDocument/2006/relationships" xmlns:p="http://schemas.openxmlformats.org/presentationml/2006/main" showMasterSp="0" showMasterPhAnim="0">
-  <p:cSld>
-    <p:spTree>
-      <p:nvGrpSpPr>
-        <p:cNvPr id="1" name="Shape 146"/>
-        <p:cNvGrpSpPr/>
-        <p:nvPr/>
-      </p:nvGrpSpPr>
-      <p:grpSpPr>
-        <a:xfrm>
-          <a:off x="0" y="0"/>
-          <a:ext cx="0" cy="0"/>
-          <a:chOff x="0" y="0"/>
-          <a:chExt cx="0" cy="0"/>
-        </a:xfrm>
-      </p:grpSpPr>
-      <p:sp>
-        <p:nvSpPr>
-          <p:cNvPr id="147" name="Shape 147"/>
-          <p:cNvSpPr>
-            <a:spLocks noGrp="1" noRot="1" noChangeAspect="1"/>
-          </p:cNvSpPr>
-          <p:nvPr>
-            <p:ph type="sldImg" idx="2"/>
-          </p:nvPr>
-        </p:nvSpPr>
-        <p:spPr>
-          <a:xfrm>
-            <a:off x="381000" y="685800"/>
-            <a:ext cx="6096000" cy="3429000"/>
-          </a:xfrm>
-          <a:custGeom>
-            <a:avLst/>
-            <a:gdLst/>
-            <a:ahLst/>
-            <a:cxnLst/>
-            <a:rect l="0" t="0" r="0" b="0"/>
-            <a:pathLst>
-              <a:path w="120000" h="120000" extrusionOk="0">
-                <a:moveTo>
-                  <a:pt x="0" y="0"/>
-                </a:moveTo>
-                <a:lnTo>
-                  <a:pt x="120000" y="0"/>
-                </a:lnTo>
-                <a:lnTo>
-                  <a:pt x="120000" y="120000"/>
-                </a:lnTo>
-                <a:lnTo>
-                  <a:pt x="0" y="120000"/>
-                </a:lnTo>
-                <a:close/>
-              </a:path>
-            </a:pathLst>
-          </a:custGeom>
-        </p:spPr>
-      </p:sp>
-      <p:sp>
-        <p:nvSpPr>
-          <p:cNvPr id="148" name="Shape 148"/>
-          <p:cNvSpPr txBox="1">
-            <a:spLocks noGrp="1"/>
-          </p:cNvSpPr>
-          <p:nvPr>
-            <p:ph type="body" idx="1"/>
-          </p:nvPr>
-        </p:nvSpPr>
-        <p:spPr>
-          <a:xfrm>
-            <a:off x="685800" y="4343400"/>
-            <a:ext cx="5486399" cy="4114800"/>
-          </a:xfrm>
-          <a:prstGeom prst="rect">
-            <a:avLst/>
-          </a:prstGeom>
-        </p:spPr>
-        <p:txBody>
-          <a:bodyPr lIns="91425" tIns="91425" rIns="91425" bIns="91425" anchor="t" anchorCtr="0">
-            <a:noAutofit/>
-          </a:bodyPr>
-          <a:lstStyle/>
-          <a:p>
-            <a:pPr lvl="0">
               <a:spcBef>
                 <a:spcPts val="0"/>
               </a:spcBef>
@@ -5715,6 +6143,88 @@
   <p:cSld>
     <p:spTree>
       <p:nvGrpSpPr>
+        <p:cNvPr id="1" name="Shape 144"/>
+        <p:cNvGrpSpPr/>
+        <p:nvPr/>
+      </p:nvGrpSpPr>
+      <p:grpSpPr>
+        <a:xfrm>
+          <a:off x="0" y="0"/>
+          <a:ext cx="0" cy="0"/>
+          <a:chOff x="0" y="0"/>
+          <a:chExt cx="0" cy="0"/>
+        </a:xfrm>
+      </p:grpSpPr>
+      <p:sp>
+        <p:nvSpPr>
+          <p:cNvPr id="145" name="Shape 145"/>
+          <p:cNvSpPr txBox="1">
+            <a:spLocks noGrp="1"/>
+          </p:cNvSpPr>
+          <p:nvPr>
+            <p:ph type="title"/>
+          </p:nvPr>
+        </p:nvSpPr>
+        <p:spPr>
+          <a:xfrm>
+            <a:off x="671250" y="2141250"/>
+            <a:ext cx="7852200" cy="861000"/>
+          </a:xfrm>
+          <a:prstGeom prst="rect">
+            <a:avLst/>
+          </a:prstGeom>
+        </p:spPr>
+        <p:txBody>
+          <a:bodyPr lIns="91425" tIns="91425" rIns="91425" bIns="91425" anchor="ctr" anchorCtr="0">
+            <a:noAutofit/>
+          </a:bodyPr>
+          <a:lstStyle/>
+          <a:p>
+            <a:pPr lvl="0" algn="ctr" rtl="0">
+              <a:spcBef>
+                <a:spcPts val="0"/>
+              </a:spcBef>
+              <a:buNone/>
+            </a:pPr>
+            <a:r>
+              <a:rPr lang="en" sz="3000" b="1" dirty="0" smtClean="0">
+                <a:latin typeface="Andale Mono" charset="0"/>
+                <a:ea typeface="Andale Mono" charset="0"/>
+                <a:cs typeface="Andale Mono" charset="0"/>
+              </a:rPr>
+              <a:t>Use </a:t>
+            </a:r>
+            <a:r>
+              <a:rPr lang="en" sz="3000" b="1" dirty="0">
+                <a:latin typeface="Andale Mono" charset="0"/>
+                <a:ea typeface="Andale Mono" charset="0"/>
+                <a:cs typeface="Andale Mono" charset="0"/>
+              </a:rPr>
+              <a:t>Cases and Sequence Diagrams</a:t>
+            </a:r>
+          </a:p>
+        </p:txBody>
+      </p:sp>
+    </p:spTree>
+  </p:cSld>
+  <p:clrMapOvr>
+    <a:masterClrMapping/>
+  </p:clrMapOvr>
+  <p:timing>
+    <p:tnLst>
+      <p:par>
+        <p:cTn id="1" dur="indefinite" restart="never" nodeType="tmRoot"/>
+      </p:par>
+    </p:tnLst>
+  </p:timing>
+</p:sld>
+</file>
+
+<file path=ppt/slides/slide11.xml><?xml version="1.0" encoding="utf-8"?>
+<p:sld xmlns:a="http://schemas.openxmlformats.org/drawingml/2006/main" xmlns:r="http://schemas.openxmlformats.org/officeDocument/2006/relationships" xmlns:p="http://schemas.openxmlformats.org/presentationml/2006/main">
+  <p:cSld>
+    <p:spTree>
+      <p:nvGrpSpPr>
         <p:cNvPr id="1" name="Shape 149"/>
         <p:cNvGrpSpPr/>
         <p:nvPr/>
@@ -5774,14 +6284,6 @@
               </a:rPr>
               <a:t>Case</a:t>
             </a:r>
-            <a:r>
-              <a:rPr lang="en-US" b="1" dirty="0" smtClean="0">
-                <a:latin typeface="Andale Mono" charset="0"/>
-                <a:ea typeface="Andale Mono" charset="0"/>
-                <a:cs typeface="Andale Mono" charset="0"/>
-              </a:rPr>
-              <a:t>s</a:t>
-            </a:r>
             <a:endParaRPr lang="en" b="1" dirty="0">
               <a:latin typeface="Andale Mono" charset="0"/>
               <a:ea typeface="Andale Mono" charset="0"/>
@@ -5812,8 +6314,8 @@
         </p:blipFill>
         <p:spPr>
           <a:xfrm>
-            <a:off x="1435607" y="1188720"/>
-            <a:ext cx="6272784" cy="3550843"/>
+            <a:off x="2066543" y="1197864"/>
+            <a:ext cx="5166361" cy="3550843"/>
           </a:xfrm>
           <a:prstGeom prst="rect">
             <a:avLst/>
@@ -5978,7 +6480,7 @@
 </p:sld>
 </file>
 
-<file path=ppt/slides/slide11.xml><?xml version="1.0" encoding="utf-8"?>
+<file path=ppt/slides/slide12.xml><?xml version="1.0" encoding="utf-8"?>
 <p:sld xmlns:a="http://schemas.openxmlformats.org/drawingml/2006/main" xmlns:r="http://schemas.openxmlformats.org/officeDocument/2006/relationships" xmlns:p="http://schemas.openxmlformats.org/presentationml/2006/main">
   <p:cSld>
     <p:spTree>
@@ -6151,213 +6653,6 @@
           <a:xfrm>
             <a:off x="467036" y="1092709"/>
             <a:ext cx="8228908" cy="3525012"/>
-          </a:xfrm>
-          <a:prstGeom prst="rect">
-            <a:avLst/>
-          </a:prstGeom>
-        </p:spPr>
-      </p:pic>
-    </p:spTree>
-  </p:cSld>
-  <p:clrMapOvr>
-    <a:masterClrMapping/>
-  </p:clrMapOvr>
-  <p:timing>
-    <p:tnLst>
-      <p:par>
-        <p:cTn id="1" dur="indefinite" restart="never" nodeType="tmRoot"/>
-      </p:par>
-    </p:tnLst>
-  </p:timing>
-</p:sld>
-</file>
-
-<file path=ppt/slides/slide12.xml><?xml version="1.0" encoding="utf-8"?>
-<p:sld xmlns:a="http://schemas.openxmlformats.org/drawingml/2006/main" xmlns:r="http://schemas.openxmlformats.org/officeDocument/2006/relationships" xmlns:p="http://schemas.openxmlformats.org/presentationml/2006/main">
-  <p:cSld>
-    <p:spTree>
-      <p:nvGrpSpPr>
-        <p:cNvPr id="1" name="Shape 177"/>
-        <p:cNvGrpSpPr/>
-        <p:nvPr/>
-      </p:nvGrpSpPr>
-      <p:grpSpPr>
-        <a:xfrm>
-          <a:off x="0" y="0"/>
-          <a:ext cx="0" cy="0"/>
-          <a:chOff x="0" y="0"/>
-          <a:chExt cx="0" cy="0"/>
-        </a:xfrm>
-      </p:grpSpPr>
-      <p:sp>
-        <p:nvSpPr>
-          <p:cNvPr id="178" name="Shape 178"/>
-          <p:cNvSpPr txBox="1">
-            <a:spLocks noGrp="1"/>
-          </p:cNvSpPr>
-          <p:nvPr>
-            <p:ph type="title"/>
-          </p:nvPr>
-        </p:nvSpPr>
-        <p:spPr>
-          <a:xfrm>
-            <a:off x="311700" y="445025"/>
-            <a:ext cx="8520600" cy="572700"/>
-          </a:xfrm>
-          <a:prstGeom prst="rect">
-            <a:avLst/>
-          </a:prstGeom>
-        </p:spPr>
-        <p:txBody>
-          <a:bodyPr lIns="91425" tIns="91425" rIns="91425" bIns="91425" anchor="t" anchorCtr="0">
-            <a:noAutofit/>
-          </a:bodyPr>
-          <a:lstStyle/>
-          <a:p>
-            <a:pPr lvl="0" algn="ctr" rtl="0">
-              <a:spcBef>
-                <a:spcPts val="0"/>
-              </a:spcBef>
-              <a:buNone/>
-            </a:pPr>
-            <a:r>
-              <a:rPr lang="en" sz="2800" b="1" dirty="0">
-                <a:latin typeface="Andale Mono" charset="0"/>
-                <a:ea typeface="Andale Mono" charset="0"/>
-                <a:cs typeface="Andale Mono" charset="0"/>
-              </a:rPr>
-              <a:t>Sequence Diagram: </a:t>
-            </a:r>
-            <a:r>
-              <a:rPr lang="en-US" sz="2800" b="1" dirty="0" smtClean="0">
-                <a:latin typeface="Andale Mono" charset="0"/>
-                <a:ea typeface="Andale Mono" charset="0"/>
-                <a:cs typeface="Andale Mono" charset="0"/>
-              </a:rPr>
-              <a:t>Doctor Appointment</a:t>
-            </a:r>
-            <a:endParaRPr lang="en" sz="2800" b="1" dirty="0">
-              <a:latin typeface="Andale Mono" charset="0"/>
-              <a:ea typeface="Andale Mono" charset="0"/>
-              <a:cs typeface="Andale Mono" charset="0"/>
-            </a:endParaRPr>
-          </a:p>
-        </p:txBody>
-      </p:sp>
-      <p:sp>
-        <p:nvSpPr>
-          <p:cNvPr id="179" name="Shape 179"/>
-          <p:cNvSpPr txBox="1">
-            <a:spLocks noGrp="1"/>
-          </p:cNvSpPr>
-          <p:nvPr>
-            <p:ph type="body" idx="4294967295"/>
-          </p:nvPr>
-        </p:nvSpPr>
-        <p:spPr>
-          <a:xfrm>
-            <a:off x="3389450" y="1304875"/>
-            <a:ext cx="2494500" cy="461400"/>
-          </a:xfrm>
-          <a:prstGeom prst="rect">
-            <a:avLst/>
-          </a:prstGeom>
-        </p:spPr>
-        <p:txBody>
-          <a:bodyPr lIns="91425" tIns="91425" rIns="91425" bIns="91425" anchor="t" anchorCtr="0">
-            <a:noAutofit/>
-          </a:bodyPr>
-          <a:lstStyle/>
-          <a:p>
-            <a:pPr lvl="0" rtl="0">
-              <a:spcBef>
-                <a:spcPts val="0"/>
-              </a:spcBef>
-              <a:spcAft>
-                <a:spcPts val="0"/>
-              </a:spcAft>
-              <a:buNone/>
-            </a:pPr>
-            <a:r>
-              <a:rPr lang="en" dirty="0">
-                <a:solidFill>
-                  <a:schemeClr val="lt1"/>
-                </a:solidFill>
-              </a:rPr>
-              <a:t>Item 2</a:t>
-            </a:r>
-          </a:p>
-        </p:txBody>
-      </p:sp>
-      <p:sp>
-        <p:nvSpPr>
-          <p:cNvPr id="180" name="Shape 180"/>
-          <p:cNvSpPr txBox="1">
-            <a:spLocks noGrp="1"/>
-          </p:cNvSpPr>
-          <p:nvPr>
-            <p:ph type="body" idx="4294967295"/>
-          </p:nvPr>
-        </p:nvSpPr>
-        <p:spPr>
-          <a:xfrm>
-            <a:off x="6272475" y="1304875"/>
-            <a:ext cx="2494500" cy="461400"/>
-          </a:xfrm>
-          <a:prstGeom prst="rect">
-            <a:avLst/>
-          </a:prstGeom>
-        </p:spPr>
-        <p:txBody>
-          <a:bodyPr lIns="91425" tIns="91425" rIns="91425" bIns="91425" anchor="t" anchorCtr="0">
-            <a:noAutofit/>
-          </a:bodyPr>
-          <a:lstStyle/>
-          <a:p>
-            <a:pPr lvl="0" rtl="0">
-              <a:spcBef>
-                <a:spcPts val="0"/>
-              </a:spcBef>
-              <a:spcAft>
-                <a:spcPts val="0"/>
-              </a:spcAft>
-              <a:buNone/>
-            </a:pPr>
-            <a:r>
-              <a:rPr lang="en">
-                <a:solidFill>
-                  <a:schemeClr val="lt1"/>
-                </a:solidFill>
-              </a:rPr>
-              <a:t>Item 3</a:t>
-            </a:r>
-          </a:p>
-        </p:txBody>
-      </p:sp>
-      <p:pic>
-        <p:nvPicPr>
-          <p:cNvPr id="3" name="Picture 2"/>
-          <p:cNvPicPr>
-            <a:picLocks noChangeAspect="1"/>
-          </p:cNvPicPr>
-          <p:nvPr/>
-        </p:nvPicPr>
-        <p:blipFill>
-          <a:blip r:embed="rId3">
-            <a:extLst>
-              <a:ext uri="{28A0092B-C50C-407E-A947-70E740481C1C}">
-                <a14:useLocalDpi xmlns:a14="http://schemas.microsoft.com/office/drawing/2010/main" val="0"/>
-              </a:ext>
-            </a:extLst>
-          </a:blip>
-          <a:stretch>
-            <a:fillRect/>
-          </a:stretch>
-        </p:blipFill>
-        <p:spPr>
-          <a:xfrm>
-            <a:off x="596900" y="1172584"/>
-            <a:ext cx="7942684" cy="3356385"/>
           </a:xfrm>
           <a:prstGeom prst="rect">
             <a:avLst/>
@@ -6418,15 +6713,15 @@
                 <a:ea typeface="Andale Mono" charset="0"/>
                 <a:cs typeface="Andale Mono" charset="0"/>
               </a:rPr>
-              <a:t>Sequence </a:t>
+              <a:t>Sequence Diagram:</a:t>
             </a:r>
             <a:r>
-              <a:rPr lang="en" sz="2800" b="1" dirty="0" smtClean="0">
+              <a:rPr lang="en-US" sz="2800" b="1" dirty="0">
                 <a:latin typeface="Andale Mono" charset="0"/>
                 <a:ea typeface="Andale Mono" charset="0"/>
                 <a:cs typeface="Andale Mono" charset="0"/>
               </a:rPr>
-              <a:t>Diagram:</a:t>
+              <a:t> </a:t>
             </a:r>
             <a:r>
               <a:rPr lang="en-US" sz="2800" b="1" dirty="0" smtClean="0">
@@ -6434,7 +6729,7 @@
                 <a:ea typeface="Andale Mono" charset="0"/>
                 <a:cs typeface="Andale Mono" charset="0"/>
               </a:rPr>
-              <a:t> Invoice</a:t>
+              <a:t>New User Registration</a:t>
             </a:r>
             <a:endParaRPr lang="en-US" sz="2800" dirty="0"/>
           </a:p>
@@ -6473,7 +6768,7 @@
     </p:spTree>
     <p:extLst>
       <p:ext uri="{BB962C8B-B14F-4D97-AF65-F5344CB8AC3E}">
-        <p14:creationId xmlns:p14="http://schemas.microsoft.com/office/powerpoint/2010/main" val="608524305"/>
+        <p14:creationId xmlns:p14="http://schemas.microsoft.com/office/powerpoint/2010/main" val="127199236"/>
       </p:ext>
     </p:extLst>
   </p:cSld>
@@ -6529,7 +6824,15 @@
                 <a:ea typeface="Andale Mono" charset="0"/>
                 <a:cs typeface="Andale Mono" charset="0"/>
               </a:rPr>
-              <a:t>Sequence Diagram:</a:t>
+              <a:t>Sequence </a:t>
+            </a:r>
+            <a:r>
+              <a:rPr lang="en" sz="2800" b="1" dirty="0" smtClean="0">
+                <a:latin typeface="Andale Mono" charset="0"/>
+                <a:ea typeface="Andale Mono" charset="0"/>
+                <a:cs typeface="Andale Mono" charset="0"/>
+              </a:rPr>
+              <a:t>Diagram:</a:t>
             </a:r>
             <a:r>
               <a:rPr lang="en-US" sz="2800" b="1" dirty="0">
@@ -6545,7 +6848,15 @@
                 <a:ea typeface="Andale Mono" charset="0"/>
                 <a:cs typeface="Andale Mono" charset="0"/>
               </a:rPr>
-              <a:t>New User Registration</a:t>
+              <a:t>Schedule </a:t>
+            </a:r>
+            <a:r>
+              <a:rPr lang="en-US" sz="2800" b="1" dirty="0" smtClean="0">
+                <a:latin typeface="Andale Mono" charset="0"/>
+                <a:ea typeface="Andale Mono" charset="0"/>
+                <a:cs typeface="Andale Mono" charset="0"/>
+              </a:rPr>
+              <a:t>Appointment</a:t>
             </a:r>
             <a:endParaRPr lang="en-US" sz="2800" dirty="0"/>
           </a:p>
@@ -6573,8 +6884,8 @@
         </p:blipFill>
         <p:spPr>
           <a:xfrm>
-            <a:off x="596900" y="1017724"/>
-            <a:ext cx="7942684" cy="3586549"/>
+            <a:off x="596900" y="1017723"/>
+            <a:ext cx="7942684" cy="3543519"/>
           </a:xfrm>
           <a:prstGeom prst="rect">
             <a:avLst/>
@@ -6584,7 +6895,7 @@
     </p:spTree>
     <p:extLst>
       <p:ext uri="{BB962C8B-B14F-4D97-AF65-F5344CB8AC3E}">
-        <p14:creationId xmlns:p14="http://schemas.microsoft.com/office/powerpoint/2010/main" val="127199236"/>
+        <p14:creationId xmlns:p14="http://schemas.microsoft.com/office/powerpoint/2010/main" val="682691176"/>
       </p:ext>
     </p:extLst>
   </p:cSld>
@@ -6633,116 +6944,6 @@
           <a:bodyPr/>
           <a:lstStyle/>
           <a:p>
-            <a:r>
-              <a:rPr lang="en" sz="2800" b="1" dirty="0">
-                <a:latin typeface="Andale Mono" charset="0"/>
-                <a:ea typeface="Andale Mono" charset="0"/>
-                <a:cs typeface="Andale Mono" charset="0"/>
-              </a:rPr>
-              <a:t>Sequence Diagram:</a:t>
-            </a:r>
-            <a:r>
-              <a:rPr lang="en-US" sz="2800" b="1" dirty="0">
-                <a:latin typeface="Andale Mono" charset="0"/>
-                <a:ea typeface="Andale Mono" charset="0"/>
-                <a:cs typeface="Andale Mono" charset="0"/>
-              </a:rPr>
-              <a:t> </a:t>
-            </a:r>
-            <a:r>
-              <a:rPr lang="en-US" sz="2800" b="1" dirty="0" smtClean="0">
-                <a:latin typeface="Andale Mono" charset="0"/>
-                <a:ea typeface="Andale Mono" charset="0"/>
-                <a:cs typeface="Andale Mono" charset="0"/>
-              </a:rPr>
-              <a:t>Schedule Appointment</a:t>
-            </a:r>
-            <a:endParaRPr lang="en-US" sz="2800" dirty="0"/>
-          </a:p>
-        </p:txBody>
-      </p:sp>
-      <p:pic>
-        <p:nvPicPr>
-          <p:cNvPr id="3" name="Picture 2"/>
-          <p:cNvPicPr>
-            <a:picLocks noChangeAspect="1"/>
-          </p:cNvPicPr>
-          <p:nvPr/>
-        </p:nvPicPr>
-        <p:blipFill>
-          <a:blip r:embed="rId2">
-            <a:extLst>
-              <a:ext uri="{28A0092B-C50C-407E-A947-70E740481C1C}">
-                <a14:useLocalDpi xmlns:a14="http://schemas.microsoft.com/office/drawing/2010/main" val="0"/>
-              </a:ext>
-            </a:extLst>
-          </a:blip>
-          <a:stretch>
-            <a:fillRect/>
-          </a:stretch>
-        </p:blipFill>
-        <p:spPr>
-          <a:xfrm>
-            <a:off x="596900" y="1017723"/>
-            <a:ext cx="7942684" cy="3543519"/>
-          </a:xfrm>
-          <a:prstGeom prst="rect">
-            <a:avLst/>
-          </a:prstGeom>
-        </p:spPr>
-      </p:pic>
-    </p:spTree>
-    <p:extLst>
-      <p:ext uri="{BB962C8B-B14F-4D97-AF65-F5344CB8AC3E}">
-        <p14:creationId xmlns:p14="http://schemas.microsoft.com/office/powerpoint/2010/main" val="682691176"/>
-      </p:ext>
-    </p:extLst>
-  </p:cSld>
-  <p:clrMapOvr>
-    <a:masterClrMapping/>
-  </p:clrMapOvr>
-  <p:timing>
-    <p:tnLst>
-      <p:par>
-        <p:cTn id="1" dur="indefinite" restart="never" nodeType="tmRoot"/>
-      </p:par>
-    </p:tnLst>
-  </p:timing>
-</p:sld>
-</file>
-
-<file path=ppt/slides/slide16.xml><?xml version="1.0" encoding="utf-8"?>
-<p:sld xmlns:a="http://schemas.openxmlformats.org/drawingml/2006/main" xmlns:r="http://schemas.openxmlformats.org/officeDocument/2006/relationships" xmlns:p="http://schemas.openxmlformats.org/presentationml/2006/main">
-  <p:cSld>
-    <p:spTree>
-      <p:nvGrpSpPr>
-        <p:cNvPr id="1" name=""/>
-        <p:cNvGrpSpPr/>
-        <p:nvPr/>
-      </p:nvGrpSpPr>
-      <p:grpSpPr>
-        <a:xfrm>
-          <a:off x="0" y="0"/>
-          <a:ext cx="0" cy="0"/>
-          <a:chOff x="0" y="0"/>
-          <a:chExt cx="0" cy="0"/>
-        </a:xfrm>
-      </p:grpSpPr>
-      <p:sp>
-        <p:nvSpPr>
-          <p:cNvPr id="2" name="Title 1"/>
-          <p:cNvSpPr>
-            <a:spLocks noGrp="1"/>
-          </p:cNvSpPr>
-          <p:nvPr>
-            <p:ph type="title"/>
-          </p:nvPr>
-        </p:nvSpPr>
-        <p:spPr/>
-        <p:txBody>
-          <a:bodyPr/>
-          <a:lstStyle/>
-          <a:p>
             <a:pPr algn="ctr"/>
             <a:r>
               <a:rPr lang="en" sz="2800" b="1" dirty="0">
@@ -6822,12 +7023,12 @@
 </p:sld>
 </file>
 
-<file path=ppt/slides/slide17.xml><?xml version="1.0" encoding="utf-8"?>
+<file path=ppt/slides/slide16.xml><?xml version="1.0" encoding="utf-8"?>
 <p:sld xmlns:a="http://schemas.openxmlformats.org/drawingml/2006/main" xmlns:r="http://schemas.openxmlformats.org/officeDocument/2006/relationships" xmlns:p="http://schemas.openxmlformats.org/presentationml/2006/main">
   <p:cSld>
     <p:spTree>
       <p:nvGrpSpPr>
-        <p:cNvPr id="1" name="Shape 184"/>
+        <p:cNvPr id="1" name="Shape 177"/>
         <p:cNvGrpSpPr/>
         <p:nvPr/>
       </p:nvGrpSpPr>
@@ -6841,7 +7042,7 @@
       </p:grpSpPr>
       <p:sp>
         <p:nvSpPr>
-          <p:cNvPr id="185" name="Shape 185"/>
+          <p:cNvPr id="178" name="Shape 178"/>
           <p:cNvSpPr txBox="1">
             <a:spLocks noGrp="1"/>
           </p:cNvSpPr>
@@ -6851,37 +7052,382 @@
         </p:nvSpPr>
         <p:spPr>
           <a:xfrm>
-            <a:off x="671250" y="2141250"/>
-            <a:ext cx="7852199" cy="861000"/>
+            <a:off x="311700" y="445025"/>
+            <a:ext cx="8520600" cy="572700"/>
           </a:xfrm>
           <a:prstGeom prst="rect">
             <a:avLst/>
           </a:prstGeom>
         </p:spPr>
         <p:txBody>
-          <a:bodyPr lIns="91425" tIns="91425" rIns="91425" bIns="91425" anchor="ctr" anchorCtr="0">
+          <a:bodyPr lIns="91425" tIns="91425" rIns="91425" bIns="91425" anchor="t" anchorCtr="0">
             <a:noAutofit/>
           </a:bodyPr>
           <a:lstStyle/>
           <a:p>
-            <a:pPr lvl="0">
+            <a:pPr lvl="0" algn="ctr" rtl="0">
               <a:spcBef>
                 <a:spcPts val="0"/>
               </a:spcBef>
               <a:buNone/>
             </a:pPr>
             <a:r>
-              <a:rPr lang="en" b="1" dirty="0">
+              <a:rPr lang="en" sz="2800" b="1" dirty="0">
                 <a:latin typeface="Andale Mono" charset="0"/>
                 <a:ea typeface="Andale Mono" charset="0"/>
                 <a:cs typeface="Andale Mono" charset="0"/>
               </a:rPr>
-              <a:t>Demonstration</a:t>
+              <a:t>Sequence Diagram: </a:t>
             </a:r>
+            <a:r>
+              <a:rPr lang="en-US" sz="2800" b="1" dirty="0" smtClean="0">
+                <a:latin typeface="Andale Mono" charset="0"/>
+                <a:ea typeface="Andale Mono" charset="0"/>
+                <a:cs typeface="Andale Mono" charset="0"/>
+              </a:rPr>
+              <a:t>Doctor Appointment</a:t>
+            </a:r>
+            <a:endParaRPr lang="en" sz="2800" b="1" dirty="0">
+              <a:latin typeface="Andale Mono" charset="0"/>
+              <a:ea typeface="Andale Mono" charset="0"/>
+              <a:cs typeface="Andale Mono" charset="0"/>
+            </a:endParaRPr>
           </a:p>
         </p:txBody>
       </p:sp>
+      <p:sp>
+        <p:nvSpPr>
+          <p:cNvPr id="179" name="Shape 179"/>
+          <p:cNvSpPr txBox="1">
+            <a:spLocks noGrp="1"/>
+          </p:cNvSpPr>
+          <p:nvPr>
+            <p:ph type="body" idx="4294967295"/>
+          </p:nvPr>
+        </p:nvSpPr>
+        <p:spPr>
+          <a:xfrm>
+            <a:off x="3389450" y="1304875"/>
+            <a:ext cx="2494500" cy="461400"/>
+          </a:xfrm>
+          <a:prstGeom prst="rect">
+            <a:avLst/>
+          </a:prstGeom>
+        </p:spPr>
+        <p:txBody>
+          <a:bodyPr lIns="91425" tIns="91425" rIns="91425" bIns="91425" anchor="t" anchorCtr="0">
+            <a:noAutofit/>
+          </a:bodyPr>
+          <a:lstStyle/>
+          <a:p>
+            <a:pPr lvl="0" rtl="0">
+              <a:spcBef>
+                <a:spcPts val="0"/>
+              </a:spcBef>
+              <a:spcAft>
+                <a:spcPts val="0"/>
+              </a:spcAft>
+              <a:buNone/>
+            </a:pPr>
+            <a:r>
+              <a:rPr lang="en" dirty="0">
+                <a:solidFill>
+                  <a:schemeClr val="lt1"/>
+                </a:solidFill>
+              </a:rPr>
+              <a:t>Item 2</a:t>
+            </a:r>
+          </a:p>
+        </p:txBody>
+      </p:sp>
+      <p:sp>
+        <p:nvSpPr>
+          <p:cNvPr id="180" name="Shape 180"/>
+          <p:cNvSpPr txBox="1">
+            <a:spLocks noGrp="1"/>
+          </p:cNvSpPr>
+          <p:nvPr>
+            <p:ph type="body" idx="4294967295"/>
+          </p:nvPr>
+        </p:nvSpPr>
+        <p:spPr>
+          <a:xfrm>
+            <a:off x="6272475" y="1304875"/>
+            <a:ext cx="2494500" cy="461400"/>
+          </a:xfrm>
+          <a:prstGeom prst="rect">
+            <a:avLst/>
+          </a:prstGeom>
+        </p:spPr>
+        <p:txBody>
+          <a:bodyPr lIns="91425" tIns="91425" rIns="91425" bIns="91425" anchor="t" anchorCtr="0">
+            <a:noAutofit/>
+          </a:bodyPr>
+          <a:lstStyle/>
+          <a:p>
+            <a:pPr lvl="0" rtl="0">
+              <a:spcBef>
+                <a:spcPts val="0"/>
+              </a:spcBef>
+              <a:spcAft>
+                <a:spcPts val="0"/>
+              </a:spcAft>
+              <a:buNone/>
+            </a:pPr>
+            <a:r>
+              <a:rPr lang="en">
+                <a:solidFill>
+                  <a:schemeClr val="lt1"/>
+                </a:solidFill>
+              </a:rPr>
+              <a:t>Item 3</a:t>
+            </a:r>
+          </a:p>
+        </p:txBody>
+      </p:sp>
+      <p:pic>
+        <p:nvPicPr>
+          <p:cNvPr id="3" name="Picture 2"/>
+          <p:cNvPicPr>
+            <a:picLocks noChangeAspect="1"/>
+          </p:cNvPicPr>
+          <p:nvPr/>
+        </p:nvPicPr>
+        <p:blipFill>
+          <a:blip r:embed="rId3">
+            <a:extLst>
+              <a:ext uri="{28A0092B-C50C-407E-A947-70E740481C1C}">
+                <a14:useLocalDpi xmlns:a14="http://schemas.microsoft.com/office/drawing/2010/main" val="0"/>
+              </a:ext>
+            </a:extLst>
+          </a:blip>
+          <a:stretch>
+            <a:fillRect/>
+          </a:stretch>
+        </p:blipFill>
+        <p:spPr>
+          <a:xfrm>
+            <a:off x="596900" y="1172584"/>
+            <a:ext cx="7942684" cy="3356385"/>
+          </a:xfrm>
+          <a:prstGeom prst="rect">
+            <a:avLst/>
+          </a:prstGeom>
+        </p:spPr>
+      </p:pic>
     </p:spTree>
+  </p:cSld>
+  <p:clrMapOvr>
+    <a:masterClrMapping/>
+  </p:clrMapOvr>
+  <p:timing>
+    <p:tnLst>
+      <p:par>
+        <p:cTn id="1" dur="indefinite" restart="never" nodeType="tmRoot"/>
+      </p:par>
+    </p:tnLst>
+  </p:timing>
+</p:sld>
+</file>
+
+<file path=ppt/slides/slide17.xml><?xml version="1.0" encoding="utf-8"?>
+<p:sld xmlns:a="http://schemas.openxmlformats.org/drawingml/2006/main" xmlns:r="http://schemas.openxmlformats.org/officeDocument/2006/relationships" xmlns:p="http://schemas.openxmlformats.org/presentationml/2006/main">
+  <p:cSld>
+    <p:spTree>
+      <p:nvGrpSpPr>
+        <p:cNvPr id="1" name="Shape 177"/>
+        <p:cNvGrpSpPr/>
+        <p:nvPr/>
+      </p:nvGrpSpPr>
+      <p:grpSpPr>
+        <a:xfrm>
+          <a:off x="0" y="0"/>
+          <a:ext cx="0" cy="0"/>
+          <a:chOff x="0" y="0"/>
+          <a:chExt cx="0" cy="0"/>
+        </a:xfrm>
+      </p:grpSpPr>
+      <p:sp>
+        <p:nvSpPr>
+          <p:cNvPr id="178" name="Shape 178"/>
+          <p:cNvSpPr txBox="1">
+            <a:spLocks noGrp="1"/>
+          </p:cNvSpPr>
+          <p:nvPr>
+            <p:ph type="title"/>
+          </p:nvPr>
+        </p:nvSpPr>
+        <p:spPr>
+          <a:xfrm>
+            <a:off x="311700" y="445025"/>
+            <a:ext cx="8520600" cy="572700"/>
+          </a:xfrm>
+          <a:prstGeom prst="rect">
+            <a:avLst/>
+          </a:prstGeom>
+        </p:spPr>
+        <p:txBody>
+          <a:bodyPr lIns="91425" tIns="91425" rIns="91425" bIns="91425" anchor="t" anchorCtr="0">
+            <a:noAutofit/>
+          </a:bodyPr>
+          <a:lstStyle/>
+          <a:p>
+            <a:pPr lvl="0" algn="ctr" rtl="0">
+              <a:spcBef>
+                <a:spcPts val="0"/>
+              </a:spcBef>
+              <a:buNone/>
+            </a:pPr>
+            <a:r>
+              <a:rPr lang="en" sz="2800" b="1" dirty="0">
+                <a:latin typeface="Andale Mono" charset="0"/>
+                <a:ea typeface="Andale Mono" charset="0"/>
+                <a:cs typeface="Andale Mono" charset="0"/>
+              </a:rPr>
+              <a:t>Sequence Diagram: </a:t>
+            </a:r>
+            <a:r>
+              <a:rPr lang="en-US" sz="2800" b="1" dirty="0" smtClean="0">
+                <a:latin typeface="Andale Mono" charset="0"/>
+                <a:ea typeface="Andale Mono" charset="0"/>
+                <a:cs typeface="Andale Mono" charset="0"/>
+              </a:rPr>
+              <a:t>Pharmacy</a:t>
+            </a:r>
+            <a:endParaRPr lang="en" sz="2800" b="1" dirty="0">
+              <a:latin typeface="Andale Mono" charset="0"/>
+              <a:ea typeface="Andale Mono" charset="0"/>
+              <a:cs typeface="Andale Mono" charset="0"/>
+            </a:endParaRPr>
+          </a:p>
+        </p:txBody>
+      </p:sp>
+      <p:sp>
+        <p:nvSpPr>
+          <p:cNvPr id="179" name="Shape 179"/>
+          <p:cNvSpPr txBox="1">
+            <a:spLocks noGrp="1"/>
+          </p:cNvSpPr>
+          <p:nvPr>
+            <p:ph type="body" idx="4294967295"/>
+          </p:nvPr>
+        </p:nvSpPr>
+        <p:spPr>
+          <a:xfrm>
+            <a:off x="3389450" y="1304875"/>
+            <a:ext cx="2494500" cy="461400"/>
+          </a:xfrm>
+          <a:prstGeom prst="rect">
+            <a:avLst/>
+          </a:prstGeom>
+        </p:spPr>
+        <p:txBody>
+          <a:bodyPr lIns="91425" tIns="91425" rIns="91425" bIns="91425" anchor="t" anchorCtr="0">
+            <a:noAutofit/>
+          </a:bodyPr>
+          <a:lstStyle/>
+          <a:p>
+            <a:pPr lvl="0" rtl="0">
+              <a:spcBef>
+                <a:spcPts val="0"/>
+              </a:spcBef>
+              <a:spcAft>
+                <a:spcPts val="0"/>
+              </a:spcAft>
+              <a:buNone/>
+            </a:pPr>
+            <a:r>
+              <a:rPr lang="en" dirty="0">
+                <a:solidFill>
+                  <a:schemeClr val="lt1"/>
+                </a:solidFill>
+              </a:rPr>
+              <a:t>Item 2</a:t>
+            </a:r>
+          </a:p>
+        </p:txBody>
+      </p:sp>
+      <p:sp>
+        <p:nvSpPr>
+          <p:cNvPr id="180" name="Shape 180"/>
+          <p:cNvSpPr txBox="1">
+            <a:spLocks noGrp="1"/>
+          </p:cNvSpPr>
+          <p:nvPr>
+            <p:ph type="body" idx="4294967295"/>
+          </p:nvPr>
+        </p:nvSpPr>
+        <p:spPr>
+          <a:xfrm>
+            <a:off x="6272475" y="1304875"/>
+            <a:ext cx="2494500" cy="461400"/>
+          </a:xfrm>
+          <a:prstGeom prst="rect">
+            <a:avLst/>
+          </a:prstGeom>
+        </p:spPr>
+        <p:txBody>
+          <a:bodyPr lIns="91425" tIns="91425" rIns="91425" bIns="91425" anchor="t" anchorCtr="0">
+            <a:noAutofit/>
+          </a:bodyPr>
+          <a:lstStyle/>
+          <a:p>
+            <a:pPr lvl="0" rtl="0">
+              <a:spcBef>
+                <a:spcPts val="0"/>
+              </a:spcBef>
+              <a:spcAft>
+                <a:spcPts val="0"/>
+              </a:spcAft>
+              <a:buNone/>
+            </a:pPr>
+            <a:r>
+              <a:rPr lang="en">
+                <a:solidFill>
+                  <a:schemeClr val="lt1"/>
+                </a:solidFill>
+              </a:rPr>
+              <a:t>Item 3</a:t>
+            </a:r>
+          </a:p>
+        </p:txBody>
+      </p:sp>
+      <p:pic>
+        <p:nvPicPr>
+          <p:cNvPr id="2" name="Picture 1"/>
+          <p:cNvPicPr>
+            <a:picLocks noChangeAspect="1"/>
+          </p:cNvPicPr>
+          <p:nvPr/>
+        </p:nvPicPr>
+        <p:blipFill>
+          <a:blip r:embed="rId3">
+            <a:extLst>
+              <a:ext uri="{28A0092B-C50C-407E-A947-70E740481C1C}">
+                <a14:useLocalDpi xmlns:a14="http://schemas.microsoft.com/office/drawing/2010/main" val="0"/>
+              </a:ext>
+            </a:extLst>
+          </a:blip>
+          <a:stretch>
+            <a:fillRect/>
+          </a:stretch>
+        </p:blipFill>
+        <p:spPr>
+          <a:xfrm>
+            <a:off x="1269639" y="1088136"/>
+            <a:ext cx="6604722" cy="3730752"/>
+          </a:xfrm>
+          <a:prstGeom prst="rect">
+            <a:avLst/>
+          </a:prstGeom>
+        </p:spPr>
+      </p:pic>
+    </p:spTree>
+    <p:extLst>
+      <p:ext uri="{BB962C8B-B14F-4D97-AF65-F5344CB8AC3E}">
+        <p14:creationId xmlns:p14="http://schemas.microsoft.com/office/powerpoint/2010/main" val="1209574936"/>
+      </p:ext>
+    </p:extLst>
   </p:cSld>
   <p:clrMapOvr>
     <a:masterClrMapping/>
@@ -6901,7 +7447,7 @@
   <p:cSld>
     <p:spTree>
       <p:nvGrpSpPr>
-        <p:cNvPr id="1" name="Shape 189"/>
+        <p:cNvPr id="1" name="Shape 177"/>
         <p:cNvGrpSpPr/>
         <p:nvPr/>
       </p:nvGrpSpPr>
@@ -6915,7 +7461,7 @@
       </p:grpSpPr>
       <p:sp>
         <p:nvSpPr>
-          <p:cNvPr id="190" name="Shape 190"/>
+          <p:cNvPr id="178" name="Shape 178"/>
           <p:cNvSpPr txBox="1">
             <a:spLocks noGrp="1"/>
           </p:cNvSpPr>
@@ -6925,15 +7471,15 @@
         </p:nvSpPr>
         <p:spPr>
           <a:xfrm>
-            <a:off x="671250" y="2141250"/>
-            <a:ext cx="7852200" cy="861000"/>
+            <a:off x="311700" y="445025"/>
+            <a:ext cx="8520600" cy="572700"/>
           </a:xfrm>
           <a:prstGeom prst="rect">
             <a:avLst/>
           </a:prstGeom>
         </p:spPr>
         <p:txBody>
-          <a:bodyPr lIns="91425" tIns="91425" rIns="91425" bIns="91425" anchor="ctr" anchorCtr="0">
+          <a:bodyPr lIns="91425" tIns="91425" rIns="91425" bIns="91425" anchor="t" anchorCtr="0">
             <a:noAutofit/>
           </a:bodyPr>
           <a:lstStyle/>
@@ -6945,17 +7491,367 @@
               <a:buNone/>
             </a:pPr>
             <a:r>
-              <a:rPr lang="en" sz="3000" b="1" dirty="0">
+              <a:rPr lang="en" sz="2800" b="1" dirty="0">
                 <a:latin typeface="Andale Mono" charset="0"/>
                 <a:ea typeface="Andale Mono" charset="0"/>
                 <a:cs typeface="Andale Mono" charset="0"/>
               </a:rPr>
-              <a:t>Summary</a:t>
+              <a:t>Sequence Diagram: </a:t>
             </a:r>
+            <a:r>
+              <a:rPr lang="en-US" sz="2800" b="1" dirty="0" smtClean="0">
+                <a:latin typeface="Andale Mono" charset="0"/>
+                <a:ea typeface="Andale Mono" charset="0"/>
+                <a:cs typeface="Andale Mono" charset="0"/>
+              </a:rPr>
+              <a:t>Pharmacy</a:t>
+            </a:r>
+            <a:endParaRPr lang="en" sz="2800" b="1" dirty="0">
+              <a:latin typeface="Andale Mono" charset="0"/>
+              <a:ea typeface="Andale Mono" charset="0"/>
+              <a:cs typeface="Andale Mono" charset="0"/>
+            </a:endParaRPr>
           </a:p>
         </p:txBody>
       </p:sp>
+      <p:sp>
+        <p:nvSpPr>
+          <p:cNvPr id="179" name="Shape 179"/>
+          <p:cNvSpPr txBox="1">
+            <a:spLocks noGrp="1"/>
+          </p:cNvSpPr>
+          <p:nvPr>
+            <p:ph type="body" idx="4294967295"/>
+          </p:nvPr>
+        </p:nvSpPr>
+        <p:spPr>
+          <a:xfrm>
+            <a:off x="3389450" y="1304875"/>
+            <a:ext cx="2494500" cy="461400"/>
+          </a:xfrm>
+          <a:prstGeom prst="rect">
+            <a:avLst/>
+          </a:prstGeom>
+        </p:spPr>
+        <p:txBody>
+          <a:bodyPr lIns="91425" tIns="91425" rIns="91425" bIns="91425" anchor="t" anchorCtr="0">
+            <a:noAutofit/>
+          </a:bodyPr>
+          <a:lstStyle/>
+          <a:p>
+            <a:pPr lvl="0" rtl="0">
+              <a:spcBef>
+                <a:spcPts val="0"/>
+              </a:spcBef>
+              <a:spcAft>
+                <a:spcPts val="0"/>
+              </a:spcAft>
+              <a:buNone/>
+            </a:pPr>
+            <a:r>
+              <a:rPr lang="en" dirty="0">
+                <a:solidFill>
+                  <a:schemeClr val="lt1"/>
+                </a:solidFill>
+              </a:rPr>
+              <a:t>Item 2</a:t>
+            </a:r>
+          </a:p>
+        </p:txBody>
+      </p:sp>
+      <p:sp>
+        <p:nvSpPr>
+          <p:cNvPr id="180" name="Shape 180"/>
+          <p:cNvSpPr txBox="1">
+            <a:spLocks noGrp="1"/>
+          </p:cNvSpPr>
+          <p:nvPr>
+            <p:ph type="body" idx="4294967295"/>
+          </p:nvPr>
+        </p:nvSpPr>
+        <p:spPr>
+          <a:xfrm>
+            <a:off x="6272475" y="1304875"/>
+            <a:ext cx="2494500" cy="461400"/>
+          </a:xfrm>
+          <a:prstGeom prst="rect">
+            <a:avLst/>
+          </a:prstGeom>
+        </p:spPr>
+        <p:txBody>
+          <a:bodyPr lIns="91425" tIns="91425" rIns="91425" bIns="91425" anchor="t" anchorCtr="0">
+            <a:noAutofit/>
+          </a:bodyPr>
+          <a:lstStyle/>
+          <a:p>
+            <a:pPr lvl="0" rtl="0">
+              <a:spcBef>
+                <a:spcPts val="0"/>
+              </a:spcBef>
+              <a:spcAft>
+                <a:spcPts val="0"/>
+              </a:spcAft>
+              <a:buNone/>
+            </a:pPr>
+            <a:r>
+              <a:rPr lang="en">
+                <a:solidFill>
+                  <a:schemeClr val="lt1"/>
+                </a:solidFill>
+              </a:rPr>
+              <a:t>Item 3</a:t>
+            </a:r>
+          </a:p>
+        </p:txBody>
+      </p:sp>
+      <p:pic>
+        <p:nvPicPr>
+          <p:cNvPr id="4" name="Picture 3"/>
+          <p:cNvPicPr>
+            <a:picLocks noChangeAspect="1"/>
+          </p:cNvPicPr>
+          <p:nvPr/>
+        </p:nvPicPr>
+        <p:blipFill>
+          <a:blip r:embed="rId3">
+            <a:extLst>
+              <a:ext uri="{28A0092B-C50C-407E-A947-70E740481C1C}">
+                <a14:useLocalDpi xmlns:a14="http://schemas.microsoft.com/office/drawing/2010/main" val="0"/>
+              </a:ext>
+            </a:extLst>
+          </a:blip>
+          <a:stretch>
+            <a:fillRect/>
+          </a:stretch>
+        </p:blipFill>
+        <p:spPr>
+          <a:xfrm>
+            <a:off x="1269639" y="1019556"/>
+            <a:ext cx="6604722" cy="3488436"/>
+          </a:xfrm>
+          <a:prstGeom prst="rect">
+            <a:avLst/>
+          </a:prstGeom>
+        </p:spPr>
+      </p:pic>
     </p:spTree>
+    <p:extLst>
+      <p:ext uri="{BB962C8B-B14F-4D97-AF65-F5344CB8AC3E}">
+        <p14:creationId xmlns:p14="http://schemas.microsoft.com/office/powerpoint/2010/main" val="3110265"/>
+      </p:ext>
+    </p:extLst>
+  </p:cSld>
+  <p:clrMapOvr>
+    <a:masterClrMapping/>
+  </p:clrMapOvr>
+  <p:timing>
+    <p:tnLst>
+      <p:par>
+        <p:cTn id="1" dur="indefinite" restart="never" nodeType="tmRoot"/>
+      </p:par>
+    </p:tnLst>
+  </p:timing>
+</p:sld>
+</file>
+
+<file path=ppt/slides/slide19.xml><?xml version="1.0" encoding="utf-8"?>
+<p:sld xmlns:a="http://schemas.openxmlformats.org/drawingml/2006/main" xmlns:r="http://schemas.openxmlformats.org/officeDocument/2006/relationships" xmlns:p="http://schemas.openxmlformats.org/presentationml/2006/main">
+  <p:cSld>
+    <p:spTree>
+      <p:nvGrpSpPr>
+        <p:cNvPr id="1" name="Shape 177"/>
+        <p:cNvGrpSpPr/>
+        <p:nvPr/>
+      </p:nvGrpSpPr>
+      <p:grpSpPr>
+        <a:xfrm>
+          <a:off x="0" y="0"/>
+          <a:ext cx="0" cy="0"/>
+          <a:chOff x="0" y="0"/>
+          <a:chExt cx="0" cy="0"/>
+        </a:xfrm>
+      </p:grpSpPr>
+      <p:sp>
+        <p:nvSpPr>
+          <p:cNvPr id="178" name="Shape 178"/>
+          <p:cNvSpPr txBox="1">
+            <a:spLocks noGrp="1"/>
+          </p:cNvSpPr>
+          <p:nvPr>
+            <p:ph type="title"/>
+          </p:nvPr>
+        </p:nvSpPr>
+        <p:spPr>
+          <a:xfrm>
+            <a:off x="311700" y="445025"/>
+            <a:ext cx="8520600" cy="572700"/>
+          </a:xfrm>
+          <a:prstGeom prst="rect">
+            <a:avLst/>
+          </a:prstGeom>
+        </p:spPr>
+        <p:txBody>
+          <a:bodyPr lIns="91425" tIns="91425" rIns="91425" bIns="91425" anchor="t" anchorCtr="0">
+            <a:noAutofit/>
+          </a:bodyPr>
+          <a:lstStyle/>
+          <a:p>
+            <a:pPr lvl="0" algn="ctr" rtl="0">
+              <a:spcBef>
+                <a:spcPts val="0"/>
+              </a:spcBef>
+              <a:buNone/>
+            </a:pPr>
+            <a:r>
+              <a:rPr lang="en" sz="2800" b="1" dirty="0">
+                <a:latin typeface="Andale Mono" charset="0"/>
+                <a:ea typeface="Andale Mono" charset="0"/>
+                <a:cs typeface="Andale Mono" charset="0"/>
+              </a:rPr>
+              <a:t>Sequence Diagram: </a:t>
+            </a:r>
+            <a:r>
+              <a:rPr lang="en-US" sz="2800" b="1" dirty="0" smtClean="0">
+                <a:latin typeface="Andale Mono" charset="0"/>
+                <a:ea typeface="Andale Mono" charset="0"/>
+                <a:cs typeface="Andale Mono" charset="0"/>
+              </a:rPr>
+              <a:t>Pharmacy</a:t>
+            </a:r>
+            <a:endParaRPr lang="en" sz="2800" b="1" dirty="0">
+              <a:latin typeface="Andale Mono" charset="0"/>
+              <a:ea typeface="Andale Mono" charset="0"/>
+              <a:cs typeface="Andale Mono" charset="0"/>
+            </a:endParaRPr>
+          </a:p>
+        </p:txBody>
+      </p:sp>
+      <p:sp>
+        <p:nvSpPr>
+          <p:cNvPr id="179" name="Shape 179"/>
+          <p:cNvSpPr txBox="1">
+            <a:spLocks noGrp="1"/>
+          </p:cNvSpPr>
+          <p:nvPr>
+            <p:ph type="body" idx="4294967295"/>
+          </p:nvPr>
+        </p:nvSpPr>
+        <p:spPr>
+          <a:xfrm>
+            <a:off x="3389450" y="1304875"/>
+            <a:ext cx="2494500" cy="461400"/>
+          </a:xfrm>
+          <a:prstGeom prst="rect">
+            <a:avLst/>
+          </a:prstGeom>
+        </p:spPr>
+        <p:txBody>
+          <a:bodyPr lIns="91425" tIns="91425" rIns="91425" bIns="91425" anchor="t" anchorCtr="0">
+            <a:noAutofit/>
+          </a:bodyPr>
+          <a:lstStyle/>
+          <a:p>
+            <a:pPr lvl="0" rtl="0">
+              <a:spcBef>
+                <a:spcPts val="0"/>
+              </a:spcBef>
+              <a:spcAft>
+                <a:spcPts val="0"/>
+              </a:spcAft>
+              <a:buNone/>
+            </a:pPr>
+            <a:r>
+              <a:rPr lang="en" dirty="0">
+                <a:solidFill>
+                  <a:schemeClr val="lt1"/>
+                </a:solidFill>
+              </a:rPr>
+              <a:t>Item 2</a:t>
+            </a:r>
+          </a:p>
+        </p:txBody>
+      </p:sp>
+      <p:sp>
+        <p:nvSpPr>
+          <p:cNvPr id="180" name="Shape 180"/>
+          <p:cNvSpPr txBox="1">
+            <a:spLocks noGrp="1"/>
+          </p:cNvSpPr>
+          <p:nvPr>
+            <p:ph type="body" idx="4294967295"/>
+          </p:nvPr>
+        </p:nvSpPr>
+        <p:spPr>
+          <a:xfrm>
+            <a:off x="6272475" y="1304875"/>
+            <a:ext cx="2494500" cy="461400"/>
+          </a:xfrm>
+          <a:prstGeom prst="rect">
+            <a:avLst/>
+          </a:prstGeom>
+        </p:spPr>
+        <p:txBody>
+          <a:bodyPr lIns="91425" tIns="91425" rIns="91425" bIns="91425" anchor="t" anchorCtr="0">
+            <a:noAutofit/>
+          </a:bodyPr>
+          <a:lstStyle/>
+          <a:p>
+            <a:pPr lvl="0" rtl="0">
+              <a:spcBef>
+                <a:spcPts val="0"/>
+              </a:spcBef>
+              <a:spcAft>
+                <a:spcPts val="0"/>
+              </a:spcAft>
+              <a:buNone/>
+            </a:pPr>
+            <a:r>
+              <a:rPr lang="en">
+                <a:solidFill>
+                  <a:schemeClr val="lt1"/>
+                </a:solidFill>
+              </a:rPr>
+              <a:t>Item 3</a:t>
+            </a:r>
+          </a:p>
+        </p:txBody>
+      </p:sp>
+      <p:pic>
+        <p:nvPicPr>
+          <p:cNvPr id="2" name="Picture 1"/>
+          <p:cNvPicPr>
+            <a:picLocks noChangeAspect="1"/>
+          </p:cNvPicPr>
+          <p:nvPr/>
+        </p:nvPicPr>
+        <p:blipFill>
+          <a:blip r:embed="rId3">
+            <a:extLst>
+              <a:ext uri="{28A0092B-C50C-407E-A947-70E740481C1C}">
+                <a14:useLocalDpi xmlns:a14="http://schemas.microsoft.com/office/drawing/2010/main" val="0"/>
+              </a:ext>
+            </a:extLst>
+          </a:blip>
+          <a:stretch>
+            <a:fillRect/>
+          </a:stretch>
+        </p:blipFill>
+        <p:spPr>
+          <a:xfrm>
+            <a:off x="1041400" y="1088136"/>
+            <a:ext cx="7038942" cy="3520440"/>
+          </a:xfrm>
+          <a:prstGeom prst="rect">
+            <a:avLst/>
+          </a:prstGeom>
+        </p:spPr>
+      </p:pic>
+    </p:spTree>
+    <p:extLst>
+      <p:ext uri="{BB962C8B-B14F-4D97-AF65-F5344CB8AC3E}">
+        <p14:creationId xmlns:p14="http://schemas.microsoft.com/office/powerpoint/2010/main" val="97614879"/>
+      </p:ext>
+    </p:extLst>
   </p:cSld>
   <p:clrMapOvr>
     <a:masterClrMapping/>
@@ -7026,6 +7922,749 @@
               </a:rPr>
               <a:t>About Us</a:t>
             </a:r>
+          </a:p>
+        </p:txBody>
+      </p:sp>
+    </p:spTree>
+  </p:cSld>
+  <p:clrMapOvr>
+    <a:masterClrMapping/>
+  </p:clrMapOvr>
+  <p:timing>
+    <p:tnLst>
+      <p:par>
+        <p:cTn id="1" dur="indefinite" restart="never" nodeType="tmRoot"/>
+      </p:par>
+    </p:tnLst>
+  </p:timing>
+</p:sld>
+</file>
+
+<file path=ppt/slides/slide20.xml><?xml version="1.0" encoding="utf-8"?>
+<p:sld xmlns:a="http://schemas.openxmlformats.org/drawingml/2006/main" xmlns:r="http://schemas.openxmlformats.org/officeDocument/2006/relationships" xmlns:p="http://schemas.openxmlformats.org/presentationml/2006/main">
+  <p:cSld>
+    <p:spTree>
+      <p:nvGrpSpPr>
+        <p:cNvPr id="1" name=""/>
+        <p:cNvGrpSpPr/>
+        <p:nvPr/>
+      </p:nvGrpSpPr>
+      <p:grpSpPr>
+        <a:xfrm>
+          <a:off x="0" y="0"/>
+          <a:ext cx="0" cy="0"/>
+          <a:chOff x="0" y="0"/>
+          <a:chExt cx="0" cy="0"/>
+        </a:xfrm>
+      </p:grpSpPr>
+      <p:sp>
+        <p:nvSpPr>
+          <p:cNvPr id="2" name="Title 1"/>
+          <p:cNvSpPr>
+            <a:spLocks noGrp="1"/>
+          </p:cNvSpPr>
+          <p:nvPr>
+            <p:ph type="title"/>
+          </p:nvPr>
+        </p:nvSpPr>
+        <p:spPr/>
+        <p:txBody>
+          <a:bodyPr/>
+          <a:lstStyle/>
+          <a:p>
+            <a:pPr algn="ctr"/>
+            <a:r>
+              <a:rPr lang="en" sz="2800" b="1" dirty="0">
+                <a:latin typeface="Andale Mono" charset="0"/>
+                <a:ea typeface="Andale Mono" charset="0"/>
+                <a:cs typeface="Andale Mono" charset="0"/>
+              </a:rPr>
+              <a:t>Sequence </a:t>
+            </a:r>
+            <a:r>
+              <a:rPr lang="en" sz="2800" b="1" dirty="0" smtClean="0">
+                <a:latin typeface="Andale Mono" charset="0"/>
+                <a:ea typeface="Andale Mono" charset="0"/>
+                <a:cs typeface="Andale Mono" charset="0"/>
+              </a:rPr>
+              <a:t>Diagram:</a:t>
+            </a:r>
+            <a:r>
+              <a:rPr lang="en-US" sz="2800" b="1" dirty="0" smtClean="0">
+                <a:latin typeface="Andale Mono" charset="0"/>
+                <a:ea typeface="Andale Mono" charset="0"/>
+                <a:cs typeface="Andale Mono" charset="0"/>
+              </a:rPr>
+              <a:t> Invoice</a:t>
+            </a:r>
+            <a:endParaRPr lang="en-US" sz="2800" dirty="0"/>
+          </a:p>
+        </p:txBody>
+      </p:sp>
+      <p:pic>
+        <p:nvPicPr>
+          <p:cNvPr id="3" name="Picture 2"/>
+          <p:cNvPicPr>
+            <a:picLocks noChangeAspect="1"/>
+          </p:cNvPicPr>
+          <p:nvPr/>
+        </p:nvPicPr>
+        <p:blipFill>
+          <a:blip r:embed="rId2">
+            <a:extLst>
+              <a:ext uri="{28A0092B-C50C-407E-A947-70E740481C1C}">
+                <a14:useLocalDpi xmlns:a14="http://schemas.microsoft.com/office/drawing/2010/main" val="0"/>
+              </a:ext>
+            </a:extLst>
+          </a:blip>
+          <a:stretch>
+            <a:fillRect/>
+          </a:stretch>
+        </p:blipFill>
+        <p:spPr>
+          <a:xfrm>
+            <a:off x="596900" y="1017724"/>
+            <a:ext cx="7942684" cy="3586549"/>
+          </a:xfrm>
+          <a:prstGeom prst="rect">
+            <a:avLst/>
+          </a:prstGeom>
+        </p:spPr>
+      </p:pic>
+    </p:spTree>
+    <p:extLst>
+      <p:ext uri="{BB962C8B-B14F-4D97-AF65-F5344CB8AC3E}">
+        <p14:creationId xmlns:p14="http://schemas.microsoft.com/office/powerpoint/2010/main" val="608524305"/>
+      </p:ext>
+    </p:extLst>
+  </p:cSld>
+  <p:clrMapOvr>
+    <a:masterClrMapping/>
+  </p:clrMapOvr>
+  <p:timing>
+    <p:tnLst>
+      <p:par>
+        <p:cTn id="1" dur="indefinite" restart="never" nodeType="tmRoot"/>
+      </p:par>
+    </p:tnLst>
+  </p:timing>
+</p:sld>
+</file>
+
+<file path=ppt/slides/slide21.xml><?xml version="1.0" encoding="utf-8"?>
+<p:sld xmlns:a="http://schemas.openxmlformats.org/drawingml/2006/main" xmlns:r="http://schemas.openxmlformats.org/officeDocument/2006/relationships" xmlns:p="http://schemas.openxmlformats.org/presentationml/2006/main">
+  <p:cSld>
+    <p:spTree>
+      <p:nvGrpSpPr>
+        <p:cNvPr id="1" name="Shape 184"/>
+        <p:cNvGrpSpPr/>
+        <p:nvPr/>
+      </p:nvGrpSpPr>
+      <p:grpSpPr>
+        <a:xfrm>
+          <a:off x="0" y="0"/>
+          <a:ext cx="0" cy="0"/>
+          <a:chOff x="0" y="0"/>
+          <a:chExt cx="0" cy="0"/>
+        </a:xfrm>
+      </p:grpSpPr>
+      <p:sp>
+        <p:nvSpPr>
+          <p:cNvPr id="185" name="Shape 185"/>
+          <p:cNvSpPr txBox="1">
+            <a:spLocks noGrp="1"/>
+          </p:cNvSpPr>
+          <p:nvPr>
+            <p:ph type="title"/>
+          </p:nvPr>
+        </p:nvSpPr>
+        <p:spPr>
+          <a:xfrm>
+            <a:off x="671250" y="2141250"/>
+            <a:ext cx="7852199" cy="861000"/>
+          </a:xfrm>
+          <a:prstGeom prst="rect">
+            <a:avLst/>
+          </a:prstGeom>
+        </p:spPr>
+        <p:txBody>
+          <a:bodyPr lIns="91425" tIns="91425" rIns="91425" bIns="91425" anchor="ctr" anchorCtr="0">
+            <a:noAutofit/>
+          </a:bodyPr>
+          <a:lstStyle/>
+          <a:p>
+            <a:pPr lvl="0">
+              <a:spcBef>
+                <a:spcPts val="0"/>
+              </a:spcBef>
+              <a:buNone/>
+            </a:pPr>
+            <a:r>
+              <a:rPr lang="en" b="1" dirty="0">
+                <a:latin typeface="Andale Mono" charset="0"/>
+                <a:ea typeface="Andale Mono" charset="0"/>
+                <a:cs typeface="Andale Mono" charset="0"/>
+              </a:rPr>
+              <a:t>Demonstration</a:t>
+            </a:r>
+          </a:p>
+        </p:txBody>
+      </p:sp>
+    </p:spTree>
+  </p:cSld>
+  <p:clrMapOvr>
+    <a:masterClrMapping/>
+  </p:clrMapOvr>
+  <p:timing>
+    <p:tnLst>
+      <p:par>
+        <p:cTn id="1" dur="indefinite" restart="never" nodeType="tmRoot"/>
+      </p:par>
+    </p:tnLst>
+  </p:timing>
+</p:sld>
+</file>
+
+<file path=ppt/slides/slide22.xml><?xml version="1.0" encoding="utf-8"?>
+<p:sld xmlns:a="http://schemas.openxmlformats.org/drawingml/2006/main" xmlns:r="http://schemas.openxmlformats.org/officeDocument/2006/relationships" xmlns:p="http://schemas.openxmlformats.org/presentationml/2006/main">
+  <p:cSld>
+    <p:spTree>
+      <p:nvGrpSpPr>
+        <p:cNvPr id="1" name="Shape 189"/>
+        <p:cNvGrpSpPr/>
+        <p:nvPr/>
+      </p:nvGrpSpPr>
+      <p:grpSpPr>
+        <a:xfrm>
+          <a:off x="0" y="0"/>
+          <a:ext cx="0" cy="0"/>
+          <a:chOff x="0" y="0"/>
+          <a:chExt cx="0" cy="0"/>
+        </a:xfrm>
+      </p:grpSpPr>
+      <p:sp>
+        <p:nvSpPr>
+          <p:cNvPr id="190" name="Shape 190"/>
+          <p:cNvSpPr txBox="1">
+            <a:spLocks noGrp="1"/>
+          </p:cNvSpPr>
+          <p:nvPr>
+            <p:ph type="title"/>
+          </p:nvPr>
+        </p:nvSpPr>
+        <p:spPr>
+          <a:xfrm>
+            <a:off x="534090" y="458754"/>
+            <a:ext cx="7852200" cy="861000"/>
+          </a:xfrm>
+          <a:prstGeom prst="rect">
+            <a:avLst/>
+          </a:prstGeom>
+        </p:spPr>
+        <p:txBody>
+          <a:bodyPr lIns="91425" tIns="91425" rIns="91425" bIns="91425" anchor="ctr" anchorCtr="0">
+            <a:noAutofit/>
+          </a:bodyPr>
+          <a:lstStyle/>
+          <a:p>
+            <a:pPr lvl="0" algn="ctr" rtl="0">
+              <a:spcBef>
+                <a:spcPts val="0"/>
+              </a:spcBef>
+              <a:buNone/>
+            </a:pPr>
+            <a:r>
+              <a:rPr lang="en" sz="3000" b="1" dirty="0">
+                <a:latin typeface="Andale Mono" charset="0"/>
+                <a:ea typeface="Andale Mono" charset="0"/>
+                <a:cs typeface="Andale Mono" charset="0"/>
+              </a:rPr>
+              <a:t>Summary</a:t>
+            </a:r>
+          </a:p>
+        </p:txBody>
+      </p:sp>
+      <p:sp>
+        <p:nvSpPr>
+          <p:cNvPr id="3" name="Shape 115"/>
+          <p:cNvSpPr txBox="1">
+            <a:spLocks/>
+          </p:cNvSpPr>
+          <p:nvPr/>
+        </p:nvSpPr>
+        <p:spPr>
+          <a:xfrm>
+            <a:off x="311700" y="1152475"/>
+            <a:ext cx="8520599" cy="3416400"/>
+          </a:xfrm>
+          <a:prstGeom prst="rect">
+            <a:avLst/>
+          </a:prstGeom>
+        </p:spPr>
+        <p:txBody>
+          <a:bodyPr lIns="91425" tIns="91425" rIns="91425" bIns="91425" anchor="t" anchorCtr="0">
+            <a:noAutofit/>
+          </a:bodyPr>
+          <a:lstStyle>
+            <a:defPPr marR="0" lvl="0" algn="l" rtl="0">
+              <a:lnSpc>
+                <a:spcPct val="100000"/>
+              </a:lnSpc>
+              <a:spcBef>
+                <a:spcPts val="0"/>
+              </a:spcBef>
+              <a:spcAft>
+                <a:spcPts val="0"/>
+              </a:spcAft>
+            </a:defPPr>
+            <a:lvl1pPr marR="0" lvl="0" algn="l" rtl="0">
+              <a:lnSpc>
+                <a:spcPct val="100000"/>
+              </a:lnSpc>
+              <a:spcBef>
+                <a:spcPts val="0"/>
+              </a:spcBef>
+              <a:spcAft>
+                <a:spcPts val="0"/>
+              </a:spcAft>
+              <a:buNone/>
+              <a:defRPr sz="1400" b="0" i="0" u="none" strike="noStrike" cap="none">
+                <a:solidFill>
+                  <a:srgbClr val="000000"/>
+                </a:solidFill>
+                <a:latin typeface="Arial"/>
+                <a:ea typeface="Arial"/>
+                <a:cs typeface="Arial"/>
+                <a:sym typeface="Arial"/>
+              </a:defRPr>
+            </a:lvl1pPr>
+            <a:lvl2pPr marR="0" lvl="1" algn="l" rtl="0">
+              <a:lnSpc>
+                <a:spcPct val="100000"/>
+              </a:lnSpc>
+              <a:spcBef>
+                <a:spcPts val="0"/>
+              </a:spcBef>
+              <a:spcAft>
+                <a:spcPts val="0"/>
+              </a:spcAft>
+              <a:buNone/>
+              <a:defRPr sz="1400" b="0" i="0" u="none" strike="noStrike" cap="none">
+                <a:solidFill>
+                  <a:srgbClr val="000000"/>
+                </a:solidFill>
+                <a:latin typeface="Arial"/>
+                <a:ea typeface="Arial"/>
+                <a:cs typeface="Arial"/>
+                <a:sym typeface="Arial"/>
+              </a:defRPr>
+            </a:lvl2pPr>
+            <a:lvl3pPr marR="0" lvl="2" algn="l" rtl="0">
+              <a:lnSpc>
+                <a:spcPct val="100000"/>
+              </a:lnSpc>
+              <a:spcBef>
+                <a:spcPts val="0"/>
+              </a:spcBef>
+              <a:spcAft>
+                <a:spcPts val="0"/>
+              </a:spcAft>
+              <a:buNone/>
+              <a:defRPr sz="1400" b="0" i="0" u="none" strike="noStrike" cap="none">
+                <a:solidFill>
+                  <a:srgbClr val="000000"/>
+                </a:solidFill>
+                <a:latin typeface="Arial"/>
+                <a:ea typeface="Arial"/>
+                <a:cs typeface="Arial"/>
+                <a:sym typeface="Arial"/>
+              </a:defRPr>
+            </a:lvl3pPr>
+            <a:lvl4pPr marR="0" lvl="3" algn="l" rtl="0">
+              <a:lnSpc>
+                <a:spcPct val="100000"/>
+              </a:lnSpc>
+              <a:spcBef>
+                <a:spcPts val="0"/>
+              </a:spcBef>
+              <a:spcAft>
+                <a:spcPts val="0"/>
+              </a:spcAft>
+              <a:buNone/>
+              <a:defRPr sz="1400" b="0" i="0" u="none" strike="noStrike" cap="none">
+                <a:solidFill>
+                  <a:srgbClr val="000000"/>
+                </a:solidFill>
+                <a:latin typeface="Arial"/>
+                <a:ea typeface="Arial"/>
+                <a:cs typeface="Arial"/>
+                <a:sym typeface="Arial"/>
+              </a:defRPr>
+            </a:lvl4pPr>
+            <a:lvl5pPr marR="0" lvl="4" algn="l" rtl="0">
+              <a:lnSpc>
+                <a:spcPct val="100000"/>
+              </a:lnSpc>
+              <a:spcBef>
+                <a:spcPts val="0"/>
+              </a:spcBef>
+              <a:spcAft>
+                <a:spcPts val="0"/>
+              </a:spcAft>
+              <a:buNone/>
+              <a:defRPr sz="1400" b="0" i="0" u="none" strike="noStrike" cap="none">
+                <a:solidFill>
+                  <a:srgbClr val="000000"/>
+                </a:solidFill>
+                <a:latin typeface="Arial"/>
+                <a:ea typeface="Arial"/>
+                <a:cs typeface="Arial"/>
+                <a:sym typeface="Arial"/>
+              </a:defRPr>
+            </a:lvl5pPr>
+            <a:lvl6pPr marR="0" lvl="5" algn="l" rtl="0">
+              <a:lnSpc>
+                <a:spcPct val="100000"/>
+              </a:lnSpc>
+              <a:spcBef>
+                <a:spcPts val="0"/>
+              </a:spcBef>
+              <a:spcAft>
+                <a:spcPts val="0"/>
+              </a:spcAft>
+              <a:buNone/>
+              <a:defRPr sz="1400" b="0" i="0" u="none" strike="noStrike" cap="none">
+                <a:solidFill>
+                  <a:srgbClr val="000000"/>
+                </a:solidFill>
+                <a:latin typeface="Arial"/>
+                <a:ea typeface="Arial"/>
+                <a:cs typeface="Arial"/>
+                <a:sym typeface="Arial"/>
+              </a:defRPr>
+            </a:lvl6pPr>
+            <a:lvl7pPr marR="0" lvl="6" algn="l" rtl="0">
+              <a:lnSpc>
+                <a:spcPct val="100000"/>
+              </a:lnSpc>
+              <a:spcBef>
+                <a:spcPts val="0"/>
+              </a:spcBef>
+              <a:spcAft>
+                <a:spcPts val="0"/>
+              </a:spcAft>
+              <a:buNone/>
+              <a:defRPr sz="1400" b="0" i="0" u="none" strike="noStrike" cap="none">
+                <a:solidFill>
+                  <a:srgbClr val="000000"/>
+                </a:solidFill>
+                <a:latin typeface="Arial"/>
+                <a:ea typeface="Arial"/>
+                <a:cs typeface="Arial"/>
+                <a:sym typeface="Arial"/>
+              </a:defRPr>
+            </a:lvl7pPr>
+            <a:lvl8pPr marR="0" lvl="7" algn="l" rtl="0">
+              <a:lnSpc>
+                <a:spcPct val="100000"/>
+              </a:lnSpc>
+              <a:spcBef>
+                <a:spcPts val="0"/>
+              </a:spcBef>
+              <a:spcAft>
+                <a:spcPts val="0"/>
+              </a:spcAft>
+              <a:buNone/>
+              <a:defRPr sz="1400" b="0" i="0" u="none" strike="noStrike" cap="none">
+                <a:solidFill>
+                  <a:srgbClr val="000000"/>
+                </a:solidFill>
+                <a:latin typeface="Arial"/>
+                <a:ea typeface="Arial"/>
+                <a:cs typeface="Arial"/>
+                <a:sym typeface="Arial"/>
+              </a:defRPr>
+            </a:lvl8pPr>
+            <a:lvl9pPr marR="0" lvl="8" algn="l" rtl="0">
+              <a:lnSpc>
+                <a:spcPct val="100000"/>
+              </a:lnSpc>
+              <a:spcBef>
+                <a:spcPts val="0"/>
+              </a:spcBef>
+              <a:spcAft>
+                <a:spcPts val="0"/>
+              </a:spcAft>
+              <a:buNone/>
+              <a:defRPr sz="1400" b="0" i="0" u="none" strike="noStrike" cap="none">
+                <a:solidFill>
+                  <a:srgbClr val="000000"/>
+                </a:solidFill>
+                <a:latin typeface="Arial"/>
+                <a:ea typeface="Arial"/>
+                <a:cs typeface="Arial"/>
+                <a:sym typeface="Arial"/>
+              </a:defRPr>
+            </a:lvl9pPr>
+          </a:lstStyle>
+          <a:p>
+            <a:endParaRPr lang="en" sz="2000" dirty="0">
+              <a:solidFill>
+                <a:schemeClr val="bg1"/>
+              </a:solidFill>
+              <a:latin typeface="Andale Mono" charset="0"/>
+              <a:ea typeface="Andale Mono" charset="0"/>
+              <a:cs typeface="Andale Mono" charset="0"/>
+              <a:sym typeface="Oswald"/>
+            </a:endParaRPr>
+          </a:p>
+        </p:txBody>
+      </p:sp>
+      <p:sp>
+        <p:nvSpPr>
+          <p:cNvPr id="6" name="Shape 115"/>
+          <p:cNvSpPr txBox="1">
+            <a:spLocks/>
+          </p:cNvSpPr>
+          <p:nvPr/>
+        </p:nvSpPr>
+        <p:spPr>
+          <a:xfrm>
+            <a:off x="311700" y="1280491"/>
+            <a:ext cx="8520599" cy="3416400"/>
+          </a:xfrm>
+          <a:prstGeom prst="rect">
+            <a:avLst/>
+          </a:prstGeom>
+        </p:spPr>
+        <p:txBody>
+          <a:bodyPr lIns="91425" tIns="91425" rIns="91425" bIns="91425" anchor="t" anchorCtr="0">
+            <a:noAutofit/>
+          </a:bodyPr>
+          <a:lstStyle>
+            <a:defPPr marR="0" lvl="0" algn="l" rtl="0">
+              <a:lnSpc>
+                <a:spcPct val="100000"/>
+              </a:lnSpc>
+              <a:spcBef>
+                <a:spcPts val="0"/>
+              </a:spcBef>
+              <a:spcAft>
+                <a:spcPts val="0"/>
+              </a:spcAft>
+            </a:defPPr>
+            <a:lvl1pPr marR="0" lvl="0" algn="l" rtl="0">
+              <a:lnSpc>
+                <a:spcPct val="100000"/>
+              </a:lnSpc>
+              <a:spcBef>
+                <a:spcPts val="0"/>
+              </a:spcBef>
+              <a:spcAft>
+                <a:spcPts val="0"/>
+              </a:spcAft>
+              <a:buNone/>
+              <a:defRPr sz="1400" b="0" i="0" u="none" strike="noStrike" cap="none">
+                <a:solidFill>
+                  <a:srgbClr val="000000"/>
+                </a:solidFill>
+                <a:latin typeface="Arial"/>
+                <a:ea typeface="Arial"/>
+                <a:cs typeface="Arial"/>
+                <a:sym typeface="Arial"/>
+              </a:defRPr>
+            </a:lvl1pPr>
+            <a:lvl2pPr marR="0" lvl="1" algn="l" rtl="0">
+              <a:lnSpc>
+                <a:spcPct val="100000"/>
+              </a:lnSpc>
+              <a:spcBef>
+                <a:spcPts val="0"/>
+              </a:spcBef>
+              <a:spcAft>
+                <a:spcPts val="0"/>
+              </a:spcAft>
+              <a:buNone/>
+              <a:defRPr sz="1400" b="0" i="0" u="none" strike="noStrike" cap="none">
+                <a:solidFill>
+                  <a:srgbClr val="000000"/>
+                </a:solidFill>
+                <a:latin typeface="Arial"/>
+                <a:ea typeface="Arial"/>
+                <a:cs typeface="Arial"/>
+                <a:sym typeface="Arial"/>
+              </a:defRPr>
+            </a:lvl2pPr>
+            <a:lvl3pPr marR="0" lvl="2" algn="l" rtl="0">
+              <a:lnSpc>
+                <a:spcPct val="100000"/>
+              </a:lnSpc>
+              <a:spcBef>
+                <a:spcPts val="0"/>
+              </a:spcBef>
+              <a:spcAft>
+                <a:spcPts val="0"/>
+              </a:spcAft>
+              <a:buNone/>
+              <a:defRPr sz="1400" b="0" i="0" u="none" strike="noStrike" cap="none">
+                <a:solidFill>
+                  <a:srgbClr val="000000"/>
+                </a:solidFill>
+                <a:latin typeface="Arial"/>
+                <a:ea typeface="Arial"/>
+                <a:cs typeface="Arial"/>
+                <a:sym typeface="Arial"/>
+              </a:defRPr>
+            </a:lvl3pPr>
+            <a:lvl4pPr marR="0" lvl="3" algn="l" rtl="0">
+              <a:lnSpc>
+                <a:spcPct val="100000"/>
+              </a:lnSpc>
+              <a:spcBef>
+                <a:spcPts val="0"/>
+              </a:spcBef>
+              <a:spcAft>
+                <a:spcPts val="0"/>
+              </a:spcAft>
+              <a:buNone/>
+              <a:defRPr sz="1400" b="0" i="0" u="none" strike="noStrike" cap="none">
+                <a:solidFill>
+                  <a:srgbClr val="000000"/>
+                </a:solidFill>
+                <a:latin typeface="Arial"/>
+                <a:ea typeface="Arial"/>
+                <a:cs typeface="Arial"/>
+                <a:sym typeface="Arial"/>
+              </a:defRPr>
+            </a:lvl4pPr>
+            <a:lvl5pPr marR="0" lvl="4" algn="l" rtl="0">
+              <a:lnSpc>
+                <a:spcPct val="100000"/>
+              </a:lnSpc>
+              <a:spcBef>
+                <a:spcPts val="0"/>
+              </a:spcBef>
+              <a:spcAft>
+                <a:spcPts val="0"/>
+              </a:spcAft>
+              <a:buNone/>
+              <a:defRPr sz="1400" b="0" i="0" u="none" strike="noStrike" cap="none">
+                <a:solidFill>
+                  <a:srgbClr val="000000"/>
+                </a:solidFill>
+                <a:latin typeface="Arial"/>
+                <a:ea typeface="Arial"/>
+                <a:cs typeface="Arial"/>
+                <a:sym typeface="Arial"/>
+              </a:defRPr>
+            </a:lvl5pPr>
+            <a:lvl6pPr marR="0" lvl="5" algn="l" rtl="0">
+              <a:lnSpc>
+                <a:spcPct val="100000"/>
+              </a:lnSpc>
+              <a:spcBef>
+                <a:spcPts val="0"/>
+              </a:spcBef>
+              <a:spcAft>
+                <a:spcPts val="0"/>
+              </a:spcAft>
+              <a:buNone/>
+              <a:defRPr sz="1400" b="0" i="0" u="none" strike="noStrike" cap="none">
+                <a:solidFill>
+                  <a:srgbClr val="000000"/>
+                </a:solidFill>
+                <a:latin typeface="Arial"/>
+                <a:ea typeface="Arial"/>
+                <a:cs typeface="Arial"/>
+                <a:sym typeface="Arial"/>
+              </a:defRPr>
+            </a:lvl6pPr>
+            <a:lvl7pPr marR="0" lvl="6" algn="l" rtl="0">
+              <a:lnSpc>
+                <a:spcPct val="100000"/>
+              </a:lnSpc>
+              <a:spcBef>
+                <a:spcPts val="0"/>
+              </a:spcBef>
+              <a:spcAft>
+                <a:spcPts val="0"/>
+              </a:spcAft>
+              <a:buNone/>
+              <a:defRPr sz="1400" b="0" i="0" u="none" strike="noStrike" cap="none">
+                <a:solidFill>
+                  <a:srgbClr val="000000"/>
+                </a:solidFill>
+                <a:latin typeface="Arial"/>
+                <a:ea typeface="Arial"/>
+                <a:cs typeface="Arial"/>
+                <a:sym typeface="Arial"/>
+              </a:defRPr>
+            </a:lvl7pPr>
+            <a:lvl8pPr marR="0" lvl="7" algn="l" rtl="0">
+              <a:lnSpc>
+                <a:spcPct val="100000"/>
+              </a:lnSpc>
+              <a:spcBef>
+                <a:spcPts val="0"/>
+              </a:spcBef>
+              <a:spcAft>
+                <a:spcPts val="0"/>
+              </a:spcAft>
+              <a:buNone/>
+              <a:defRPr sz="1400" b="0" i="0" u="none" strike="noStrike" cap="none">
+                <a:solidFill>
+                  <a:srgbClr val="000000"/>
+                </a:solidFill>
+                <a:latin typeface="Arial"/>
+                <a:ea typeface="Arial"/>
+                <a:cs typeface="Arial"/>
+                <a:sym typeface="Arial"/>
+              </a:defRPr>
+            </a:lvl8pPr>
+            <a:lvl9pPr marR="0" lvl="8" algn="l" rtl="0">
+              <a:lnSpc>
+                <a:spcPct val="100000"/>
+              </a:lnSpc>
+              <a:spcBef>
+                <a:spcPts val="0"/>
+              </a:spcBef>
+              <a:spcAft>
+                <a:spcPts val="0"/>
+              </a:spcAft>
+              <a:buNone/>
+              <a:defRPr sz="1400" b="0" i="0" u="none" strike="noStrike" cap="none">
+                <a:solidFill>
+                  <a:srgbClr val="000000"/>
+                </a:solidFill>
+                <a:latin typeface="Arial"/>
+                <a:ea typeface="Arial"/>
+                <a:cs typeface="Arial"/>
+                <a:sym typeface="Arial"/>
+              </a:defRPr>
+            </a:lvl9pPr>
+          </a:lstStyle>
+          <a:p>
+            <a:r>
+              <a:rPr lang="en-US" sz="2000" dirty="0" smtClean="0">
+                <a:solidFill>
+                  <a:schemeClr val="bg1"/>
+                </a:solidFill>
+                <a:latin typeface="Andale Mono" charset="0"/>
+                <a:ea typeface="Andale Mono" charset="0"/>
+                <a:cs typeface="Andale Mono" charset="0"/>
+                <a:sym typeface="Oswald"/>
+              </a:rPr>
+              <a:t>Summary Here</a:t>
+            </a:r>
+            <a:endParaRPr lang="en" sz="2000" dirty="0">
+              <a:solidFill>
+                <a:schemeClr val="bg1"/>
+              </a:solidFill>
+              <a:latin typeface="Andale Mono" charset="0"/>
+              <a:ea typeface="Andale Mono" charset="0"/>
+              <a:cs typeface="Andale Mono" charset="0"/>
+              <a:sym typeface="Oswald"/>
+            </a:endParaRPr>
           </a:p>
         </p:txBody>
       </p:sp>
@@ -7979,6 +9618,1534 @@
   <p:cSld>
     <p:spTree>
       <p:nvGrpSpPr>
+        <p:cNvPr id="1" name="Shape 113"/>
+        <p:cNvGrpSpPr/>
+        <p:nvPr/>
+      </p:nvGrpSpPr>
+      <p:grpSpPr>
+        <a:xfrm>
+          <a:off x="0" y="0"/>
+          <a:ext cx="0" cy="0"/>
+          <a:chOff x="0" y="0"/>
+          <a:chExt cx="0" cy="0"/>
+        </a:xfrm>
+      </p:grpSpPr>
+      <p:sp>
+        <p:nvSpPr>
+          <p:cNvPr id="114" name="Shape 114"/>
+          <p:cNvSpPr txBox="1">
+            <a:spLocks noGrp="1"/>
+          </p:cNvSpPr>
+          <p:nvPr>
+            <p:ph type="title"/>
+          </p:nvPr>
+        </p:nvSpPr>
+        <p:spPr>
+          <a:xfrm>
+            <a:off x="311700" y="445025"/>
+            <a:ext cx="8520599" cy="572699"/>
+          </a:xfrm>
+          <a:prstGeom prst="rect">
+            <a:avLst/>
+          </a:prstGeom>
+        </p:spPr>
+        <p:txBody>
+          <a:bodyPr lIns="91425" tIns="91425" rIns="91425" bIns="91425" anchor="t" anchorCtr="0">
+            <a:noAutofit/>
+          </a:bodyPr>
+          <a:lstStyle/>
+          <a:p>
+            <a:pPr lvl="0">
+              <a:spcBef>
+                <a:spcPts val="0"/>
+              </a:spcBef>
+              <a:buNone/>
+            </a:pPr>
+            <a:r>
+              <a:rPr lang="en" b="1" dirty="0">
+                <a:latin typeface="Andale Mono" charset="0"/>
+                <a:ea typeface="Andale Mono" charset="0"/>
+                <a:cs typeface="Andale Mono" charset="0"/>
+              </a:rPr>
+              <a:t>Overview</a:t>
+            </a:r>
+          </a:p>
+        </p:txBody>
+      </p:sp>
+      <p:sp>
+        <p:nvSpPr>
+          <p:cNvPr id="115" name="Shape 115"/>
+          <p:cNvSpPr txBox="1">
+            <a:spLocks noGrp="1"/>
+          </p:cNvSpPr>
+          <p:nvPr>
+            <p:ph type="body" idx="1"/>
+          </p:nvPr>
+        </p:nvSpPr>
+        <p:spPr>
+          <a:xfrm>
+            <a:off x="311700" y="1152475"/>
+            <a:ext cx="8520599" cy="3416400"/>
+          </a:xfrm>
+          <a:prstGeom prst="rect">
+            <a:avLst/>
+          </a:prstGeom>
+        </p:spPr>
+        <p:txBody>
+          <a:bodyPr lIns="91425" tIns="91425" rIns="91425" bIns="91425" anchor="t" anchorCtr="0">
+            <a:noAutofit/>
+          </a:bodyPr>
+          <a:lstStyle/>
+          <a:p>
+            <a:pPr lvl="0" rtl="0">
+              <a:spcBef>
+                <a:spcPts val="0"/>
+              </a:spcBef>
+              <a:buNone/>
+            </a:pPr>
+            <a:r>
+              <a:rPr lang="en" sz="2000" u="sng" dirty="0" smtClean="0">
+                <a:solidFill>
+                  <a:schemeClr val="dk1"/>
+                </a:solidFill>
+                <a:latin typeface="Andale Mono" charset="0"/>
+                <a:ea typeface="Andale Mono" charset="0"/>
+                <a:cs typeface="Andale Mono" charset="0"/>
+                <a:sym typeface="Oswald"/>
+              </a:rPr>
+              <a:t>Purpose</a:t>
+            </a:r>
+            <a:r>
+              <a:rPr lang="en-US" sz="2000" u="sng" dirty="0" smtClean="0">
+                <a:solidFill>
+                  <a:schemeClr val="dk1"/>
+                </a:solidFill>
+                <a:latin typeface="Andale Mono" charset="0"/>
+                <a:ea typeface="Andale Mono" charset="0"/>
+                <a:cs typeface="Andale Mono" charset="0"/>
+                <a:sym typeface="Oswald"/>
+              </a:rPr>
+              <a:t>:</a:t>
+            </a:r>
+            <a:r>
+              <a:rPr lang="en-US" sz="2000" dirty="0" smtClean="0">
+                <a:solidFill>
+                  <a:schemeClr val="dk1"/>
+                </a:solidFill>
+                <a:latin typeface="Andale Mono" charset="0"/>
+                <a:ea typeface="Andale Mono" charset="0"/>
+                <a:cs typeface="Andale Mono" charset="0"/>
+                <a:sym typeface="Oswald"/>
+              </a:rPr>
+              <a:t> </a:t>
+            </a:r>
+            <a:r>
+              <a:rPr lang="en" sz="2000" dirty="0" smtClean="0">
+                <a:solidFill>
+                  <a:schemeClr val="dk1"/>
+                </a:solidFill>
+                <a:latin typeface="Andale Mono" charset="0"/>
+                <a:ea typeface="Andale Mono" charset="0"/>
+                <a:cs typeface="Andale Mono" charset="0"/>
+                <a:sym typeface="Oswald"/>
+              </a:rPr>
+              <a:t>We have created a hospital management system which focuses on coordinating the day-to-day functionality of hospital environments so that they will be able to address patient and general hospital needs in a more simplified and organized fashion</a:t>
+            </a:r>
+            <a:r>
+              <a:rPr lang="en" sz="2000" dirty="0" smtClean="0">
+                <a:solidFill>
+                  <a:schemeClr val="dk1"/>
+                </a:solidFill>
+                <a:latin typeface="Andale Mono" charset="0"/>
+                <a:ea typeface="Andale Mono" charset="0"/>
+                <a:cs typeface="Andale Mono" charset="0"/>
+                <a:sym typeface="Oswald"/>
+              </a:rPr>
+              <a:t>.</a:t>
+            </a:r>
+            <a:endParaRPr lang="en-US" sz="2000" dirty="0" smtClean="0">
+              <a:solidFill>
+                <a:schemeClr val="dk1"/>
+              </a:solidFill>
+              <a:latin typeface="Andale Mono" charset="0"/>
+              <a:ea typeface="Andale Mono" charset="0"/>
+              <a:cs typeface="Andale Mono" charset="0"/>
+              <a:sym typeface="Oswald"/>
+            </a:endParaRPr>
+          </a:p>
+          <a:p>
+            <a:pPr lvl="0" rtl="0">
+              <a:spcBef>
+                <a:spcPts val="0"/>
+              </a:spcBef>
+              <a:buNone/>
+            </a:pPr>
+            <a:r>
+              <a:rPr lang="en-US" sz="2000" dirty="0" smtClean="0">
+                <a:solidFill>
+                  <a:schemeClr val="dk1"/>
+                </a:solidFill>
+                <a:latin typeface="Andale Mono" charset="0"/>
+                <a:ea typeface="Andale Mono" charset="0"/>
+                <a:cs typeface="Andale Mono" charset="0"/>
+                <a:sym typeface="Oswald"/>
+              </a:rPr>
+              <a:t>Update Overview</a:t>
+            </a:r>
+            <a:endParaRPr lang="en" sz="2000" dirty="0">
+              <a:solidFill>
+                <a:schemeClr val="dk1"/>
+              </a:solidFill>
+              <a:latin typeface="Andale Mono" charset="0"/>
+              <a:ea typeface="Andale Mono" charset="0"/>
+              <a:cs typeface="Andale Mono" charset="0"/>
+              <a:sym typeface="Oswald"/>
+            </a:endParaRPr>
+          </a:p>
+        </p:txBody>
+      </p:sp>
+    </p:spTree>
+  </p:cSld>
+  <p:clrMapOvr>
+    <a:masterClrMapping/>
+  </p:clrMapOvr>
+  <p:timing>
+    <p:tnLst>
+      <p:par>
+        <p:cTn id="1" dur="indefinite" restart="never" nodeType="tmRoot"/>
+      </p:par>
+    </p:tnLst>
+  </p:timing>
+</p:sld>
+</file>
+
+<file path=ppt/slides/slide5.xml><?xml version="1.0" encoding="utf-8"?>
+<p:sld xmlns:a="http://schemas.openxmlformats.org/drawingml/2006/main" xmlns:r="http://schemas.openxmlformats.org/officeDocument/2006/relationships" xmlns:p="http://schemas.openxmlformats.org/presentationml/2006/main">
+  <p:cSld>
+    <p:spTree>
+      <p:nvGrpSpPr>
+        <p:cNvPr id="1" name="Shape 119"/>
+        <p:cNvGrpSpPr/>
+        <p:nvPr/>
+      </p:nvGrpSpPr>
+      <p:grpSpPr>
+        <a:xfrm>
+          <a:off x="0" y="0"/>
+          <a:ext cx="0" cy="0"/>
+          <a:chOff x="0" y="0"/>
+          <a:chExt cx="0" cy="0"/>
+        </a:xfrm>
+      </p:grpSpPr>
+      <p:sp>
+        <p:nvSpPr>
+          <p:cNvPr id="120" name="Shape 120"/>
+          <p:cNvSpPr txBox="1">
+            <a:spLocks noGrp="1"/>
+          </p:cNvSpPr>
+          <p:nvPr>
+            <p:ph type="title"/>
+          </p:nvPr>
+        </p:nvSpPr>
+        <p:spPr>
+          <a:xfrm>
+            <a:off x="311700" y="445025"/>
+            <a:ext cx="8520599" cy="572699"/>
+          </a:xfrm>
+          <a:prstGeom prst="rect">
+            <a:avLst/>
+          </a:prstGeom>
+        </p:spPr>
+        <p:txBody>
+          <a:bodyPr lIns="91425" tIns="91425" rIns="91425" bIns="91425" anchor="t" anchorCtr="0">
+            <a:noAutofit/>
+          </a:bodyPr>
+          <a:lstStyle/>
+          <a:p>
+            <a:pPr lvl="0">
+              <a:spcBef>
+                <a:spcPts val="0"/>
+              </a:spcBef>
+              <a:buNone/>
+            </a:pPr>
+            <a:r>
+              <a:rPr lang="en" b="1" dirty="0">
+                <a:latin typeface="Andale Mono" charset="0"/>
+                <a:ea typeface="Andale Mono" charset="0"/>
+                <a:cs typeface="Andale Mono" charset="0"/>
+              </a:rPr>
+              <a:t>Main Features</a:t>
+            </a:r>
+          </a:p>
+        </p:txBody>
+      </p:sp>
+      <p:grpSp>
+        <p:nvGrpSpPr>
+          <p:cNvPr id="121" name="Shape 121"/>
+          <p:cNvGrpSpPr/>
+          <p:nvPr/>
+        </p:nvGrpSpPr>
+        <p:grpSpPr>
+          <a:xfrm>
+            <a:off x="424824" y="1253972"/>
+            <a:ext cx="8294371" cy="799415"/>
+            <a:chOff x="424812" y="1177875"/>
+            <a:chExt cx="8294371" cy="849900"/>
+          </a:xfrm>
+        </p:grpSpPr>
+        <p:sp>
+          <p:nvSpPr>
+            <p:cNvPr id="122" name="Shape 122"/>
+            <p:cNvSpPr/>
+            <p:nvPr/>
+          </p:nvSpPr>
+          <p:spPr>
+            <a:xfrm>
+              <a:off x="2927683" y="1177875"/>
+              <a:ext cx="5791500" cy="849900"/>
+            </a:xfrm>
+            <a:prstGeom prst="rect">
+              <a:avLst/>
+            </a:prstGeom>
+            <a:solidFill>
+              <a:schemeClr val="dk1"/>
+            </a:solidFill>
+            <a:ln>
+              <a:noFill/>
+            </a:ln>
+          </p:spPr>
+          <p:txBody>
+            <a:bodyPr lIns="91425" tIns="91425" rIns="91425" bIns="91425" anchor="ctr" anchorCtr="0">
+              <a:noAutofit/>
+            </a:bodyPr>
+            <a:lstStyle/>
+            <a:p>
+              <a:pPr lvl="0">
+                <a:spcBef>
+                  <a:spcPts val="0"/>
+                </a:spcBef>
+                <a:buNone/>
+              </a:pPr>
+              <a:endParaRPr/>
+            </a:p>
+          </p:txBody>
+        </p:sp>
+        <p:sp>
+          <p:nvSpPr>
+            <p:cNvPr id="123" name="Shape 123"/>
+            <p:cNvSpPr/>
+            <p:nvPr/>
+          </p:nvSpPr>
+          <p:spPr>
+            <a:xfrm>
+              <a:off x="424812" y="1177875"/>
+              <a:ext cx="3055799" cy="849900"/>
+            </a:xfrm>
+            <a:prstGeom prst="homePlate">
+              <a:avLst>
+                <a:gd name="adj" fmla="val 26719"/>
+              </a:avLst>
+            </a:prstGeom>
+            <a:solidFill>
+              <a:schemeClr val="accent5"/>
+            </a:solidFill>
+            <a:ln>
+              <a:noFill/>
+            </a:ln>
+          </p:spPr>
+          <p:txBody>
+            <a:bodyPr lIns="91425" tIns="91425" rIns="91425" bIns="91425" anchor="ctr" anchorCtr="0">
+              <a:noAutofit/>
+            </a:bodyPr>
+            <a:lstStyle/>
+            <a:p>
+              <a:pPr lvl="0">
+                <a:spcBef>
+                  <a:spcPts val="0"/>
+                </a:spcBef>
+                <a:buNone/>
+              </a:pPr>
+              <a:endParaRPr/>
+            </a:p>
+          </p:txBody>
+        </p:sp>
+      </p:grpSp>
+      <p:sp>
+        <p:nvSpPr>
+          <p:cNvPr id="124" name="Shape 124"/>
+          <p:cNvSpPr txBox="1">
+            <a:spLocks noGrp="1"/>
+          </p:cNvSpPr>
+          <p:nvPr>
+            <p:ph type="body" idx="4294967295"/>
+          </p:nvPr>
+        </p:nvSpPr>
+        <p:spPr>
+          <a:xfrm>
+            <a:off x="539675" y="1254200"/>
+            <a:ext cx="2422500" cy="799200"/>
+          </a:xfrm>
+          <a:prstGeom prst="rect">
+            <a:avLst/>
+          </a:prstGeom>
+        </p:spPr>
+        <p:txBody>
+          <a:bodyPr lIns="91425" tIns="91425" rIns="91425" bIns="91425" anchor="ctr" anchorCtr="0">
+            <a:noAutofit/>
+          </a:bodyPr>
+          <a:lstStyle/>
+          <a:p>
+            <a:pPr lvl="0">
+              <a:lnSpc>
+                <a:spcPct val="100000"/>
+              </a:lnSpc>
+              <a:spcBef>
+                <a:spcPts val="0"/>
+              </a:spcBef>
+              <a:spcAft>
+                <a:spcPts val="0"/>
+              </a:spcAft>
+              <a:buNone/>
+            </a:pPr>
+            <a:r>
+              <a:rPr lang="en" b="1" dirty="0">
+                <a:solidFill>
+                  <a:schemeClr val="lt1"/>
+                </a:solidFill>
+                <a:latin typeface="Andale Mono" charset="0"/>
+                <a:ea typeface="Andale Mono" charset="0"/>
+                <a:cs typeface="Andale Mono" charset="0"/>
+                <a:sym typeface="Oswald"/>
+              </a:rPr>
+              <a:t>Feature 1</a:t>
+            </a:r>
+          </a:p>
+        </p:txBody>
+      </p:sp>
+      <p:sp>
+        <p:nvSpPr>
+          <p:cNvPr id="125" name="Shape 125"/>
+          <p:cNvSpPr txBox="1">
+            <a:spLocks noGrp="1"/>
+          </p:cNvSpPr>
+          <p:nvPr>
+            <p:ph type="body" idx="4294967295"/>
+          </p:nvPr>
+        </p:nvSpPr>
+        <p:spPr>
+          <a:xfrm>
+            <a:off x="3562748" y="1254158"/>
+            <a:ext cx="5111699" cy="799200"/>
+          </a:xfrm>
+          <a:prstGeom prst="rect">
+            <a:avLst/>
+          </a:prstGeom>
+        </p:spPr>
+        <p:txBody>
+          <a:bodyPr lIns="91425" tIns="91425" rIns="91425" bIns="91425" anchor="ctr" anchorCtr="0">
+            <a:noAutofit/>
+          </a:bodyPr>
+          <a:lstStyle/>
+          <a:p>
+            <a:pPr marL="0" lvl="0" indent="0" rtl="0">
+              <a:spcBef>
+                <a:spcPts val="0"/>
+              </a:spcBef>
+              <a:buNone/>
+            </a:pPr>
+            <a:endParaRPr dirty="0">
+              <a:solidFill>
+                <a:schemeClr val="lt1"/>
+              </a:solidFill>
+              <a:latin typeface="Oswald"/>
+              <a:ea typeface="Oswald"/>
+              <a:cs typeface="Oswald"/>
+              <a:sym typeface="Oswald"/>
+            </a:endParaRPr>
+          </a:p>
+          <a:p>
+            <a:pPr marL="914400" lvl="0" indent="0" rtl="0">
+              <a:spcBef>
+                <a:spcPts val="0"/>
+              </a:spcBef>
+              <a:buNone/>
+            </a:pPr>
+            <a:r>
+              <a:rPr lang="en" sz="1400" b="1" dirty="0">
+                <a:solidFill>
+                  <a:schemeClr val="lt1"/>
+                </a:solidFill>
+                <a:latin typeface="Oswald"/>
+                <a:ea typeface="Oswald"/>
+                <a:cs typeface="Oswald"/>
+                <a:sym typeface="Oswald"/>
+              </a:rPr>
+              <a:t>      </a:t>
+            </a:r>
+            <a:r>
+              <a:rPr lang="en" sz="1400" b="1" dirty="0" smtClean="0">
+                <a:solidFill>
+                  <a:schemeClr val="lt1"/>
+                </a:solidFill>
+                <a:latin typeface="Andale Mono" charset="0"/>
+                <a:ea typeface="Andale Mono" charset="0"/>
+                <a:cs typeface="Andale Mono" charset="0"/>
+                <a:sym typeface="Oswald"/>
+              </a:rPr>
+              <a:t>Scheduling </a:t>
+            </a:r>
+            <a:r>
+              <a:rPr lang="en" sz="1400" b="1" dirty="0">
+                <a:solidFill>
+                  <a:schemeClr val="lt1"/>
+                </a:solidFill>
+                <a:latin typeface="Andale Mono" charset="0"/>
+                <a:ea typeface="Andale Mono" charset="0"/>
+                <a:cs typeface="Andale Mono" charset="0"/>
+                <a:sym typeface="Oswald"/>
+              </a:rPr>
+              <a:t>Appointments</a:t>
+            </a:r>
+          </a:p>
+          <a:p>
+            <a:pPr lvl="0">
+              <a:spcBef>
+                <a:spcPts val="0"/>
+              </a:spcBef>
+              <a:spcAft>
+                <a:spcPts val="0"/>
+              </a:spcAft>
+              <a:buNone/>
+            </a:pPr>
+            <a:endParaRPr dirty="0">
+              <a:solidFill>
+                <a:schemeClr val="lt1"/>
+              </a:solidFill>
+            </a:endParaRPr>
+          </a:p>
+        </p:txBody>
+      </p:sp>
+      <p:grpSp>
+        <p:nvGrpSpPr>
+          <p:cNvPr id="126" name="Shape 126"/>
+          <p:cNvGrpSpPr/>
+          <p:nvPr/>
+        </p:nvGrpSpPr>
+        <p:grpSpPr>
+          <a:xfrm>
+            <a:off x="424824" y="2127338"/>
+            <a:ext cx="8294360" cy="799415"/>
+            <a:chOff x="424812" y="2075689"/>
+            <a:chExt cx="8294360" cy="849900"/>
+          </a:xfrm>
+        </p:grpSpPr>
+        <p:sp>
+          <p:nvSpPr>
+            <p:cNvPr id="127" name="Shape 127"/>
+            <p:cNvSpPr/>
+            <p:nvPr/>
+          </p:nvSpPr>
+          <p:spPr>
+            <a:xfrm>
+              <a:off x="2927672" y="2075689"/>
+              <a:ext cx="5791500" cy="849900"/>
+            </a:xfrm>
+            <a:prstGeom prst="rect">
+              <a:avLst/>
+            </a:prstGeom>
+            <a:solidFill>
+              <a:schemeClr val="dk1"/>
+            </a:solidFill>
+            <a:ln>
+              <a:noFill/>
+            </a:ln>
+          </p:spPr>
+          <p:txBody>
+            <a:bodyPr lIns="91425" tIns="91425" rIns="91425" bIns="91425" anchor="ctr" anchorCtr="0">
+              <a:noAutofit/>
+            </a:bodyPr>
+            <a:lstStyle/>
+            <a:p>
+              <a:pPr lvl="0">
+                <a:spcBef>
+                  <a:spcPts val="0"/>
+                </a:spcBef>
+                <a:buNone/>
+              </a:pPr>
+              <a:endParaRPr/>
+            </a:p>
+          </p:txBody>
+        </p:sp>
+        <p:sp>
+          <p:nvSpPr>
+            <p:cNvPr id="128" name="Shape 128"/>
+            <p:cNvSpPr/>
+            <p:nvPr/>
+          </p:nvSpPr>
+          <p:spPr>
+            <a:xfrm>
+              <a:off x="424812" y="2075689"/>
+              <a:ext cx="3055799" cy="849900"/>
+            </a:xfrm>
+            <a:prstGeom prst="homePlate">
+              <a:avLst>
+                <a:gd name="adj" fmla="val 26719"/>
+              </a:avLst>
+            </a:prstGeom>
+            <a:solidFill>
+              <a:schemeClr val="accent5"/>
+            </a:solidFill>
+            <a:ln>
+              <a:noFill/>
+            </a:ln>
+          </p:spPr>
+          <p:txBody>
+            <a:bodyPr lIns="91425" tIns="91425" rIns="91425" bIns="91425" anchor="ctr" anchorCtr="0">
+              <a:noAutofit/>
+            </a:bodyPr>
+            <a:lstStyle/>
+            <a:p>
+              <a:pPr lvl="0">
+                <a:spcBef>
+                  <a:spcPts val="0"/>
+                </a:spcBef>
+                <a:buNone/>
+              </a:pPr>
+              <a:endParaRPr/>
+            </a:p>
+          </p:txBody>
+        </p:sp>
+      </p:grpSp>
+      <p:sp>
+        <p:nvSpPr>
+          <p:cNvPr id="129" name="Shape 129"/>
+          <p:cNvSpPr txBox="1">
+            <a:spLocks noGrp="1"/>
+          </p:cNvSpPr>
+          <p:nvPr>
+            <p:ph type="body" idx="4294967295"/>
+          </p:nvPr>
+        </p:nvSpPr>
+        <p:spPr>
+          <a:xfrm>
+            <a:off x="539675" y="2127450"/>
+            <a:ext cx="2422500" cy="799200"/>
+          </a:xfrm>
+          <a:prstGeom prst="rect">
+            <a:avLst/>
+          </a:prstGeom>
+        </p:spPr>
+        <p:txBody>
+          <a:bodyPr lIns="91425" tIns="91425" rIns="91425" bIns="91425" anchor="ctr" anchorCtr="0">
+            <a:noAutofit/>
+          </a:bodyPr>
+          <a:lstStyle/>
+          <a:p>
+            <a:pPr lvl="0">
+              <a:lnSpc>
+                <a:spcPct val="100000"/>
+              </a:lnSpc>
+              <a:spcBef>
+                <a:spcPts val="0"/>
+              </a:spcBef>
+              <a:spcAft>
+                <a:spcPts val="0"/>
+              </a:spcAft>
+              <a:buNone/>
+            </a:pPr>
+            <a:r>
+              <a:rPr lang="en" b="1" dirty="0">
+                <a:solidFill>
+                  <a:schemeClr val="lt1"/>
+                </a:solidFill>
+                <a:latin typeface="Andale Mono" charset="0"/>
+                <a:ea typeface="Andale Mono" charset="0"/>
+                <a:cs typeface="Andale Mono" charset="0"/>
+                <a:sym typeface="Oswald"/>
+              </a:rPr>
+              <a:t>Feature 2</a:t>
+            </a:r>
+          </a:p>
+        </p:txBody>
+      </p:sp>
+      <p:sp>
+        <p:nvSpPr>
+          <p:cNvPr id="130" name="Shape 130"/>
+          <p:cNvSpPr txBox="1">
+            <a:spLocks noGrp="1"/>
+          </p:cNvSpPr>
+          <p:nvPr>
+            <p:ph type="body" idx="4294967295"/>
+          </p:nvPr>
+        </p:nvSpPr>
+        <p:spPr>
+          <a:xfrm>
+            <a:off x="3635900" y="2127464"/>
+            <a:ext cx="5111699" cy="799200"/>
+          </a:xfrm>
+          <a:prstGeom prst="rect">
+            <a:avLst/>
+          </a:prstGeom>
+        </p:spPr>
+        <p:txBody>
+          <a:bodyPr lIns="91425" tIns="91425" rIns="91425" bIns="91425" anchor="ctr" anchorCtr="0">
+            <a:noAutofit/>
+          </a:bodyPr>
+          <a:lstStyle/>
+          <a:p>
+            <a:pPr marL="914400" lvl="0" indent="0" algn="ctr" rtl="0">
+              <a:spcBef>
+                <a:spcPts val="0"/>
+              </a:spcBef>
+              <a:buNone/>
+            </a:pPr>
+            <a:endParaRPr lang="en-US" dirty="0">
+              <a:solidFill>
+                <a:schemeClr val="lt1"/>
+              </a:solidFill>
+              <a:latin typeface="Oswald"/>
+              <a:ea typeface="Oswald"/>
+              <a:cs typeface="Oswald"/>
+              <a:sym typeface="Oswald"/>
+            </a:endParaRPr>
+          </a:p>
+          <a:p>
+            <a:pPr marL="914400" lvl="0" indent="0" rtl="0">
+              <a:spcBef>
+                <a:spcPts val="0"/>
+              </a:spcBef>
+              <a:buNone/>
+            </a:pPr>
+            <a:r>
+              <a:rPr lang="en-US" sz="1400" b="1" dirty="0">
+                <a:solidFill>
+                  <a:schemeClr val="lt1"/>
+                </a:solidFill>
+                <a:latin typeface="Oswald"/>
+                <a:ea typeface="Oswald"/>
+                <a:cs typeface="Oswald"/>
+                <a:sym typeface="Oswald"/>
+              </a:rPr>
+              <a:t> </a:t>
+            </a:r>
+            <a:r>
+              <a:rPr lang="en-US" sz="1400" b="1" dirty="0" smtClean="0">
+                <a:solidFill>
+                  <a:schemeClr val="lt1"/>
+                </a:solidFill>
+                <a:latin typeface="Oswald"/>
+                <a:ea typeface="Oswald"/>
+                <a:cs typeface="Oswald"/>
+                <a:sym typeface="Oswald"/>
+              </a:rPr>
+              <a:t>   </a:t>
+            </a:r>
+            <a:r>
+              <a:rPr lang="en" sz="1400" b="1" dirty="0" smtClean="0">
+                <a:solidFill>
+                  <a:schemeClr val="lt1"/>
+                </a:solidFill>
+                <a:latin typeface="Andale Mono" charset="0"/>
+                <a:ea typeface="Andale Mono" charset="0"/>
+                <a:cs typeface="Andale Mono" charset="0"/>
+                <a:sym typeface="Oswald"/>
+              </a:rPr>
+              <a:t>Maintaining </a:t>
+            </a:r>
+            <a:r>
+              <a:rPr lang="en" sz="1400" b="1" dirty="0">
+                <a:solidFill>
+                  <a:schemeClr val="lt1"/>
+                </a:solidFill>
+                <a:latin typeface="Andale Mono" charset="0"/>
+                <a:ea typeface="Andale Mono" charset="0"/>
+                <a:cs typeface="Andale Mono" charset="0"/>
+                <a:sym typeface="Oswald"/>
+              </a:rPr>
+              <a:t>Patient </a:t>
+            </a:r>
+            <a:r>
+              <a:rPr lang="en" sz="1400" b="1" dirty="0" smtClean="0">
+                <a:solidFill>
+                  <a:schemeClr val="lt1"/>
+                </a:solidFill>
+                <a:latin typeface="Andale Mono" charset="0"/>
+                <a:ea typeface="Andale Mono" charset="0"/>
+                <a:cs typeface="Andale Mono" charset="0"/>
+                <a:sym typeface="Oswald"/>
+              </a:rPr>
+              <a:t>Records</a:t>
+            </a:r>
+            <a:endParaRPr lang="en" sz="1400" b="1" dirty="0">
+              <a:solidFill>
+                <a:schemeClr val="lt1"/>
+              </a:solidFill>
+              <a:latin typeface="Andale Mono" charset="0"/>
+              <a:ea typeface="Andale Mono" charset="0"/>
+              <a:cs typeface="Andale Mono" charset="0"/>
+              <a:sym typeface="Oswald"/>
+            </a:endParaRPr>
+          </a:p>
+          <a:p>
+            <a:pPr lvl="0">
+              <a:spcBef>
+                <a:spcPts val="0"/>
+              </a:spcBef>
+              <a:spcAft>
+                <a:spcPts val="0"/>
+              </a:spcAft>
+              <a:buNone/>
+            </a:pPr>
+            <a:endParaRPr dirty="0">
+              <a:solidFill>
+                <a:schemeClr val="lt1"/>
+              </a:solidFill>
+            </a:endParaRPr>
+          </a:p>
+        </p:txBody>
+      </p:sp>
+      <p:grpSp>
+        <p:nvGrpSpPr>
+          <p:cNvPr id="131" name="Shape 131"/>
+          <p:cNvGrpSpPr/>
+          <p:nvPr/>
+        </p:nvGrpSpPr>
+        <p:grpSpPr>
+          <a:xfrm>
+            <a:off x="424824" y="3000705"/>
+            <a:ext cx="8294360" cy="799447"/>
+            <a:chOff x="424812" y="2974405"/>
+            <a:chExt cx="8294360" cy="849933"/>
+          </a:xfrm>
+        </p:grpSpPr>
+        <p:sp>
+          <p:nvSpPr>
+            <p:cNvPr id="132" name="Shape 132"/>
+            <p:cNvSpPr/>
+            <p:nvPr/>
+          </p:nvSpPr>
+          <p:spPr>
+            <a:xfrm>
+              <a:off x="2927672" y="2974438"/>
+              <a:ext cx="5791500" cy="849900"/>
+            </a:xfrm>
+            <a:prstGeom prst="rect">
+              <a:avLst/>
+            </a:prstGeom>
+            <a:solidFill>
+              <a:schemeClr val="dk1"/>
+            </a:solidFill>
+            <a:ln>
+              <a:noFill/>
+            </a:ln>
+          </p:spPr>
+          <p:txBody>
+            <a:bodyPr lIns="91425" tIns="91425" rIns="91425" bIns="91425" anchor="ctr" anchorCtr="0">
+              <a:noAutofit/>
+            </a:bodyPr>
+            <a:lstStyle/>
+            <a:p>
+              <a:pPr lvl="0">
+                <a:spcBef>
+                  <a:spcPts val="0"/>
+                </a:spcBef>
+                <a:buNone/>
+              </a:pPr>
+              <a:endParaRPr/>
+            </a:p>
+          </p:txBody>
+        </p:sp>
+        <p:sp>
+          <p:nvSpPr>
+            <p:cNvPr id="133" name="Shape 133"/>
+            <p:cNvSpPr/>
+            <p:nvPr/>
+          </p:nvSpPr>
+          <p:spPr>
+            <a:xfrm>
+              <a:off x="424812" y="2974405"/>
+              <a:ext cx="3055799" cy="849900"/>
+            </a:xfrm>
+            <a:prstGeom prst="homePlate">
+              <a:avLst>
+                <a:gd name="adj" fmla="val 26719"/>
+              </a:avLst>
+            </a:prstGeom>
+            <a:solidFill>
+              <a:schemeClr val="accent5"/>
+            </a:solidFill>
+            <a:ln>
+              <a:noFill/>
+            </a:ln>
+          </p:spPr>
+          <p:txBody>
+            <a:bodyPr lIns="91425" tIns="91425" rIns="91425" bIns="91425" anchor="ctr" anchorCtr="0">
+              <a:noAutofit/>
+            </a:bodyPr>
+            <a:lstStyle/>
+            <a:p>
+              <a:pPr lvl="0">
+                <a:spcBef>
+                  <a:spcPts val="0"/>
+                </a:spcBef>
+                <a:buNone/>
+              </a:pPr>
+              <a:endParaRPr/>
+            </a:p>
+          </p:txBody>
+        </p:sp>
+      </p:grpSp>
+      <p:sp>
+        <p:nvSpPr>
+          <p:cNvPr id="134" name="Shape 134"/>
+          <p:cNvSpPr txBox="1">
+            <a:spLocks noGrp="1"/>
+          </p:cNvSpPr>
+          <p:nvPr>
+            <p:ph type="body" idx="4294967295"/>
+          </p:nvPr>
+        </p:nvSpPr>
+        <p:spPr>
+          <a:xfrm>
+            <a:off x="539675" y="3000775"/>
+            <a:ext cx="2422500" cy="799200"/>
+          </a:xfrm>
+          <a:prstGeom prst="rect">
+            <a:avLst/>
+          </a:prstGeom>
+        </p:spPr>
+        <p:txBody>
+          <a:bodyPr lIns="91425" tIns="91425" rIns="91425" bIns="91425" anchor="ctr" anchorCtr="0">
+            <a:noAutofit/>
+          </a:bodyPr>
+          <a:lstStyle/>
+          <a:p>
+            <a:pPr lvl="0">
+              <a:lnSpc>
+                <a:spcPct val="100000"/>
+              </a:lnSpc>
+              <a:spcBef>
+                <a:spcPts val="0"/>
+              </a:spcBef>
+              <a:spcAft>
+                <a:spcPts val="0"/>
+              </a:spcAft>
+              <a:buNone/>
+            </a:pPr>
+            <a:r>
+              <a:rPr lang="en" b="1" dirty="0">
+                <a:solidFill>
+                  <a:schemeClr val="lt1"/>
+                </a:solidFill>
+                <a:latin typeface="Andale Mono" charset="0"/>
+                <a:ea typeface="Andale Mono" charset="0"/>
+                <a:cs typeface="Andale Mono" charset="0"/>
+                <a:sym typeface="Oswald"/>
+              </a:rPr>
+              <a:t>Feature 3</a:t>
+            </a:r>
+          </a:p>
+        </p:txBody>
+      </p:sp>
+      <p:sp>
+        <p:nvSpPr>
+          <p:cNvPr id="135" name="Shape 135"/>
+          <p:cNvSpPr txBox="1">
+            <a:spLocks noGrp="1"/>
+          </p:cNvSpPr>
+          <p:nvPr>
+            <p:ph type="body" idx="4294967295"/>
+          </p:nvPr>
+        </p:nvSpPr>
+        <p:spPr>
+          <a:xfrm>
+            <a:off x="3480452" y="3004317"/>
+            <a:ext cx="5111699" cy="799200"/>
+          </a:xfrm>
+          <a:prstGeom prst="rect">
+            <a:avLst/>
+          </a:prstGeom>
+        </p:spPr>
+        <p:txBody>
+          <a:bodyPr lIns="91425" tIns="91425" rIns="91425" bIns="91425" anchor="ctr" anchorCtr="0">
+            <a:noAutofit/>
+          </a:bodyPr>
+          <a:lstStyle/>
+          <a:p>
+            <a:pPr marL="457200" lvl="0" indent="0" rtl="0">
+              <a:spcBef>
+                <a:spcPts val="0"/>
+              </a:spcBef>
+              <a:buNone/>
+            </a:pPr>
+            <a:endParaRPr dirty="0">
+              <a:solidFill>
+                <a:schemeClr val="lt1"/>
+              </a:solidFill>
+              <a:latin typeface="Oswald"/>
+              <a:ea typeface="Oswald"/>
+              <a:cs typeface="Oswald"/>
+              <a:sym typeface="Oswald"/>
+            </a:endParaRPr>
+          </a:p>
+          <a:p>
+            <a:pPr marL="914400" lvl="0" indent="0" rtl="0">
+              <a:spcBef>
+                <a:spcPts val="0"/>
+              </a:spcBef>
+              <a:buNone/>
+            </a:pPr>
+            <a:r>
+              <a:rPr lang="en" dirty="0">
+                <a:solidFill>
+                  <a:schemeClr val="lt1"/>
+                </a:solidFill>
+                <a:latin typeface="Oswald"/>
+                <a:ea typeface="Oswald"/>
+                <a:cs typeface="Oswald"/>
+                <a:sym typeface="Oswald"/>
+              </a:rPr>
+              <a:t>      </a:t>
+            </a:r>
+            <a:r>
+              <a:rPr lang="en" sz="1400" b="1" dirty="0" smtClean="0">
+                <a:solidFill>
+                  <a:schemeClr val="lt1"/>
+                </a:solidFill>
+                <a:latin typeface="Andale Mono" charset="0"/>
+                <a:ea typeface="Andale Mono" charset="0"/>
+                <a:cs typeface="Andale Mono" charset="0"/>
+                <a:sym typeface="Oswald"/>
+              </a:rPr>
+              <a:t>Overseeing Pharmacy </a:t>
+            </a:r>
+            <a:r>
+              <a:rPr lang="en" sz="1400" b="1" dirty="0">
+                <a:solidFill>
+                  <a:schemeClr val="lt1"/>
+                </a:solidFill>
+                <a:latin typeface="Andale Mono" charset="0"/>
+                <a:ea typeface="Andale Mono" charset="0"/>
+                <a:cs typeface="Andale Mono" charset="0"/>
+                <a:sym typeface="Oswald"/>
+              </a:rPr>
+              <a:t>Inventory</a:t>
+            </a:r>
+          </a:p>
+          <a:p>
+            <a:pPr lvl="0">
+              <a:spcBef>
+                <a:spcPts val="0"/>
+              </a:spcBef>
+              <a:spcAft>
+                <a:spcPts val="0"/>
+              </a:spcAft>
+              <a:buNone/>
+            </a:pPr>
+            <a:endParaRPr dirty="0">
+              <a:solidFill>
+                <a:schemeClr val="lt1"/>
+              </a:solidFill>
+            </a:endParaRPr>
+          </a:p>
+        </p:txBody>
+      </p:sp>
+      <p:grpSp>
+        <p:nvGrpSpPr>
+          <p:cNvPr id="136" name="Shape 136"/>
+          <p:cNvGrpSpPr/>
+          <p:nvPr/>
+        </p:nvGrpSpPr>
+        <p:grpSpPr>
+          <a:xfrm>
+            <a:off x="424824" y="3874102"/>
+            <a:ext cx="8294360" cy="799446"/>
+            <a:chOff x="424812" y="3871258"/>
+            <a:chExt cx="8294360" cy="849932"/>
+          </a:xfrm>
+        </p:grpSpPr>
+        <p:sp>
+          <p:nvSpPr>
+            <p:cNvPr id="137" name="Shape 137"/>
+            <p:cNvSpPr/>
+            <p:nvPr/>
+          </p:nvSpPr>
+          <p:spPr>
+            <a:xfrm>
+              <a:off x="2927672" y="3871291"/>
+              <a:ext cx="5791500" cy="849900"/>
+            </a:xfrm>
+            <a:prstGeom prst="rect">
+              <a:avLst/>
+            </a:prstGeom>
+            <a:solidFill>
+              <a:schemeClr val="dk1"/>
+            </a:solidFill>
+            <a:ln>
+              <a:noFill/>
+            </a:ln>
+          </p:spPr>
+          <p:txBody>
+            <a:bodyPr lIns="91425" tIns="91425" rIns="91425" bIns="91425" anchor="ctr" anchorCtr="0">
+              <a:noAutofit/>
+            </a:bodyPr>
+            <a:lstStyle/>
+            <a:p>
+              <a:pPr lvl="0">
+                <a:spcBef>
+                  <a:spcPts val="0"/>
+                </a:spcBef>
+                <a:buNone/>
+              </a:pPr>
+              <a:endParaRPr/>
+            </a:p>
+          </p:txBody>
+        </p:sp>
+        <p:sp>
+          <p:nvSpPr>
+            <p:cNvPr id="138" name="Shape 138"/>
+            <p:cNvSpPr/>
+            <p:nvPr/>
+          </p:nvSpPr>
+          <p:spPr>
+            <a:xfrm>
+              <a:off x="424812" y="3871258"/>
+              <a:ext cx="3055799" cy="849900"/>
+            </a:xfrm>
+            <a:prstGeom prst="homePlate">
+              <a:avLst>
+                <a:gd name="adj" fmla="val 26719"/>
+              </a:avLst>
+            </a:prstGeom>
+            <a:solidFill>
+              <a:schemeClr val="accent5"/>
+            </a:solidFill>
+            <a:ln>
+              <a:noFill/>
+            </a:ln>
+          </p:spPr>
+          <p:txBody>
+            <a:bodyPr lIns="91425" tIns="91425" rIns="91425" bIns="91425" anchor="ctr" anchorCtr="0">
+              <a:noAutofit/>
+            </a:bodyPr>
+            <a:lstStyle/>
+            <a:p>
+              <a:pPr lvl="0">
+                <a:spcBef>
+                  <a:spcPts val="0"/>
+                </a:spcBef>
+                <a:buNone/>
+              </a:pPr>
+              <a:endParaRPr/>
+            </a:p>
+          </p:txBody>
+        </p:sp>
+      </p:grpSp>
+      <p:sp>
+        <p:nvSpPr>
+          <p:cNvPr id="139" name="Shape 139"/>
+          <p:cNvSpPr txBox="1">
+            <a:spLocks noGrp="1"/>
+          </p:cNvSpPr>
+          <p:nvPr>
+            <p:ph type="body" idx="4294967295"/>
+          </p:nvPr>
+        </p:nvSpPr>
+        <p:spPr>
+          <a:xfrm>
+            <a:off x="539675" y="3874100"/>
+            <a:ext cx="2422500" cy="799200"/>
+          </a:xfrm>
+          <a:prstGeom prst="rect">
+            <a:avLst/>
+          </a:prstGeom>
+        </p:spPr>
+        <p:txBody>
+          <a:bodyPr lIns="91425" tIns="91425" rIns="91425" bIns="91425" anchor="ctr" anchorCtr="0">
+            <a:noAutofit/>
+          </a:bodyPr>
+          <a:lstStyle/>
+          <a:p>
+            <a:pPr lvl="0">
+              <a:lnSpc>
+                <a:spcPct val="100000"/>
+              </a:lnSpc>
+              <a:spcBef>
+                <a:spcPts val="0"/>
+              </a:spcBef>
+              <a:spcAft>
+                <a:spcPts val="0"/>
+              </a:spcAft>
+              <a:buNone/>
+            </a:pPr>
+            <a:r>
+              <a:rPr lang="en" b="1" dirty="0">
+                <a:solidFill>
+                  <a:schemeClr val="lt1"/>
+                </a:solidFill>
+                <a:latin typeface="Andale Mono" charset="0"/>
+                <a:ea typeface="Andale Mono" charset="0"/>
+                <a:cs typeface="Andale Mono" charset="0"/>
+                <a:sym typeface="Oswald"/>
+              </a:rPr>
+              <a:t>Feature 4</a:t>
+            </a:r>
+          </a:p>
+        </p:txBody>
+      </p:sp>
+      <p:sp>
+        <p:nvSpPr>
+          <p:cNvPr id="140" name="Shape 140"/>
+          <p:cNvSpPr txBox="1">
+            <a:spLocks noGrp="1"/>
+          </p:cNvSpPr>
+          <p:nvPr>
+            <p:ph type="body" idx="4294967295"/>
+          </p:nvPr>
+        </p:nvSpPr>
+        <p:spPr>
+          <a:xfrm>
+            <a:off x="3407300" y="3876311"/>
+            <a:ext cx="5111699" cy="799200"/>
+          </a:xfrm>
+          <a:prstGeom prst="rect">
+            <a:avLst/>
+          </a:prstGeom>
+        </p:spPr>
+        <p:txBody>
+          <a:bodyPr lIns="91425" tIns="91425" rIns="91425" bIns="91425" anchor="ctr" anchorCtr="0">
+            <a:noAutofit/>
+          </a:bodyPr>
+          <a:lstStyle/>
+          <a:p>
+            <a:pPr marL="457200" lvl="0" indent="0" rtl="0">
+              <a:spcBef>
+                <a:spcPts val="0"/>
+              </a:spcBef>
+              <a:buNone/>
+            </a:pPr>
+            <a:endParaRPr dirty="0">
+              <a:solidFill>
+                <a:schemeClr val="lt1"/>
+              </a:solidFill>
+              <a:latin typeface="Oswald"/>
+              <a:ea typeface="Oswald"/>
+              <a:cs typeface="Oswald"/>
+              <a:sym typeface="Oswald"/>
+            </a:endParaRPr>
+          </a:p>
+          <a:p>
+            <a:pPr marL="457200" lvl="0" indent="457200" rtl="0">
+              <a:spcBef>
+                <a:spcPts val="0"/>
+              </a:spcBef>
+              <a:buNone/>
+            </a:pPr>
+            <a:r>
+              <a:rPr lang="en" sz="1400" b="1" dirty="0">
+                <a:solidFill>
+                  <a:schemeClr val="lt1"/>
+                </a:solidFill>
+                <a:latin typeface="Andale Mono" charset="0"/>
+                <a:ea typeface="Andale Mono" charset="0"/>
+                <a:cs typeface="Andale Mono" charset="0"/>
+                <a:sym typeface="Oswald"/>
+              </a:rPr>
+              <a:t>    </a:t>
+            </a:r>
+            <a:r>
+              <a:rPr lang="en" sz="1400" b="1" dirty="0" smtClean="0">
+                <a:solidFill>
+                  <a:schemeClr val="lt1"/>
+                </a:solidFill>
+                <a:latin typeface="Andale Mono" charset="0"/>
+                <a:ea typeface="Andale Mono" charset="0"/>
+                <a:cs typeface="Andale Mono" charset="0"/>
+                <a:sym typeface="Oswald"/>
+              </a:rPr>
+              <a:t>Processing </a:t>
+            </a:r>
+            <a:r>
+              <a:rPr lang="en" sz="1400" b="1" dirty="0">
+                <a:solidFill>
+                  <a:schemeClr val="lt1"/>
+                </a:solidFill>
+                <a:latin typeface="Andale Mono" charset="0"/>
+                <a:ea typeface="Andale Mono" charset="0"/>
+                <a:cs typeface="Andale Mono" charset="0"/>
+                <a:sym typeface="Oswald"/>
+              </a:rPr>
+              <a:t>Patient Invoices</a:t>
+            </a:r>
+          </a:p>
+          <a:p>
+            <a:pPr lvl="0">
+              <a:spcBef>
+                <a:spcPts val="0"/>
+              </a:spcBef>
+              <a:spcAft>
+                <a:spcPts val="0"/>
+              </a:spcAft>
+              <a:buNone/>
+            </a:pPr>
+            <a:endParaRPr dirty="0">
+              <a:solidFill>
+                <a:schemeClr val="lt1"/>
+              </a:solidFill>
+            </a:endParaRPr>
+          </a:p>
+        </p:txBody>
+      </p:sp>
+    </p:spTree>
+  </p:cSld>
+  <p:clrMapOvr>
+    <a:masterClrMapping/>
+  </p:clrMapOvr>
+  <p:timing>
+    <p:tnLst>
+      <p:par>
+        <p:cTn id="1" dur="indefinite" restart="never" nodeType="tmRoot"/>
+      </p:par>
+    </p:tnLst>
+  </p:timing>
+</p:sld>
+</file>
+
+<file path=ppt/slides/slide6.xml><?xml version="1.0" encoding="utf-8"?>
+<p:sld xmlns:a="http://schemas.openxmlformats.org/drawingml/2006/main" xmlns:r="http://schemas.openxmlformats.org/officeDocument/2006/relationships" xmlns:p="http://schemas.openxmlformats.org/presentationml/2006/main">
+  <p:cSld>
+    <p:spTree>
+      <p:nvGrpSpPr>
+        <p:cNvPr id="1" name="Shape 113"/>
+        <p:cNvGrpSpPr/>
+        <p:nvPr/>
+      </p:nvGrpSpPr>
+      <p:grpSpPr>
+        <a:xfrm>
+          <a:off x="0" y="0"/>
+          <a:ext cx="0" cy="0"/>
+          <a:chOff x="0" y="0"/>
+          <a:chExt cx="0" cy="0"/>
+        </a:xfrm>
+      </p:grpSpPr>
+      <p:sp>
+        <p:nvSpPr>
+          <p:cNvPr id="115" name="Shape 115"/>
+          <p:cNvSpPr txBox="1">
+            <a:spLocks noGrp="1"/>
+          </p:cNvSpPr>
+          <p:nvPr>
+            <p:ph type="body" idx="1"/>
+          </p:nvPr>
+        </p:nvSpPr>
+        <p:spPr>
+          <a:xfrm>
+            <a:off x="311700" y="1280491"/>
+            <a:ext cx="8520599" cy="3416400"/>
+          </a:xfrm>
+          <a:prstGeom prst="rect">
+            <a:avLst/>
+          </a:prstGeom>
+        </p:spPr>
+        <p:txBody>
+          <a:bodyPr lIns="91425" tIns="91425" rIns="91425" bIns="91425" anchor="t" anchorCtr="0">
+            <a:noAutofit/>
+          </a:bodyPr>
+          <a:lstStyle/>
+          <a:p>
+            <a:pPr lvl="0" rtl="0">
+              <a:spcBef>
+                <a:spcPts val="0"/>
+              </a:spcBef>
+              <a:buNone/>
+            </a:pPr>
+            <a:r>
+              <a:rPr lang="en-US" sz="2000" dirty="0" smtClean="0">
+                <a:solidFill>
+                  <a:schemeClr val="dk1"/>
+                </a:solidFill>
+                <a:latin typeface="Andale Mono" charset="0"/>
+                <a:ea typeface="Andale Mono" charset="0"/>
+                <a:cs typeface="Andale Mono" charset="0"/>
+                <a:sym typeface="Oswald"/>
+              </a:rPr>
+              <a:t>Code Snippet Here</a:t>
+            </a:r>
+            <a:endParaRPr lang="en" sz="2000" dirty="0">
+              <a:solidFill>
+                <a:schemeClr val="dk1"/>
+              </a:solidFill>
+              <a:latin typeface="Andale Mono" charset="0"/>
+              <a:ea typeface="Andale Mono" charset="0"/>
+              <a:cs typeface="Andale Mono" charset="0"/>
+              <a:sym typeface="Oswald"/>
+            </a:endParaRPr>
+          </a:p>
+        </p:txBody>
+      </p:sp>
+      <p:grpSp>
+        <p:nvGrpSpPr>
+          <p:cNvPr id="6" name="Shape 136"/>
+          <p:cNvGrpSpPr/>
+          <p:nvPr/>
+        </p:nvGrpSpPr>
+        <p:grpSpPr>
+          <a:xfrm>
+            <a:off x="311700" y="353029"/>
+            <a:ext cx="8294360" cy="799446"/>
+            <a:chOff x="424812" y="3871258"/>
+            <a:chExt cx="8294360" cy="849932"/>
+          </a:xfrm>
+        </p:grpSpPr>
+        <p:sp>
+          <p:nvSpPr>
+            <p:cNvPr id="7" name="Shape 137"/>
+            <p:cNvSpPr/>
+            <p:nvPr/>
+          </p:nvSpPr>
+          <p:spPr>
+            <a:xfrm>
+              <a:off x="2927672" y="3871291"/>
+              <a:ext cx="5791500" cy="849900"/>
+            </a:xfrm>
+            <a:prstGeom prst="rect">
+              <a:avLst/>
+            </a:prstGeom>
+            <a:solidFill>
+              <a:schemeClr val="dk1"/>
+            </a:solidFill>
+            <a:ln>
+              <a:noFill/>
+            </a:ln>
+          </p:spPr>
+          <p:txBody>
+            <a:bodyPr lIns="91425" tIns="91425" rIns="91425" bIns="91425" anchor="ctr" anchorCtr="0">
+              <a:noAutofit/>
+            </a:bodyPr>
+            <a:lstStyle/>
+            <a:p>
+              <a:pPr lvl="3"/>
+              <a:r>
+                <a:rPr lang="en-US" sz="2400" b="1" dirty="0">
+                  <a:latin typeface="Andale Mono" charset="0"/>
+                  <a:ea typeface="Andale Mono" charset="0"/>
+                  <a:cs typeface="Andale Mono" charset="0"/>
+                </a:rPr>
+                <a:t> </a:t>
+              </a:r>
+              <a:r>
+                <a:rPr lang="en-US" sz="2400" b="1" dirty="0" smtClean="0">
+                  <a:latin typeface="Andale Mono" charset="0"/>
+                  <a:ea typeface="Andale Mono" charset="0"/>
+                  <a:cs typeface="Andale Mono" charset="0"/>
+                </a:rPr>
+                <a:t>         Multithreading</a:t>
+              </a:r>
+              <a:endParaRPr sz="2400" b="1" dirty="0">
+                <a:latin typeface="Andale Mono" charset="0"/>
+                <a:ea typeface="Andale Mono" charset="0"/>
+                <a:cs typeface="Andale Mono" charset="0"/>
+              </a:endParaRPr>
+            </a:p>
+          </p:txBody>
+        </p:sp>
+        <p:sp>
+          <p:nvSpPr>
+            <p:cNvPr id="8" name="Shape 138"/>
+            <p:cNvSpPr/>
+            <p:nvPr/>
+          </p:nvSpPr>
+          <p:spPr>
+            <a:xfrm>
+              <a:off x="424812" y="3871258"/>
+              <a:ext cx="3055799" cy="849900"/>
+            </a:xfrm>
+            <a:prstGeom prst="homePlate">
+              <a:avLst>
+                <a:gd name="adj" fmla="val 26719"/>
+              </a:avLst>
+            </a:prstGeom>
+            <a:solidFill>
+              <a:schemeClr val="accent5"/>
+            </a:solidFill>
+            <a:ln>
+              <a:noFill/>
+            </a:ln>
+          </p:spPr>
+          <p:txBody>
+            <a:bodyPr lIns="91425" tIns="91425" rIns="91425" bIns="91425" anchor="ctr" anchorCtr="0">
+              <a:noAutofit/>
+            </a:bodyPr>
+            <a:lstStyle/>
+            <a:p>
+              <a:pPr lvl="0">
+                <a:spcBef>
+                  <a:spcPts val="0"/>
+                </a:spcBef>
+                <a:buNone/>
+              </a:pPr>
+              <a:endParaRPr lang="en-US" sz="2400" dirty="0" smtClean="0">
+                <a:latin typeface="Andale Mono" charset="0"/>
+                <a:ea typeface="Andale Mono" charset="0"/>
+                <a:cs typeface="Andale Mono" charset="0"/>
+              </a:endParaRPr>
+            </a:p>
+            <a:p>
+              <a:pPr lvl="0">
+                <a:spcBef>
+                  <a:spcPts val="0"/>
+                </a:spcBef>
+                <a:buNone/>
+              </a:pPr>
+              <a:r>
+                <a:rPr lang="en-US" sz="2400" b="1" dirty="0" smtClean="0">
+                  <a:latin typeface="Andale Mono" charset="0"/>
+                  <a:ea typeface="Andale Mono" charset="0"/>
+                  <a:cs typeface="Andale Mono" charset="0"/>
+                </a:rPr>
+                <a:t>Special Feature	</a:t>
+              </a:r>
+              <a:r>
+                <a:rPr lang="en-US" sz="3000" b="1" dirty="0" smtClean="0">
+                  <a:latin typeface="Andale Mono" charset="0"/>
+                  <a:ea typeface="Andale Mono" charset="0"/>
+                  <a:cs typeface="Andale Mono" charset="0"/>
+                </a:rPr>
+                <a:t>	</a:t>
+              </a:r>
+              <a:endParaRPr sz="3000" b="1" dirty="0">
+                <a:latin typeface="Andale Mono" charset="0"/>
+                <a:ea typeface="Andale Mono" charset="0"/>
+                <a:cs typeface="Andale Mono" charset="0"/>
+              </a:endParaRPr>
+            </a:p>
+          </p:txBody>
+        </p:sp>
+      </p:grpSp>
+    </p:spTree>
+    <p:extLst>
+      <p:ext uri="{BB962C8B-B14F-4D97-AF65-F5344CB8AC3E}">
+        <p14:creationId xmlns:p14="http://schemas.microsoft.com/office/powerpoint/2010/main" val="293996629"/>
+      </p:ext>
+    </p:extLst>
+  </p:cSld>
+  <p:clrMapOvr>
+    <a:masterClrMapping/>
+  </p:clrMapOvr>
+  <p:timing>
+    <p:tnLst>
+      <p:par>
+        <p:cTn id="1" dur="indefinite" restart="never" nodeType="tmRoot"/>
+      </p:par>
+    </p:tnLst>
+  </p:timing>
+</p:sld>
+</file>
+
+<file path=ppt/slides/slide7.xml><?xml version="1.0" encoding="utf-8"?>
+<p:sld xmlns:a="http://schemas.openxmlformats.org/drawingml/2006/main" xmlns:r="http://schemas.openxmlformats.org/officeDocument/2006/relationships" xmlns:p="http://schemas.openxmlformats.org/presentationml/2006/main">
+  <p:cSld>
+    <p:spTree>
+      <p:nvGrpSpPr>
         <p:cNvPr id="1" name="Shape 91"/>
         <p:cNvGrpSpPr/>
         <p:nvPr/>
@@ -8098,19 +11265,7 @@
                 <a:cs typeface="Andale Mono" charset="0"/>
                 <a:sym typeface="Oswald"/>
               </a:rPr>
-              <a:t> </a:t>
-            </a:r>
-            <a:r>
-              <a:rPr lang="en" sz="2000" dirty="0" smtClean="0">
-                <a:solidFill>
-                  <a:schemeClr val="dk1"/>
-                </a:solidFill>
-                <a:latin typeface="Andale Mono" charset="0"/>
-                <a:ea typeface="Andale Mono" charset="0"/>
-                <a:cs typeface="Andale Mono" charset="0"/>
-                <a:sym typeface="Oswald"/>
-              </a:rPr>
-              <a:t>Pages</a:t>
+              <a:t> Pages</a:t>
             </a:r>
             <a:endParaRPr lang="en" sz="2000" dirty="0">
               <a:solidFill>
@@ -9077,7 +12232,7 @@
 </p:sld>
 </file>
 
-<file path=ppt/slides/slide5.xml><?xml version="1.0" encoding="utf-8"?>
+<file path=ppt/slides/slide8.xml><?xml version="1.0" encoding="utf-8"?>
 <p:sld xmlns:a="http://schemas.openxmlformats.org/drawingml/2006/main" xmlns:r="http://schemas.openxmlformats.org/officeDocument/2006/relationships" xmlns:p="http://schemas.openxmlformats.org/presentationml/2006/main">
   <p:cSld>
     <p:spTree>
@@ -9531,1251 +12686,7 @@
 </p:sld>
 </file>
 
-<file path=ppt/slides/slide6.xml><?xml version="1.0" encoding="utf-8"?>
-<p:sld xmlns:a="http://schemas.openxmlformats.org/drawingml/2006/main" xmlns:r="http://schemas.openxmlformats.org/officeDocument/2006/relationships" xmlns:p="http://schemas.openxmlformats.org/presentationml/2006/main">
-  <p:cSld>
-    <p:spTree>
-      <p:nvGrpSpPr>
-        <p:cNvPr id="1" name="Shape 113"/>
-        <p:cNvGrpSpPr/>
-        <p:nvPr/>
-      </p:nvGrpSpPr>
-      <p:grpSpPr>
-        <a:xfrm>
-          <a:off x="0" y="0"/>
-          <a:ext cx="0" cy="0"/>
-          <a:chOff x="0" y="0"/>
-          <a:chExt cx="0" cy="0"/>
-        </a:xfrm>
-      </p:grpSpPr>
-      <p:sp>
-        <p:nvSpPr>
-          <p:cNvPr id="114" name="Shape 114"/>
-          <p:cNvSpPr txBox="1">
-            <a:spLocks noGrp="1"/>
-          </p:cNvSpPr>
-          <p:nvPr>
-            <p:ph type="title"/>
-          </p:nvPr>
-        </p:nvSpPr>
-        <p:spPr>
-          <a:xfrm>
-            <a:off x="311700" y="445025"/>
-            <a:ext cx="8520599" cy="572699"/>
-          </a:xfrm>
-          <a:prstGeom prst="rect">
-            <a:avLst/>
-          </a:prstGeom>
-        </p:spPr>
-        <p:txBody>
-          <a:bodyPr lIns="91425" tIns="91425" rIns="91425" bIns="91425" anchor="t" anchorCtr="0">
-            <a:noAutofit/>
-          </a:bodyPr>
-          <a:lstStyle/>
-          <a:p>
-            <a:pPr lvl="0">
-              <a:spcBef>
-                <a:spcPts val="0"/>
-              </a:spcBef>
-              <a:buNone/>
-            </a:pPr>
-            <a:r>
-              <a:rPr lang="en" b="1" dirty="0">
-                <a:latin typeface="Andale Mono" charset="0"/>
-                <a:ea typeface="Andale Mono" charset="0"/>
-                <a:cs typeface="Andale Mono" charset="0"/>
-              </a:rPr>
-              <a:t>Overview</a:t>
-            </a:r>
-          </a:p>
-        </p:txBody>
-      </p:sp>
-      <p:sp>
-        <p:nvSpPr>
-          <p:cNvPr id="115" name="Shape 115"/>
-          <p:cNvSpPr txBox="1">
-            <a:spLocks noGrp="1"/>
-          </p:cNvSpPr>
-          <p:nvPr>
-            <p:ph type="body" idx="1"/>
-          </p:nvPr>
-        </p:nvSpPr>
-        <p:spPr>
-          <a:xfrm>
-            <a:off x="311700" y="1152475"/>
-            <a:ext cx="8520599" cy="3416400"/>
-          </a:xfrm>
-          <a:prstGeom prst="rect">
-            <a:avLst/>
-          </a:prstGeom>
-        </p:spPr>
-        <p:txBody>
-          <a:bodyPr lIns="91425" tIns="91425" rIns="91425" bIns="91425" anchor="t" anchorCtr="0">
-            <a:noAutofit/>
-          </a:bodyPr>
-          <a:lstStyle/>
-          <a:p>
-            <a:pPr lvl="0" rtl="0">
-              <a:spcBef>
-                <a:spcPts val="0"/>
-              </a:spcBef>
-              <a:buNone/>
-            </a:pPr>
-            <a:r>
-              <a:rPr lang="en" sz="2000" u="sng" dirty="0" smtClean="0">
-                <a:solidFill>
-                  <a:schemeClr val="dk1"/>
-                </a:solidFill>
-                <a:latin typeface="Andale Mono" charset="0"/>
-                <a:ea typeface="Andale Mono" charset="0"/>
-                <a:cs typeface="Andale Mono" charset="0"/>
-                <a:sym typeface="Oswald"/>
-              </a:rPr>
-              <a:t>Purpose</a:t>
-            </a:r>
-            <a:r>
-              <a:rPr lang="en-US" sz="2000" u="sng" dirty="0" smtClean="0">
-                <a:solidFill>
-                  <a:schemeClr val="dk1"/>
-                </a:solidFill>
-                <a:latin typeface="Andale Mono" charset="0"/>
-                <a:ea typeface="Andale Mono" charset="0"/>
-                <a:cs typeface="Andale Mono" charset="0"/>
-                <a:sym typeface="Oswald"/>
-              </a:rPr>
-              <a:t>:</a:t>
-            </a:r>
-            <a:r>
-              <a:rPr lang="en-US" sz="2000" dirty="0" smtClean="0">
-                <a:solidFill>
-                  <a:schemeClr val="dk1"/>
-                </a:solidFill>
-                <a:latin typeface="Andale Mono" charset="0"/>
-                <a:ea typeface="Andale Mono" charset="0"/>
-                <a:cs typeface="Andale Mono" charset="0"/>
-                <a:sym typeface="Oswald"/>
-              </a:rPr>
-              <a:t> </a:t>
-            </a:r>
-            <a:r>
-              <a:rPr lang="en" sz="2000" dirty="0" smtClean="0">
-                <a:solidFill>
-                  <a:schemeClr val="dk1"/>
-                </a:solidFill>
-                <a:latin typeface="Andale Mono" charset="0"/>
-                <a:ea typeface="Andale Mono" charset="0"/>
-                <a:cs typeface="Andale Mono" charset="0"/>
-                <a:sym typeface="Oswald"/>
-              </a:rPr>
-              <a:t>We </a:t>
-            </a:r>
-            <a:r>
-              <a:rPr lang="en" sz="2000" dirty="0" smtClean="0">
-                <a:solidFill>
-                  <a:schemeClr val="dk1"/>
-                </a:solidFill>
-                <a:latin typeface="Andale Mono" charset="0"/>
-                <a:ea typeface="Andale Mono" charset="0"/>
-                <a:cs typeface="Andale Mono" charset="0"/>
-                <a:sym typeface="Oswald"/>
-              </a:rPr>
-              <a:t>have created a hospital management system which focuses on coordinating the day-to-day functionality of hospital environments so that they will be able to address patient and general hospital needs in a more simplified and organized fashion.</a:t>
-            </a:r>
-            <a:endParaRPr lang="en" sz="2000" dirty="0">
-              <a:solidFill>
-                <a:schemeClr val="dk1"/>
-              </a:solidFill>
-              <a:latin typeface="Andale Mono" charset="0"/>
-              <a:ea typeface="Andale Mono" charset="0"/>
-              <a:cs typeface="Andale Mono" charset="0"/>
-              <a:sym typeface="Oswald"/>
-            </a:endParaRPr>
-          </a:p>
-        </p:txBody>
-      </p:sp>
-    </p:spTree>
-  </p:cSld>
-  <p:clrMapOvr>
-    <a:masterClrMapping/>
-  </p:clrMapOvr>
-  <p:timing>
-    <p:tnLst>
-      <p:par>
-        <p:cTn id="1" dur="indefinite" restart="never" nodeType="tmRoot"/>
-      </p:par>
-    </p:tnLst>
-  </p:timing>
-</p:sld>
-</file>
-
-<file path=ppt/slides/slide7.xml><?xml version="1.0" encoding="utf-8"?>
-<p:sld xmlns:a="http://schemas.openxmlformats.org/drawingml/2006/main" xmlns:r="http://schemas.openxmlformats.org/officeDocument/2006/relationships" xmlns:p="http://schemas.openxmlformats.org/presentationml/2006/main">
-  <p:cSld>
-    <p:spTree>
-      <p:nvGrpSpPr>
-        <p:cNvPr id="1" name="Shape 119"/>
-        <p:cNvGrpSpPr/>
-        <p:nvPr/>
-      </p:nvGrpSpPr>
-      <p:grpSpPr>
-        <a:xfrm>
-          <a:off x="0" y="0"/>
-          <a:ext cx="0" cy="0"/>
-          <a:chOff x="0" y="0"/>
-          <a:chExt cx="0" cy="0"/>
-        </a:xfrm>
-      </p:grpSpPr>
-      <p:sp>
-        <p:nvSpPr>
-          <p:cNvPr id="120" name="Shape 120"/>
-          <p:cNvSpPr txBox="1">
-            <a:spLocks noGrp="1"/>
-          </p:cNvSpPr>
-          <p:nvPr>
-            <p:ph type="title"/>
-          </p:nvPr>
-        </p:nvSpPr>
-        <p:spPr>
-          <a:xfrm>
-            <a:off x="311700" y="445025"/>
-            <a:ext cx="8520599" cy="572699"/>
-          </a:xfrm>
-          <a:prstGeom prst="rect">
-            <a:avLst/>
-          </a:prstGeom>
-        </p:spPr>
-        <p:txBody>
-          <a:bodyPr lIns="91425" tIns="91425" rIns="91425" bIns="91425" anchor="t" anchorCtr="0">
-            <a:noAutofit/>
-          </a:bodyPr>
-          <a:lstStyle/>
-          <a:p>
-            <a:pPr lvl="0">
-              <a:spcBef>
-                <a:spcPts val="0"/>
-              </a:spcBef>
-              <a:buNone/>
-            </a:pPr>
-            <a:r>
-              <a:rPr lang="en" b="1" dirty="0">
-                <a:latin typeface="Andale Mono" charset="0"/>
-                <a:ea typeface="Andale Mono" charset="0"/>
-                <a:cs typeface="Andale Mono" charset="0"/>
-              </a:rPr>
-              <a:t>Main Features</a:t>
-            </a:r>
-          </a:p>
-        </p:txBody>
-      </p:sp>
-      <p:grpSp>
-        <p:nvGrpSpPr>
-          <p:cNvPr id="121" name="Shape 121"/>
-          <p:cNvGrpSpPr/>
-          <p:nvPr/>
-        </p:nvGrpSpPr>
-        <p:grpSpPr>
-          <a:xfrm>
-            <a:off x="424824" y="1253972"/>
-            <a:ext cx="8294371" cy="799415"/>
-            <a:chOff x="424812" y="1177875"/>
-            <a:chExt cx="8294371" cy="849900"/>
-          </a:xfrm>
-        </p:grpSpPr>
-        <p:sp>
-          <p:nvSpPr>
-            <p:cNvPr id="122" name="Shape 122"/>
-            <p:cNvSpPr/>
-            <p:nvPr/>
-          </p:nvSpPr>
-          <p:spPr>
-            <a:xfrm>
-              <a:off x="2927683" y="1177875"/>
-              <a:ext cx="5791500" cy="849900"/>
-            </a:xfrm>
-            <a:prstGeom prst="rect">
-              <a:avLst/>
-            </a:prstGeom>
-            <a:solidFill>
-              <a:schemeClr val="dk1"/>
-            </a:solidFill>
-            <a:ln>
-              <a:noFill/>
-            </a:ln>
-          </p:spPr>
-          <p:txBody>
-            <a:bodyPr lIns="91425" tIns="91425" rIns="91425" bIns="91425" anchor="ctr" anchorCtr="0">
-              <a:noAutofit/>
-            </a:bodyPr>
-            <a:lstStyle/>
-            <a:p>
-              <a:pPr lvl="0">
-                <a:spcBef>
-                  <a:spcPts val="0"/>
-                </a:spcBef>
-                <a:buNone/>
-              </a:pPr>
-              <a:endParaRPr/>
-            </a:p>
-          </p:txBody>
-        </p:sp>
-        <p:sp>
-          <p:nvSpPr>
-            <p:cNvPr id="123" name="Shape 123"/>
-            <p:cNvSpPr/>
-            <p:nvPr/>
-          </p:nvSpPr>
-          <p:spPr>
-            <a:xfrm>
-              <a:off x="424812" y="1177875"/>
-              <a:ext cx="3055799" cy="849900"/>
-            </a:xfrm>
-            <a:prstGeom prst="homePlate">
-              <a:avLst>
-                <a:gd name="adj" fmla="val 26719"/>
-              </a:avLst>
-            </a:prstGeom>
-            <a:solidFill>
-              <a:schemeClr val="accent5"/>
-            </a:solidFill>
-            <a:ln>
-              <a:noFill/>
-            </a:ln>
-          </p:spPr>
-          <p:txBody>
-            <a:bodyPr lIns="91425" tIns="91425" rIns="91425" bIns="91425" anchor="ctr" anchorCtr="0">
-              <a:noAutofit/>
-            </a:bodyPr>
-            <a:lstStyle/>
-            <a:p>
-              <a:pPr lvl="0">
-                <a:spcBef>
-                  <a:spcPts val="0"/>
-                </a:spcBef>
-                <a:buNone/>
-              </a:pPr>
-              <a:endParaRPr/>
-            </a:p>
-          </p:txBody>
-        </p:sp>
-      </p:grpSp>
-      <p:sp>
-        <p:nvSpPr>
-          <p:cNvPr id="124" name="Shape 124"/>
-          <p:cNvSpPr txBox="1">
-            <a:spLocks noGrp="1"/>
-          </p:cNvSpPr>
-          <p:nvPr>
-            <p:ph type="body" idx="4294967295"/>
-          </p:nvPr>
-        </p:nvSpPr>
-        <p:spPr>
-          <a:xfrm>
-            <a:off x="539675" y="1254200"/>
-            <a:ext cx="2422500" cy="799200"/>
-          </a:xfrm>
-          <a:prstGeom prst="rect">
-            <a:avLst/>
-          </a:prstGeom>
-        </p:spPr>
-        <p:txBody>
-          <a:bodyPr lIns="91425" tIns="91425" rIns="91425" bIns="91425" anchor="ctr" anchorCtr="0">
-            <a:noAutofit/>
-          </a:bodyPr>
-          <a:lstStyle/>
-          <a:p>
-            <a:pPr lvl="0">
-              <a:lnSpc>
-                <a:spcPct val="100000"/>
-              </a:lnSpc>
-              <a:spcBef>
-                <a:spcPts val="0"/>
-              </a:spcBef>
-              <a:spcAft>
-                <a:spcPts val="0"/>
-              </a:spcAft>
-              <a:buNone/>
-            </a:pPr>
-            <a:r>
-              <a:rPr lang="en" b="1" dirty="0">
-                <a:solidFill>
-                  <a:schemeClr val="lt1"/>
-                </a:solidFill>
-                <a:latin typeface="Andale Mono" charset="0"/>
-                <a:ea typeface="Andale Mono" charset="0"/>
-                <a:cs typeface="Andale Mono" charset="0"/>
-                <a:sym typeface="Oswald"/>
-              </a:rPr>
-              <a:t>Feature 1</a:t>
-            </a:r>
-          </a:p>
-        </p:txBody>
-      </p:sp>
-      <p:sp>
-        <p:nvSpPr>
-          <p:cNvPr id="125" name="Shape 125"/>
-          <p:cNvSpPr txBox="1">
-            <a:spLocks noGrp="1"/>
-          </p:cNvSpPr>
-          <p:nvPr>
-            <p:ph type="body" idx="4294967295"/>
-          </p:nvPr>
-        </p:nvSpPr>
-        <p:spPr>
-          <a:xfrm>
-            <a:off x="3599324" y="1254158"/>
-            <a:ext cx="5111699" cy="799200"/>
-          </a:xfrm>
-          <a:prstGeom prst="rect">
-            <a:avLst/>
-          </a:prstGeom>
-        </p:spPr>
-        <p:txBody>
-          <a:bodyPr lIns="91425" tIns="91425" rIns="91425" bIns="91425" anchor="ctr" anchorCtr="0">
-            <a:noAutofit/>
-          </a:bodyPr>
-          <a:lstStyle/>
-          <a:p>
-            <a:pPr marL="0" lvl="0" indent="0" rtl="0">
-              <a:spcBef>
-                <a:spcPts val="0"/>
-              </a:spcBef>
-              <a:buNone/>
-            </a:pPr>
-            <a:endParaRPr dirty="0">
-              <a:solidFill>
-                <a:schemeClr val="lt1"/>
-              </a:solidFill>
-              <a:latin typeface="Oswald"/>
-              <a:ea typeface="Oswald"/>
-              <a:cs typeface="Oswald"/>
-              <a:sym typeface="Oswald"/>
-            </a:endParaRPr>
-          </a:p>
-          <a:p>
-            <a:pPr marL="914400" lvl="0" indent="0" algn="l" rtl="0">
-              <a:spcBef>
-                <a:spcPts val="0"/>
-              </a:spcBef>
-              <a:buNone/>
-            </a:pPr>
-            <a:r>
-              <a:rPr lang="en" sz="1400" b="1" dirty="0">
-                <a:solidFill>
-                  <a:schemeClr val="lt1"/>
-                </a:solidFill>
-                <a:latin typeface="Oswald"/>
-                <a:ea typeface="Oswald"/>
-                <a:cs typeface="Oswald"/>
-                <a:sym typeface="Oswald"/>
-              </a:rPr>
-              <a:t>       </a:t>
-            </a:r>
-            <a:r>
-              <a:rPr lang="en-US" sz="1400" b="1" dirty="0" smtClean="0">
-                <a:solidFill>
-                  <a:schemeClr val="lt1"/>
-                </a:solidFill>
-                <a:latin typeface="Oswald"/>
-                <a:ea typeface="Oswald"/>
-                <a:cs typeface="Oswald"/>
-                <a:sym typeface="Oswald"/>
-              </a:rPr>
-              <a:t>        </a:t>
-            </a:r>
-            <a:r>
-              <a:rPr lang="en" sz="1400" b="1" dirty="0" smtClean="0">
-                <a:solidFill>
-                  <a:schemeClr val="lt1"/>
-                </a:solidFill>
-                <a:latin typeface="Andale Mono" charset="0"/>
-                <a:ea typeface="Andale Mono" charset="0"/>
-                <a:cs typeface="Andale Mono" charset="0"/>
-                <a:sym typeface="Oswald"/>
-              </a:rPr>
-              <a:t>Scheduling </a:t>
-            </a:r>
-            <a:r>
-              <a:rPr lang="en" sz="1400" b="1" dirty="0">
-                <a:solidFill>
-                  <a:schemeClr val="lt1"/>
-                </a:solidFill>
-                <a:latin typeface="Andale Mono" charset="0"/>
-                <a:ea typeface="Andale Mono" charset="0"/>
-                <a:cs typeface="Andale Mono" charset="0"/>
-                <a:sym typeface="Oswald"/>
-              </a:rPr>
-              <a:t>Appointments</a:t>
-            </a:r>
-          </a:p>
-          <a:p>
-            <a:pPr lvl="0">
-              <a:spcBef>
-                <a:spcPts val="0"/>
-              </a:spcBef>
-              <a:spcAft>
-                <a:spcPts val="0"/>
-              </a:spcAft>
-              <a:buNone/>
-            </a:pPr>
-            <a:endParaRPr dirty="0">
-              <a:solidFill>
-                <a:schemeClr val="lt1"/>
-              </a:solidFill>
-            </a:endParaRPr>
-          </a:p>
-        </p:txBody>
-      </p:sp>
-      <p:grpSp>
-        <p:nvGrpSpPr>
-          <p:cNvPr id="126" name="Shape 126"/>
-          <p:cNvGrpSpPr/>
-          <p:nvPr/>
-        </p:nvGrpSpPr>
-        <p:grpSpPr>
-          <a:xfrm>
-            <a:off x="424824" y="2127338"/>
-            <a:ext cx="8294360" cy="799415"/>
-            <a:chOff x="424812" y="2075689"/>
-            <a:chExt cx="8294360" cy="849900"/>
-          </a:xfrm>
-        </p:grpSpPr>
-        <p:sp>
-          <p:nvSpPr>
-            <p:cNvPr id="127" name="Shape 127"/>
-            <p:cNvSpPr/>
-            <p:nvPr/>
-          </p:nvSpPr>
-          <p:spPr>
-            <a:xfrm>
-              <a:off x="2927672" y="2075689"/>
-              <a:ext cx="5791500" cy="849900"/>
-            </a:xfrm>
-            <a:prstGeom prst="rect">
-              <a:avLst/>
-            </a:prstGeom>
-            <a:solidFill>
-              <a:schemeClr val="dk1"/>
-            </a:solidFill>
-            <a:ln>
-              <a:noFill/>
-            </a:ln>
-          </p:spPr>
-          <p:txBody>
-            <a:bodyPr lIns="91425" tIns="91425" rIns="91425" bIns="91425" anchor="ctr" anchorCtr="0">
-              <a:noAutofit/>
-            </a:bodyPr>
-            <a:lstStyle/>
-            <a:p>
-              <a:pPr lvl="0">
-                <a:spcBef>
-                  <a:spcPts val="0"/>
-                </a:spcBef>
-                <a:buNone/>
-              </a:pPr>
-              <a:endParaRPr/>
-            </a:p>
-          </p:txBody>
-        </p:sp>
-        <p:sp>
-          <p:nvSpPr>
-            <p:cNvPr id="128" name="Shape 128"/>
-            <p:cNvSpPr/>
-            <p:nvPr/>
-          </p:nvSpPr>
-          <p:spPr>
-            <a:xfrm>
-              <a:off x="424812" y="2075689"/>
-              <a:ext cx="3055799" cy="849900"/>
-            </a:xfrm>
-            <a:prstGeom prst="homePlate">
-              <a:avLst>
-                <a:gd name="adj" fmla="val 26719"/>
-              </a:avLst>
-            </a:prstGeom>
-            <a:solidFill>
-              <a:schemeClr val="accent5"/>
-            </a:solidFill>
-            <a:ln>
-              <a:noFill/>
-            </a:ln>
-          </p:spPr>
-          <p:txBody>
-            <a:bodyPr lIns="91425" tIns="91425" rIns="91425" bIns="91425" anchor="ctr" anchorCtr="0">
-              <a:noAutofit/>
-            </a:bodyPr>
-            <a:lstStyle/>
-            <a:p>
-              <a:pPr lvl="0">
-                <a:spcBef>
-                  <a:spcPts val="0"/>
-                </a:spcBef>
-                <a:buNone/>
-              </a:pPr>
-              <a:endParaRPr/>
-            </a:p>
-          </p:txBody>
-        </p:sp>
-      </p:grpSp>
-      <p:sp>
-        <p:nvSpPr>
-          <p:cNvPr id="129" name="Shape 129"/>
-          <p:cNvSpPr txBox="1">
-            <a:spLocks noGrp="1"/>
-          </p:cNvSpPr>
-          <p:nvPr>
-            <p:ph type="body" idx="4294967295"/>
-          </p:nvPr>
-        </p:nvSpPr>
-        <p:spPr>
-          <a:xfrm>
-            <a:off x="539675" y="2127450"/>
-            <a:ext cx="2422500" cy="799200"/>
-          </a:xfrm>
-          <a:prstGeom prst="rect">
-            <a:avLst/>
-          </a:prstGeom>
-        </p:spPr>
-        <p:txBody>
-          <a:bodyPr lIns="91425" tIns="91425" rIns="91425" bIns="91425" anchor="ctr" anchorCtr="0">
-            <a:noAutofit/>
-          </a:bodyPr>
-          <a:lstStyle/>
-          <a:p>
-            <a:pPr lvl="0">
-              <a:lnSpc>
-                <a:spcPct val="100000"/>
-              </a:lnSpc>
-              <a:spcBef>
-                <a:spcPts val="0"/>
-              </a:spcBef>
-              <a:spcAft>
-                <a:spcPts val="0"/>
-              </a:spcAft>
-              <a:buNone/>
-            </a:pPr>
-            <a:r>
-              <a:rPr lang="en" b="1" dirty="0">
-                <a:solidFill>
-                  <a:schemeClr val="lt1"/>
-                </a:solidFill>
-                <a:latin typeface="Andale Mono" charset="0"/>
-                <a:ea typeface="Andale Mono" charset="0"/>
-                <a:cs typeface="Andale Mono" charset="0"/>
-                <a:sym typeface="Oswald"/>
-              </a:rPr>
-              <a:t>Feature 2</a:t>
-            </a:r>
-          </a:p>
-        </p:txBody>
-      </p:sp>
-      <p:sp>
-        <p:nvSpPr>
-          <p:cNvPr id="130" name="Shape 130"/>
-          <p:cNvSpPr txBox="1">
-            <a:spLocks noGrp="1"/>
-          </p:cNvSpPr>
-          <p:nvPr>
-            <p:ph type="body" idx="4294967295"/>
-          </p:nvPr>
-        </p:nvSpPr>
-        <p:spPr>
-          <a:xfrm>
-            <a:off x="3663332" y="2127464"/>
-            <a:ext cx="5111699" cy="799200"/>
-          </a:xfrm>
-          <a:prstGeom prst="rect">
-            <a:avLst/>
-          </a:prstGeom>
-        </p:spPr>
-        <p:txBody>
-          <a:bodyPr lIns="91425" tIns="91425" rIns="91425" bIns="91425" anchor="ctr" anchorCtr="0">
-            <a:noAutofit/>
-          </a:bodyPr>
-          <a:lstStyle/>
-          <a:p>
-            <a:pPr marL="914400" lvl="0" indent="0" algn="l" rtl="0">
-              <a:spcBef>
-                <a:spcPts val="0"/>
-              </a:spcBef>
-              <a:buNone/>
-            </a:pPr>
-            <a:endParaRPr lang="en-US" dirty="0">
-              <a:solidFill>
-                <a:schemeClr val="lt1"/>
-              </a:solidFill>
-              <a:latin typeface="Oswald"/>
-              <a:ea typeface="Oswald"/>
-              <a:cs typeface="Oswald"/>
-              <a:sym typeface="Oswald"/>
-            </a:endParaRPr>
-          </a:p>
-          <a:p>
-            <a:pPr marL="914400" lvl="0" indent="0" algn="l" rtl="0">
-              <a:spcBef>
-                <a:spcPts val="0"/>
-              </a:spcBef>
-              <a:buNone/>
-            </a:pPr>
-            <a:r>
-              <a:rPr lang="en-US" sz="1400" b="1" dirty="0" smtClean="0">
-                <a:solidFill>
-                  <a:schemeClr val="lt1"/>
-                </a:solidFill>
-                <a:latin typeface="Andale Mono" charset="0"/>
-                <a:ea typeface="Andale Mono" charset="0"/>
-                <a:cs typeface="Andale Mono" charset="0"/>
-                <a:sym typeface="Oswald"/>
-              </a:rPr>
-              <a:t>    </a:t>
-            </a:r>
-            <a:r>
-              <a:rPr lang="en" sz="1400" b="1" dirty="0" smtClean="0">
-                <a:solidFill>
-                  <a:schemeClr val="lt1"/>
-                </a:solidFill>
-                <a:latin typeface="Andale Mono" charset="0"/>
-                <a:ea typeface="Andale Mono" charset="0"/>
-                <a:cs typeface="Andale Mono" charset="0"/>
-                <a:sym typeface="Oswald"/>
-              </a:rPr>
-              <a:t>Maintaining </a:t>
-            </a:r>
-            <a:r>
-              <a:rPr lang="en" sz="1400" b="1" dirty="0">
-                <a:solidFill>
-                  <a:schemeClr val="lt1"/>
-                </a:solidFill>
-                <a:latin typeface="Andale Mono" charset="0"/>
-                <a:ea typeface="Andale Mono" charset="0"/>
-                <a:cs typeface="Andale Mono" charset="0"/>
-                <a:sym typeface="Oswald"/>
-              </a:rPr>
-              <a:t>Patient </a:t>
-            </a:r>
-            <a:r>
-              <a:rPr lang="en" sz="1400" b="1" dirty="0" smtClean="0">
-                <a:solidFill>
-                  <a:schemeClr val="lt1"/>
-                </a:solidFill>
-                <a:latin typeface="Andale Mono" charset="0"/>
-                <a:ea typeface="Andale Mono" charset="0"/>
-                <a:cs typeface="Andale Mono" charset="0"/>
-                <a:sym typeface="Oswald"/>
-              </a:rPr>
-              <a:t>Records</a:t>
-            </a:r>
-            <a:endParaRPr lang="en" sz="1400" b="1" dirty="0">
-              <a:solidFill>
-                <a:schemeClr val="lt1"/>
-              </a:solidFill>
-              <a:latin typeface="Andale Mono" charset="0"/>
-              <a:ea typeface="Andale Mono" charset="0"/>
-              <a:cs typeface="Andale Mono" charset="0"/>
-              <a:sym typeface="Oswald"/>
-            </a:endParaRPr>
-          </a:p>
-          <a:p>
-            <a:pPr lvl="0">
-              <a:spcBef>
-                <a:spcPts val="0"/>
-              </a:spcBef>
-              <a:spcAft>
-                <a:spcPts val="0"/>
-              </a:spcAft>
-              <a:buNone/>
-            </a:pPr>
-            <a:endParaRPr dirty="0">
-              <a:solidFill>
-                <a:schemeClr val="lt1"/>
-              </a:solidFill>
-            </a:endParaRPr>
-          </a:p>
-        </p:txBody>
-      </p:sp>
-      <p:grpSp>
-        <p:nvGrpSpPr>
-          <p:cNvPr id="131" name="Shape 131"/>
-          <p:cNvGrpSpPr/>
-          <p:nvPr/>
-        </p:nvGrpSpPr>
-        <p:grpSpPr>
-          <a:xfrm>
-            <a:off x="424824" y="3000705"/>
-            <a:ext cx="8294360" cy="799447"/>
-            <a:chOff x="424812" y="2974405"/>
-            <a:chExt cx="8294360" cy="849933"/>
-          </a:xfrm>
-        </p:grpSpPr>
-        <p:sp>
-          <p:nvSpPr>
-            <p:cNvPr id="132" name="Shape 132"/>
-            <p:cNvSpPr/>
-            <p:nvPr/>
-          </p:nvSpPr>
-          <p:spPr>
-            <a:xfrm>
-              <a:off x="2927672" y="2974438"/>
-              <a:ext cx="5791500" cy="849900"/>
-            </a:xfrm>
-            <a:prstGeom prst="rect">
-              <a:avLst/>
-            </a:prstGeom>
-            <a:solidFill>
-              <a:schemeClr val="dk1"/>
-            </a:solidFill>
-            <a:ln>
-              <a:noFill/>
-            </a:ln>
-          </p:spPr>
-          <p:txBody>
-            <a:bodyPr lIns="91425" tIns="91425" rIns="91425" bIns="91425" anchor="ctr" anchorCtr="0">
-              <a:noAutofit/>
-            </a:bodyPr>
-            <a:lstStyle/>
-            <a:p>
-              <a:pPr lvl="0">
-                <a:spcBef>
-                  <a:spcPts val="0"/>
-                </a:spcBef>
-                <a:buNone/>
-              </a:pPr>
-              <a:endParaRPr/>
-            </a:p>
-          </p:txBody>
-        </p:sp>
-        <p:sp>
-          <p:nvSpPr>
-            <p:cNvPr id="133" name="Shape 133"/>
-            <p:cNvSpPr/>
-            <p:nvPr/>
-          </p:nvSpPr>
-          <p:spPr>
-            <a:xfrm>
-              <a:off x="424812" y="2974405"/>
-              <a:ext cx="3055799" cy="849900"/>
-            </a:xfrm>
-            <a:prstGeom prst="homePlate">
-              <a:avLst>
-                <a:gd name="adj" fmla="val 26719"/>
-              </a:avLst>
-            </a:prstGeom>
-            <a:solidFill>
-              <a:schemeClr val="accent5"/>
-            </a:solidFill>
-            <a:ln>
-              <a:noFill/>
-            </a:ln>
-          </p:spPr>
-          <p:txBody>
-            <a:bodyPr lIns="91425" tIns="91425" rIns="91425" bIns="91425" anchor="ctr" anchorCtr="0">
-              <a:noAutofit/>
-            </a:bodyPr>
-            <a:lstStyle/>
-            <a:p>
-              <a:pPr lvl="0">
-                <a:spcBef>
-                  <a:spcPts val="0"/>
-                </a:spcBef>
-                <a:buNone/>
-              </a:pPr>
-              <a:endParaRPr/>
-            </a:p>
-          </p:txBody>
-        </p:sp>
-      </p:grpSp>
-      <p:sp>
-        <p:nvSpPr>
-          <p:cNvPr id="134" name="Shape 134"/>
-          <p:cNvSpPr txBox="1">
-            <a:spLocks noGrp="1"/>
-          </p:cNvSpPr>
-          <p:nvPr>
-            <p:ph type="body" idx="4294967295"/>
-          </p:nvPr>
-        </p:nvSpPr>
-        <p:spPr>
-          <a:xfrm>
-            <a:off x="539675" y="3000775"/>
-            <a:ext cx="2422500" cy="799200"/>
-          </a:xfrm>
-          <a:prstGeom prst="rect">
-            <a:avLst/>
-          </a:prstGeom>
-        </p:spPr>
-        <p:txBody>
-          <a:bodyPr lIns="91425" tIns="91425" rIns="91425" bIns="91425" anchor="ctr" anchorCtr="0">
-            <a:noAutofit/>
-          </a:bodyPr>
-          <a:lstStyle/>
-          <a:p>
-            <a:pPr lvl="0">
-              <a:lnSpc>
-                <a:spcPct val="100000"/>
-              </a:lnSpc>
-              <a:spcBef>
-                <a:spcPts val="0"/>
-              </a:spcBef>
-              <a:spcAft>
-                <a:spcPts val="0"/>
-              </a:spcAft>
-              <a:buNone/>
-            </a:pPr>
-            <a:r>
-              <a:rPr lang="en" b="1" dirty="0">
-                <a:solidFill>
-                  <a:schemeClr val="lt1"/>
-                </a:solidFill>
-                <a:latin typeface="Andale Mono" charset="0"/>
-                <a:ea typeface="Andale Mono" charset="0"/>
-                <a:cs typeface="Andale Mono" charset="0"/>
-                <a:sym typeface="Oswald"/>
-              </a:rPr>
-              <a:t>Feature 3</a:t>
-            </a:r>
-          </a:p>
-        </p:txBody>
-      </p:sp>
-      <p:sp>
-        <p:nvSpPr>
-          <p:cNvPr id="135" name="Shape 135"/>
-          <p:cNvSpPr txBox="1">
-            <a:spLocks noGrp="1"/>
-          </p:cNvSpPr>
-          <p:nvPr>
-            <p:ph type="body" idx="4294967295"/>
-          </p:nvPr>
-        </p:nvSpPr>
-        <p:spPr>
-          <a:xfrm>
-            <a:off x="3480452" y="3004317"/>
-            <a:ext cx="5111699" cy="799200"/>
-          </a:xfrm>
-          <a:prstGeom prst="rect">
-            <a:avLst/>
-          </a:prstGeom>
-        </p:spPr>
-        <p:txBody>
-          <a:bodyPr lIns="91425" tIns="91425" rIns="91425" bIns="91425" anchor="ctr" anchorCtr="0">
-            <a:noAutofit/>
-          </a:bodyPr>
-          <a:lstStyle/>
-          <a:p>
-            <a:pPr marL="457200" lvl="0" indent="0" rtl="0">
-              <a:spcBef>
-                <a:spcPts val="0"/>
-              </a:spcBef>
-              <a:buNone/>
-            </a:pPr>
-            <a:endParaRPr dirty="0">
-              <a:solidFill>
-                <a:schemeClr val="lt1"/>
-              </a:solidFill>
-              <a:latin typeface="Oswald"/>
-              <a:ea typeface="Oswald"/>
-              <a:cs typeface="Oswald"/>
-              <a:sym typeface="Oswald"/>
-            </a:endParaRPr>
-          </a:p>
-          <a:p>
-            <a:pPr marL="914400" lvl="0" indent="0" algn="l" rtl="0">
-              <a:spcBef>
-                <a:spcPts val="0"/>
-              </a:spcBef>
-              <a:buNone/>
-            </a:pPr>
-            <a:r>
-              <a:rPr lang="en" dirty="0">
-                <a:solidFill>
-                  <a:schemeClr val="lt1"/>
-                </a:solidFill>
-                <a:latin typeface="Oswald"/>
-                <a:ea typeface="Oswald"/>
-                <a:cs typeface="Oswald"/>
-                <a:sym typeface="Oswald"/>
-              </a:rPr>
-              <a:t>      </a:t>
-            </a:r>
-            <a:r>
-              <a:rPr lang="en" sz="1400" b="1" dirty="0" smtClean="0">
-                <a:solidFill>
-                  <a:schemeClr val="lt1"/>
-                </a:solidFill>
-                <a:latin typeface="Andale Mono" charset="0"/>
-                <a:ea typeface="Andale Mono" charset="0"/>
-                <a:cs typeface="Andale Mono" charset="0"/>
-                <a:sym typeface="Oswald"/>
-              </a:rPr>
-              <a:t>Overseeing Pharmacy </a:t>
-            </a:r>
-            <a:r>
-              <a:rPr lang="en" sz="1400" b="1" dirty="0">
-                <a:solidFill>
-                  <a:schemeClr val="lt1"/>
-                </a:solidFill>
-                <a:latin typeface="Andale Mono" charset="0"/>
-                <a:ea typeface="Andale Mono" charset="0"/>
-                <a:cs typeface="Andale Mono" charset="0"/>
-                <a:sym typeface="Oswald"/>
-              </a:rPr>
-              <a:t>Inventory</a:t>
-            </a:r>
-          </a:p>
-          <a:p>
-            <a:pPr lvl="0">
-              <a:spcBef>
-                <a:spcPts val="0"/>
-              </a:spcBef>
-              <a:spcAft>
-                <a:spcPts val="0"/>
-              </a:spcAft>
-              <a:buNone/>
-            </a:pPr>
-            <a:endParaRPr dirty="0">
-              <a:solidFill>
-                <a:schemeClr val="lt1"/>
-              </a:solidFill>
-            </a:endParaRPr>
-          </a:p>
-        </p:txBody>
-      </p:sp>
-      <p:grpSp>
-        <p:nvGrpSpPr>
-          <p:cNvPr id="136" name="Shape 136"/>
-          <p:cNvGrpSpPr/>
-          <p:nvPr/>
-        </p:nvGrpSpPr>
-        <p:grpSpPr>
-          <a:xfrm>
-            <a:off x="424824" y="3874102"/>
-            <a:ext cx="8294360" cy="799446"/>
-            <a:chOff x="424812" y="3871258"/>
-            <a:chExt cx="8294360" cy="849932"/>
-          </a:xfrm>
-        </p:grpSpPr>
-        <p:sp>
-          <p:nvSpPr>
-            <p:cNvPr id="137" name="Shape 137"/>
-            <p:cNvSpPr/>
-            <p:nvPr/>
-          </p:nvSpPr>
-          <p:spPr>
-            <a:xfrm>
-              <a:off x="2927672" y="3871291"/>
-              <a:ext cx="5791500" cy="849900"/>
-            </a:xfrm>
-            <a:prstGeom prst="rect">
-              <a:avLst/>
-            </a:prstGeom>
-            <a:solidFill>
-              <a:schemeClr val="dk1"/>
-            </a:solidFill>
-            <a:ln>
-              <a:noFill/>
-            </a:ln>
-          </p:spPr>
-          <p:txBody>
-            <a:bodyPr lIns="91425" tIns="91425" rIns="91425" bIns="91425" anchor="ctr" anchorCtr="0">
-              <a:noAutofit/>
-            </a:bodyPr>
-            <a:lstStyle/>
-            <a:p>
-              <a:pPr lvl="0">
-                <a:spcBef>
-                  <a:spcPts val="0"/>
-                </a:spcBef>
-                <a:buNone/>
-              </a:pPr>
-              <a:endParaRPr/>
-            </a:p>
-          </p:txBody>
-        </p:sp>
-        <p:sp>
-          <p:nvSpPr>
-            <p:cNvPr id="138" name="Shape 138"/>
-            <p:cNvSpPr/>
-            <p:nvPr/>
-          </p:nvSpPr>
-          <p:spPr>
-            <a:xfrm>
-              <a:off x="424812" y="3871258"/>
-              <a:ext cx="3055799" cy="849900"/>
-            </a:xfrm>
-            <a:prstGeom prst="homePlate">
-              <a:avLst>
-                <a:gd name="adj" fmla="val 26719"/>
-              </a:avLst>
-            </a:prstGeom>
-            <a:solidFill>
-              <a:schemeClr val="accent5"/>
-            </a:solidFill>
-            <a:ln>
-              <a:noFill/>
-            </a:ln>
-          </p:spPr>
-          <p:txBody>
-            <a:bodyPr lIns="91425" tIns="91425" rIns="91425" bIns="91425" anchor="ctr" anchorCtr="0">
-              <a:noAutofit/>
-            </a:bodyPr>
-            <a:lstStyle/>
-            <a:p>
-              <a:pPr lvl="0">
-                <a:spcBef>
-                  <a:spcPts val="0"/>
-                </a:spcBef>
-                <a:buNone/>
-              </a:pPr>
-              <a:endParaRPr/>
-            </a:p>
-          </p:txBody>
-        </p:sp>
-      </p:grpSp>
-      <p:sp>
-        <p:nvSpPr>
-          <p:cNvPr id="139" name="Shape 139"/>
-          <p:cNvSpPr txBox="1">
-            <a:spLocks noGrp="1"/>
-          </p:cNvSpPr>
-          <p:nvPr>
-            <p:ph type="body" idx="4294967295"/>
-          </p:nvPr>
-        </p:nvSpPr>
-        <p:spPr>
-          <a:xfrm>
-            <a:off x="539675" y="3874100"/>
-            <a:ext cx="2422500" cy="799200"/>
-          </a:xfrm>
-          <a:prstGeom prst="rect">
-            <a:avLst/>
-          </a:prstGeom>
-        </p:spPr>
-        <p:txBody>
-          <a:bodyPr lIns="91425" tIns="91425" rIns="91425" bIns="91425" anchor="ctr" anchorCtr="0">
-            <a:noAutofit/>
-          </a:bodyPr>
-          <a:lstStyle/>
-          <a:p>
-            <a:pPr lvl="0">
-              <a:lnSpc>
-                <a:spcPct val="100000"/>
-              </a:lnSpc>
-              <a:spcBef>
-                <a:spcPts val="0"/>
-              </a:spcBef>
-              <a:spcAft>
-                <a:spcPts val="0"/>
-              </a:spcAft>
-              <a:buNone/>
-            </a:pPr>
-            <a:r>
-              <a:rPr lang="en" b="1" dirty="0">
-                <a:solidFill>
-                  <a:schemeClr val="lt1"/>
-                </a:solidFill>
-                <a:latin typeface="Andale Mono" charset="0"/>
-                <a:ea typeface="Andale Mono" charset="0"/>
-                <a:cs typeface="Andale Mono" charset="0"/>
-                <a:sym typeface="Oswald"/>
-              </a:rPr>
-              <a:t>Feature 4</a:t>
-            </a:r>
-          </a:p>
-        </p:txBody>
-      </p:sp>
-      <p:sp>
-        <p:nvSpPr>
-          <p:cNvPr id="140" name="Shape 140"/>
-          <p:cNvSpPr txBox="1">
-            <a:spLocks noGrp="1"/>
-          </p:cNvSpPr>
-          <p:nvPr>
-            <p:ph type="body" idx="4294967295"/>
-          </p:nvPr>
-        </p:nvSpPr>
-        <p:spPr>
-          <a:xfrm>
-            <a:off x="3370724" y="3876311"/>
-            <a:ext cx="5111699" cy="799200"/>
-          </a:xfrm>
-          <a:prstGeom prst="rect">
-            <a:avLst/>
-          </a:prstGeom>
-        </p:spPr>
-        <p:txBody>
-          <a:bodyPr lIns="91425" tIns="91425" rIns="91425" bIns="91425" anchor="ctr" anchorCtr="0">
-            <a:noAutofit/>
-          </a:bodyPr>
-          <a:lstStyle/>
-          <a:p>
-            <a:pPr marL="457200" lvl="0" indent="0" rtl="0">
-              <a:spcBef>
-                <a:spcPts val="0"/>
-              </a:spcBef>
-              <a:buNone/>
-            </a:pPr>
-            <a:endParaRPr dirty="0">
-              <a:solidFill>
-                <a:schemeClr val="lt1"/>
-              </a:solidFill>
-              <a:latin typeface="Oswald"/>
-              <a:ea typeface="Oswald"/>
-              <a:cs typeface="Oswald"/>
-              <a:sym typeface="Oswald"/>
-            </a:endParaRPr>
-          </a:p>
-          <a:p>
-            <a:pPr marL="457200" lvl="0" indent="457200" rtl="0">
-              <a:spcBef>
-                <a:spcPts val="0"/>
-              </a:spcBef>
-              <a:buNone/>
-            </a:pPr>
-            <a:r>
-              <a:rPr lang="en" sz="1400" b="1" dirty="0">
-                <a:solidFill>
-                  <a:schemeClr val="lt1"/>
-                </a:solidFill>
-                <a:latin typeface="Andale Mono" charset="0"/>
-                <a:ea typeface="Andale Mono" charset="0"/>
-                <a:cs typeface="Andale Mono" charset="0"/>
-                <a:sym typeface="Oswald"/>
-              </a:rPr>
-              <a:t>      Processing Patient Invoices</a:t>
-            </a:r>
-          </a:p>
-          <a:p>
-            <a:pPr lvl="0">
-              <a:spcBef>
-                <a:spcPts val="0"/>
-              </a:spcBef>
-              <a:spcAft>
-                <a:spcPts val="0"/>
-              </a:spcAft>
-              <a:buNone/>
-            </a:pPr>
-            <a:endParaRPr dirty="0">
-              <a:solidFill>
-                <a:schemeClr val="lt1"/>
-              </a:solidFill>
-            </a:endParaRPr>
-          </a:p>
-        </p:txBody>
-      </p:sp>
-    </p:spTree>
-  </p:cSld>
-  <p:clrMapOvr>
-    <a:masterClrMapping/>
-  </p:clrMapOvr>
-  <p:timing>
-    <p:tnLst>
-      <p:par>
-        <p:cTn id="1" dur="indefinite" restart="never" nodeType="tmRoot"/>
-      </p:par>
-    </p:tnLst>
-  </p:timing>
-</p:sld>
-</file>
-
-<file path=ppt/slides/slide8.xml><?xml version="1.0" encoding="utf-8"?>
+<file path=ppt/slides/slide9.xml><?xml version="1.0" encoding="utf-8"?>
 <p:sld xmlns:a="http://schemas.openxmlformats.org/drawingml/2006/main" xmlns:r="http://schemas.openxmlformats.org/officeDocument/2006/relationships" xmlns:p="http://schemas.openxmlformats.org/presentationml/2006/main">
   <p:cSld>
     <p:spTree>
@@ -11091,19 +13002,7 @@
                 <a:cs typeface="Andale Mono" charset="0"/>
                 <a:sym typeface="Oswald"/>
               </a:rPr>
-              <a:t>The user’s inputs and actions within the application interact with the server/database as each event either provides access, creates, updates, or deletes content from the server</a:t>
-            </a:r>
-            <a:r>
-              <a:rPr lang="en-US" sz="1100" dirty="0" smtClean="0">
-                <a:solidFill>
-                  <a:schemeClr val="dk1"/>
-                </a:solidFill>
-                <a:latin typeface="Andale Mono" charset="0"/>
-                <a:ea typeface="Andale Mono" charset="0"/>
-                <a:cs typeface="Andale Mono" charset="0"/>
-                <a:sym typeface="Oswald"/>
-              </a:rPr>
-              <a:t>.</a:t>
+              <a:t>The user’s inputs and actions within the application interact with the server/database as each event either provides access, creates, updates, or deletes content from the server.</a:t>
             </a:r>
           </a:p>
           <a:p>
@@ -11127,15 +13026,6 @@
               </a:rPr>
               <a:t>The application utilizes a Model-View-Controller architectural structure. In this model, the model is continuously updated by actions conducted by the user and displayed soon after to the user.</a:t>
             </a:r>
-            <a:endParaRPr lang="en-US" sz="1100" dirty="0" smtClean="0">
-              <a:solidFill>
-                <a:schemeClr val="dk1"/>
-              </a:solidFill>
-              <a:latin typeface="Andale Mono" charset="0"/>
-              <a:ea typeface="Andale Mono" charset="0"/>
-              <a:cs typeface="Andale Mono" charset="0"/>
-              <a:sym typeface="Oswald"/>
-            </a:endParaRPr>
           </a:p>
           <a:p>
             <a:pPr marL="457200" indent="-381000">
@@ -11318,88 +13208,6 @@
         <p14:creationId xmlns:p14="http://schemas.microsoft.com/office/powerpoint/2010/main" val="525139646"/>
       </p:ext>
     </p:extLst>
-  </p:cSld>
-  <p:clrMapOvr>
-    <a:masterClrMapping/>
-  </p:clrMapOvr>
-  <p:timing>
-    <p:tnLst>
-      <p:par>
-        <p:cTn id="1" dur="indefinite" restart="never" nodeType="tmRoot"/>
-      </p:par>
-    </p:tnLst>
-  </p:timing>
-</p:sld>
-</file>
-
-<file path=ppt/slides/slide9.xml><?xml version="1.0" encoding="utf-8"?>
-<p:sld xmlns:a="http://schemas.openxmlformats.org/drawingml/2006/main" xmlns:r="http://schemas.openxmlformats.org/officeDocument/2006/relationships" xmlns:p="http://schemas.openxmlformats.org/presentationml/2006/main">
-  <p:cSld>
-    <p:spTree>
-      <p:nvGrpSpPr>
-        <p:cNvPr id="1" name="Shape 144"/>
-        <p:cNvGrpSpPr/>
-        <p:nvPr/>
-      </p:nvGrpSpPr>
-      <p:grpSpPr>
-        <a:xfrm>
-          <a:off x="0" y="0"/>
-          <a:ext cx="0" cy="0"/>
-          <a:chOff x="0" y="0"/>
-          <a:chExt cx="0" cy="0"/>
-        </a:xfrm>
-      </p:grpSpPr>
-      <p:sp>
-        <p:nvSpPr>
-          <p:cNvPr id="145" name="Shape 145"/>
-          <p:cNvSpPr txBox="1">
-            <a:spLocks noGrp="1"/>
-          </p:cNvSpPr>
-          <p:nvPr>
-            <p:ph type="title"/>
-          </p:nvPr>
-        </p:nvSpPr>
-        <p:spPr>
-          <a:xfrm>
-            <a:off x="671250" y="2141250"/>
-            <a:ext cx="7852200" cy="861000"/>
-          </a:xfrm>
-          <a:prstGeom prst="rect">
-            <a:avLst/>
-          </a:prstGeom>
-        </p:spPr>
-        <p:txBody>
-          <a:bodyPr lIns="91425" tIns="91425" rIns="91425" bIns="91425" anchor="ctr" anchorCtr="0">
-            <a:noAutofit/>
-          </a:bodyPr>
-          <a:lstStyle/>
-          <a:p>
-            <a:pPr lvl="0" algn="ctr" rtl="0">
-              <a:spcBef>
-                <a:spcPts val="0"/>
-              </a:spcBef>
-              <a:buNone/>
-            </a:pPr>
-            <a:r>
-              <a:rPr lang="en" sz="3000" b="1" dirty="0" smtClean="0">
-                <a:latin typeface="Andale Mono" charset="0"/>
-                <a:ea typeface="Andale Mono" charset="0"/>
-                <a:cs typeface="Andale Mono" charset="0"/>
-              </a:rPr>
-              <a:t>Use </a:t>
-            </a:r>
-            <a:r>
-              <a:rPr lang="en" sz="3000" b="1" dirty="0">
-                <a:latin typeface="Andale Mono" charset="0"/>
-                <a:ea typeface="Andale Mono" charset="0"/>
-                <a:cs typeface="Andale Mono" charset="0"/>
-              </a:rPr>
-              <a:t>Cases and Sequence Diagrams</a:t>
-            </a:r>
-          </a:p>
-        </p:txBody>
-      </p:sp>
-    </p:spTree>
   </p:cSld>
   <p:clrMapOvr>
     <a:masterClrMapping/>

--- a/Presentation/Software Engineering Presentation.pptx
+++ b/Presentation/Software Engineering Presentation.pptx
@@ -403,6 +403,11 @@
         </p:txBody>
       </p:sp>
     </p:spTree>
+    <p:extLst>
+      <p:ext uri="{BB962C8B-B14F-4D97-AF65-F5344CB8AC3E}">
+        <p14:creationId xmlns:p14="http://schemas.microsoft.com/office/powerpoint/2010/main" val="1360886834"/>
+      </p:ext>
+    </p:extLst>
   </p:cSld>
   <p:clrMap bg1="lt1" tx1="dk1" bg2="dk2" tx2="lt2" accent1="accent1" accent2="accent2" accent3="accent3" accent4="accent4" accent5="accent5" accent6="accent6" hlink="hlink" folHlink="folHlink"/>
   <p:notesStyle>
@@ -594,6 +599,11 @@
         </p:txBody>
       </p:sp>
     </p:spTree>
+    <p:extLst>
+      <p:ext uri="{BB962C8B-B14F-4D97-AF65-F5344CB8AC3E}">
+        <p14:creationId xmlns:p14="http://schemas.microsoft.com/office/powerpoint/2010/main" val="1925042011"/>
+      </p:ext>
+    </p:extLst>
   </p:cSld>
   <p:clrMapOvr>
     <a:masterClrMapping/>
@@ -695,6 +705,11 @@
         </p:txBody>
       </p:sp>
     </p:spTree>
+    <p:extLst>
+      <p:ext uri="{BB962C8B-B14F-4D97-AF65-F5344CB8AC3E}">
+        <p14:creationId xmlns:p14="http://schemas.microsoft.com/office/powerpoint/2010/main" val="1063718416"/>
+      </p:ext>
+    </p:extLst>
   </p:cSld>
   <p:clrMapOvr>
     <a:masterClrMapping/>
@@ -796,6 +811,11 @@
         </p:txBody>
       </p:sp>
     </p:spTree>
+    <p:extLst>
+      <p:ext uri="{BB962C8B-B14F-4D97-AF65-F5344CB8AC3E}">
+        <p14:creationId xmlns:p14="http://schemas.microsoft.com/office/powerpoint/2010/main" val="3710405569"/>
+      </p:ext>
+    </p:extLst>
   </p:cSld>
   <p:clrMapOvr>
     <a:masterClrMapping/>
@@ -897,6 +917,11 @@
         </p:txBody>
       </p:sp>
     </p:spTree>
+    <p:extLst>
+      <p:ext uri="{BB962C8B-B14F-4D97-AF65-F5344CB8AC3E}">
+        <p14:creationId xmlns:p14="http://schemas.microsoft.com/office/powerpoint/2010/main" val="1852758755"/>
+      </p:ext>
+    </p:extLst>
   </p:cSld>
   <p:clrMapOvr>
     <a:masterClrMapping/>
@@ -1316,6 +1341,11 @@
         </p:txBody>
       </p:sp>
     </p:spTree>
+    <p:extLst>
+      <p:ext uri="{BB962C8B-B14F-4D97-AF65-F5344CB8AC3E}">
+        <p14:creationId xmlns:p14="http://schemas.microsoft.com/office/powerpoint/2010/main" val="1427272569"/>
+      </p:ext>
+    </p:extLst>
   </p:cSld>
   <p:clrMapOvr>
     <a:masterClrMapping/>
@@ -1417,6 +1447,11 @@
         </p:txBody>
       </p:sp>
     </p:spTree>
+    <p:extLst>
+      <p:ext uri="{BB962C8B-B14F-4D97-AF65-F5344CB8AC3E}">
+        <p14:creationId xmlns:p14="http://schemas.microsoft.com/office/powerpoint/2010/main" val="1480277304"/>
+      </p:ext>
+    </p:extLst>
   </p:cSld>
   <p:clrMapOvr>
     <a:masterClrMapping/>
@@ -1518,6 +1553,11 @@
         </p:txBody>
       </p:sp>
     </p:spTree>
+    <p:extLst>
+      <p:ext uri="{BB962C8B-B14F-4D97-AF65-F5344CB8AC3E}">
+        <p14:creationId xmlns:p14="http://schemas.microsoft.com/office/powerpoint/2010/main" val="2440001117"/>
+      </p:ext>
+    </p:extLst>
   </p:cSld>
   <p:clrMapOvr>
     <a:masterClrMapping/>
@@ -1619,6 +1659,11 @@
         </p:txBody>
       </p:sp>
     </p:spTree>
+    <p:extLst>
+      <p:ext uri="{BB962C8B-B14F-4D97-AF65-F5344CB8AC3E}">
+        <p14:creationId xmlns:p14="http://schemas.microsoft.com/office/powerpoint/2010/main" val="1219930366"/>
+      </p:ext>
+    </p:extLst>
   </p:cSld>
   <p:clrMapOvr>
     <a:masterClrMapping/>
@@ -1720,6 +1765,11 @@
         </p:txBody>
       </p:sp>
     </p:spTree>
+    <p:extLst>
+      <p:ext uri="{BB962C8B-B14F-4D97-AF65-F5344CB8AC3E}">
+        <p14:creationId xmlns:p14="http://schemas.microsoft.com/office/powerpoint/2010/main" val="2419185779"/>
+      </p:ext>
+    </p:extLst>
   </p:cSld>
   <p:clrMapOvr>
     <a:masterClrMapping/>
@@ -1821,6 +1871,11 @@
         </p:txBody>
       </p:sp>
     </p:spTree>
+    <p:extLst>
+      <p:ext uri="{BB962C8B-B14F-4D97-AF65-F5344CB8AC3E}">
+        <p14:creationId xmlns:p14="http://schemas.microsoft.com/office/powerpoint/2010/main" val="98715578"/>
+      </p:ext>
+    </p:extLst>
   </p:cSld>
   <p:clrMapOvr>
     <a:masterClrMapping/>
@@ -2028,6 +2083,11 @@
         </p:txBody>
       </p:sp>
     </p:spTree>
+    <p:extLst>
+      <p:ext uri="{BB962C8B-B14F-4D97-AF65-F5344CB8AC3E}">
+        <p14:creationId xmlns:p14="http://schemas.microsoft.com/office/powerpoint/2010/main" val="2095248062"/>
+      </p:ext>
+    </p:extLst>
   </p:cSld>
   <p:clrMapOvr>
     <a:masterClrMapping/>
@@ -2129,6 +2189,11 @@
         </p:txBody>
       </p:sp>
     </p:spTree>
+    <p:extLst>
+      <p:ext uri="{BB962C8B-B14F-4D97-AF65-F5344CB8AC3E}">
+        <p14:creationId xmlns:p14="http://schemas.microsoft.com/office/powerpoint/2010/main" val="726874312"/>
+      </p:ext>
+    </p:extLst>
   </p:cSld>
   <p:clrMapOvr>
     <a:masterClrMapping/>
@@ -2230,6 +2295,11 @@
         </p:txBody>
       </p:sp>
     </p:spTree>
+    <p:extLst>
+      <p:ext uri="{BB962C8B-B14F-4D97-AF65-F5344CB8AC3E}">
+        <p14:creationId xmlns:p14="http://schemas.microsoft.com/office/powerpoint/2010/main" val="3661403165"/>
+      </p:ext>
+    </p:extLst>
   </p:cSld>
   <p:clrMapOvr>
     <a:masterClrMapping/>
@@ -6848,15 +6918,7 @@
                 <a:ea typeface="Andale Mono" charset="0"/>
                 <a:cs typeface="Andale Mono" charset="0"/>
               </a:rPr>
-              <a:t>Schedule </a:t>
-            </a:r>
-            <a:r>
-              <a:rPr lang="en-US" sz="2800" b="1" dirty="0" smtClean="0">
-                <a:latin typeface="Andale Mono" charset="0"/>
-                <a:ea typeface="Andale Mono" charset="0"/>
-                <a:cs typeface="Andale Mono" charset="0"/>
-              </a:rPr>
-              <a:t>Appointment</a:t>
+              <a:t>Schedule Appointment</a:t>
             </a:r>
             <a:endParaRPr lang="en-US" sz="2800" dirty="0"/>
           </a:p>
@@ -8911,6 +8973,9 @@
               <a:spcBef>
                 <a:spcPts val="0"/>
               </a:spcBef>
+              <a:spcAft>
+                <a:spcPts val="0"/>
+              </a:spcAft>
               <a:buNone/>
             </a:pPr>
             <a:r>
@@ -8938,7 +9003,83 @@
                 <a:cs typeface="Andale Mono" charset="0"/>
                 <a:sym typeface="Ubuntu"/>
               </a:rPr>
-              <a:t>        Java Coder             Front-End Developer     </a:t>
+              <a:t>        </a:t>
+            </a:r>
+            <a:endParaRPr lang="en-US" sz="1000" b="1" dirty="0" smtClean="0">
+              <a:latin typeface="Andale Mono" charset="0"/>
+              <a:ea typeface="Andale Mono" charset="0"/>
+              <a:cs typeface="Andale Mono" charset="0"/>
+              <a:sym typeface="Ubuntu"/>
+            </a:endParaRPr>
+          </a:p>
+          <a:p>
+            <a:pPr lvl="0" algn="ctr" rtl="0">
+              <a:lnSpc>
+                <a:spcPct val="100000"/>
+              </a:lnSpc>
+              <a:spcBef>
+                <a:spcPts val="0"/>
+              </a:spcBef>
+              <a:spcAft>
+                <a:spcPts val="0"/>
+              </a:spcAft>
+              <a:buNone/>
+            </a:pPr>
+            <a:r>
+              <a:rPr lang="en-US" sz="1000" b="1" dirty="0" smtClean="0">
+                <a:latin typeface="Andale Mono" charset="0"/>
+                <a:ea typeface="Andale Mono" charset="0"/>
+                <a:cs typeface="Andale Mono" charset="0"/>
+                <a:sym typeface="Ubuntu"/>
+              </a:rPr>
+              <a:t>Java </a:t>
+            </a:r>
+            <a:r>
+              <a:rPr lang="en-US" sz="1000" b="1" dirty="0" smtClean="0">
+                <a:latin typeface="Andale Mono" charset="0"/>
+                <a:ea typeface="Andale Mono" charset="0"/>
+                <a:cs typeface="Andale Mono" charset="0"/>
+                <a:sym typeface="Ubuntu"/>
+              </a:rPr>
+              <a:t>Coder            </a:t>
+            </a:r>
+            <a:endParaRPr lang="en-US" sz="1000" b="1" dirty="0" smtClean="0">
+              <a:latin typeface="Andale Mono" charset="0"/>
+              <a:ea typeface="Andale Mono" charset="0"/>
+              <a:cs typeface="Andale Mono" charset="0"/>
+              <a:sym typeface="Ubuntu"/>
+            </a:endParaRPr>
+          </a:p>
+          <a:p>
+            <a:pPr lvl="0" algn="ctr" rtl="0">
+              <a:lnSpc>
+                <a:spcPct val="100000"/>
+              </a:lnSpc>
+              <a:spcBef>
+                <a:spcPts val="0"/>
+              </a:spcBef>
+              <a:spcAft>
+                <a:spcPts val="0"/>
+              </a:spcAft>
+              <a:buNone/>
+            </a:pPr>
+            <a:r>
+              <a:rPr lang="en-US" sz="1000" b="1" dirty="0" smtClean="0">
+                <a:latin typeface="Andale Mono" charset="0"/>
+                <a:ea typeface="Andale Mono" charset="0"/>
+                <a:cs typeface="Andale Mono" charset="0"/>
+                <a:sym typeface="Ubuntu"/>
+              </a:rPr>
+              <a:t> </a:t>
+            </a:r>
+            <a:r>
+              <a:rPr lang="en-US" sz="1000" b="1" dirty="0" smtClean="0">
+                <a:latin typeface="Andale Mono" charset="0"/>
+                <a:ea typeface="Andale Mono" charset="0"/>
+                <a:cs typeface="Andale Mono" charset="0"/>
+                <a:sym typeface="Ubuntu"/>
+              </a:rPr>
+              <a:t>Front-End Developer     </a:t>
             </a:r>
             <a:r>
               <a:rPr lang="en" sz="1000" b="1" dirty="0" smtClean="0">
@@ -9219,9 +9360,15 @@
           <a:lstStyle/>
           <a:p>
             <a:pPr lvl="0" algn="ctr" rtl="0">
-              <a:spcBef>
-                <a:spcPts val="0"/>
-              </a:spcBef>
+              <a:lnSpc>
+                <a:spcPct val="100000"/>
+              </a:lnSpc>
+              <a:spcBef>
+                <a:spcPts val="0"/>
+              </a:spcBef>
+              <a:spcAft>
+                <a:spcPts val="0"/>
+              </a:spcAft>
               <a:buNone/>
             </a:pPr>
             <a:r>
@@ -9249,7 +9396,45 @@
                 <a:cs typeface="Andale Mono" charset="0"/>
                 <a:sym typeface="Ubuntu"/>
               </a:rPr>
-              <a:t>       QA Analyst</a:t>
+              <a:t>      </a:t>
+            </a:r>
+            <a:endParaRPr lang="en-US" sz="1000" b="1" dirty="0" smtClean="0">
+              <a:latin typeface="Andale Mono" charset="0"/>
+              <a:ea typeface="Andale Mono" charset="0"/>
+              <a:cs typeface="Andale Mono" charset="0"/>
+              <a:sym typeface="Ubuntu"/>
+            </a:endParaRPr>
+          </a:p>
+          <a:p>
+            <a:pPr lvl="0" algn="ctr" rtl="0">
+              <a:lnSpc>
+                <a:spcPct val="100000"/>
+              </a:lnSpc>
+              <a:spcBef>
+                <a:spcPts val="0"/>
+              </a:spcBef>
+              <a:spcAft>
+                <a:spcPts val="0"/>
+              </a:spcAft>
+              <a:buNone/>
+            </a:pPr>
+            <a:r>
+              <a:rPr lang="en-US" sz="1000" b="1" dirty="0" smtClean="0">
+                <a:latin typeface="Andale Mono" charset="0"/>
+                <a:ea typeface="Andale Mono" charset="0"/>
+                <a:cs typeface="Andale Mono" charset="0"/>
+                <a:sym typeface="Ubuntu"/>
+              </a:rPr>
+              <a:t> </a:t>
+            </a:r>
+            <a:r>
+              <a:rPr lang="en-US" sz="1000" b="1" dirty="0" smtClean="0">
+                <a:latin typeface="Andale Mono" charset="0"/>
+                <a:ea typeface="Andale Mono" charset="0"/>
+                <a:cs typeface="Andale Mono" charset="0"/>
+                <a:sym typeface="Ubuntu"/>
+              </a:rPr>
+              <a:t>QA Analyst</a:t>
             </a:r>
             <a:r>
               <a:rPr lang="en" sz="1000" b="1" dirty="0" smtClean="0">
@@ -9267,7 +9452,45 @@
                 <a:cs typeface="Andale Mono" charset="0"/>
                 <a:sym typeface="Ubuntu"/>
               </a:rPr>
-              <a:t>     Java Coder</a:t>
+              <a:t>     </a:t>
+            </a:r>
+            <a:endParaRPr lang="en-US" sz="1000" b="1" dirty="0" smtClean="0">
+              <a:latin typeface="Andale Mono" charset="0"/>
+              <a:ea typeface="Andale Mono" charset="0"/>
+              <a:cs typeface="Andale Mono" charset="0"/>
+              <a:sym typeface="Ubuntu"/>
+            </a:endParaRPr>
+          </a:p>
+          <a:p>
+            <a:pPr lvl="0" algn="ctr" rtl="0">
+              <a:lnSpc>
+                <a:spcPct val="100000"/>
+              </a:lnSpc>
+              <a:spcBef>
+                <a:spcPts val="0"/>
+              </a:spcBef>
+              <a:spcAft>
+                <a:spcPts val="0"/>
+              </a:spcAft>
+              <a:buNone/>
+            </a:pPr>
+            <a:r>
+              <a:rPr lang="en-US" sz="1000" b="1" dirty="0" smtClean="0">
+                <a:latin typeface="Andale Mono" charset="0"/>
+                <a:ea typeface="Andale Mono" charset="0"/>
+                <a:cs typeface="Andale Mono" charset="0"/>
+                <a:sym typeface="Ubuntu"/>
+              </a:rPr>
+              <a:t>Java </a:t>
+            </a:r>
+            <a:r>
+              <a:rPr lang="en-US" sz="1000" b="1" dirty="0" smtClean="0">
+                <a:latin typeface="Andale Mono" charset="0"/>
+                <a:ea typeface="Andale Mono" charset="0"/>
+                <a:cs typeface="Andale Mono" charset="0"/>
+                <a:sym typeface="Ubuntu"/>
+              </a:rPr>
+              <a:t>Coder</a:t>
             </a:r>
             <a:endParaRPr lang="en" sz="1000" b="1" dirty="0">
               <a:latin typeface="Andale Mono" charset="0"/>
@@ -9515,9 +9738,15 @@
           <a:lstStyle/>
           <a:p>
             <a:pPr lvl="0" algn="ctr" rtl="0">
-              <a:spcBef>
-                <a:spcPts val="0"/>
-              </a:spcBef>
+              <a:lnSpc>
+                <a:spcPct val="100000"/>
+              </a:lnSpc>
+              <a:spcBef>
+                <a:spcPts val="0"/>
+              </a:spcBef>
+              <a:spcAft>
+                <a:spcPts val="0"/>
+              </a:spcAft>
               <a:buNone/>
             </a:pPr>
             <a:r>
@@ -9545,25 +9774,101 @@
                 <a:cs typeface="Andale Mono" charset="0"/>
                 <a:sym typeface="Ubuntu"/>
               </a:rPr>
-              <a:t>        User Guide</a:t>
-            </a:r>
-            <a:r>
-              <a:rPr lang="en-US" sz="1000" b="1" dirty="0">
+              <a:t>        </a:t>
+            </a:r>
+            <a:endParaRPr lang="en-US" sz="1000" b="1" dirty="0" smtClean="0">
+              <a:latin typeface="Andale Mono" charset="0"/>
+              <a:ea typeface="Andale Mono" charset="0"/>
+              <a:cs typeface="Andale Mono" charset="0"/>
+              <a:sym typeface="Ubuntu"/>
+            </a:endParaRPr>
+          </a:p>
+          <a:p>
+            <a:pPr lvl="0" algn="ctr" rtl="0">
+              <a:lnSpc>
+                <a:spcPct val="100000"/>
+              </a:lnSpc>
+              <a:spcBef>
+                <a:spcPts val="0"/>
+              </a:spcBef>
+              <a:spcAft>
+                <a:spcPts val="0"/>
+              </a:spcAft>
+              <a:buNone/>
+            </a:pPr>
+            <a:r>
+              <a:rPr lang="en-US" sz="1000" b="1" smtClean="0">
                 <a:latin typeface="Andale Mono" charset="0"/>
                 <a:ea typeface="Andale Mono" charset="0"/>
                 <a:cs typeface="Andale Mono" charset="0"/>
                 <a:sym typeface="Ubuntu"/>
               </a:rPr>
+              <a:t>User </a:t>
+            </a:r>
+            <a:r>
+              <a:rPr lang="en-US" sz="1000" b="1" smtClean="0">
+                <a:latin typeface="Andale Mono" charset="0"/>
+                <a:ea typeface="Andale Mono" charset="0"/>
+                <a:cs typeface="Andale Mono" charset="0"/>
+                <a:sym typeface="Ubuntu"/>
+              </a:rPr>
+              <a:t>Guide</a:t>
+            </a:r>
+            <a:r>
+              <a:rPr lang="en-US" sz="1000" b="1">
+                <a:latin typeface="Andale Mono" charset="0"/>
+                <a:ea typeface="Andale Mono" charset="0"/>
+                <a:cs typeface="Andale Mono" charset="0"/>
+                <a:sym typeface="Ubuntu"/>
+              </a:rPr>
               <a:t> </a:t>
             </a:r>
             <a:r>
+              <a:rPr lang="en-US" sz="1000" b="1" smtClean="0">
+                <a:latin typeface="Andale Mono" charset="0"/>
+                <a:ea typeface="Andale Mono" charset="0"/>
+                <a:cs typeface="Andale Mono" charset="0"/>
+                <a:sym typeface="Ubuntu"/>
+              </a:rPr>
+              <a:t>          </a:t>
+            </a:r>
+            <a:endParaRPr lang="en-US" sz="1000" b="1" smtClean="0">
+              <a:latin typeface="Andale Mono" charset="0"/>
+              <a:ea typeface="Andale Mono" charset="0"/>
+              <a:cs typeface="Andale Mono" charset="0"/>
+              <a:sym typeface="Ubuntu"/>
+            </a:endParaRPr>
+          </a:p>
+          <a:p>
+            <a:pPr lvl="0" algn="ctr" rtl="0">
+              <a:lnSpc>
+                <a:spcPct val="100000"/>
+              </a:lnSpc>
+              <a:spcBef>
+                <a:spcPts val="0"/>
+              </a:spcBef>
+              <a:spcAft>
+                <a:spcPts val="0"/>
+              </a:spcAft>
+              <a:buNone/>
+            </a:pPr>
+            <a:r>
+              <a:rPr lang="en-US" sz="1000" b="1" smtClean="0">
+                <a:latin typeface="Andale Mono" charset="0"/>
+                <a:ea typeface="Andale Mono" charset="0"/>
+                <a:cs typeface="Andale Mono" charset="0"/>
+                <a:sym typeface="Ubuntu"/>
+              </a:rPr>
+              <a:t>QA </a:t>
+            </a:r>
+            <a:r>
               <a:rPr lang="en-US" sz="1000" b="1" dirty="0" smtClean="0">
                 <a:latin typeface="Andale Mono" charset="0"/>
                 <a:ea typeface="Andale Mono" charset="0"/>
                 <a:cs typeface="Andale Mono" charset="0"/>
                 <a:sym typeface="Ubuntu"/>
               </a:rPr>
-              <a:t>          QA Analyst</a:t>
+              <a:t>Analyst</a:t>
             </a:r>
           </a:p>
         </p:txBody>
@@ -9749,19 +10054,7 @@
                 <a:cs typeface="Andale Mono" charset="0"/>
                 <a:sym typeface="Oswald"/>
               </a:rPr>
-              <a:t>We have created a hospital management system which focuses on coordinating the day-to-day functionality of hospital environments so that they will be able to address patient and general hospital needs in a more simplified and organized fashion</a:t>
-            </a:r>
-            <a:r>
-              <a:rPr lang="en" sz="2000" dirty="0" smtClean="0">
-                <a:solidFill>
-                  <a:schemeClr val="dk1"/>
-                </a:solidFill>
-                <a:latin typeface="Andale Mono" charset="0"/>
-                <a:ea typeface="Andale Mono" charset="0"/>
-                <a:cs typeface="Andale Mono" charset="0"/>
-                <a:sym typeface="Oswald"/>
-              </a:rPr>
-              <a:t>.</a:t>
+              <a:t>We have created a hospital management system which focuses on coordinating the day-to-day functionality of hospital environments so that they will be able to address patient and general hospital needs in a more simplified and organized fashion.</a:t>
             </a:r>
             <a:endParaRPr lang="en-US" sz="2000" dirty="0" smtClean="0">
               <a:solidFill>
@@ -10940,7 +11233,7 @@
         <p:spPr>
           <a:xfrm>
             <a:off x="311700" y="1280491"/>
-            <a:ext cx="8520599" cy="3416400"/>
+            <a:ext cx="8294359" cy="3416400"/>
           </a:xfrm>
           <a:prstGeom prst="rect">
             <a:avLst/>
@@ -10952,14 +11245,16 @@
           </a:bodyPr>
           <a:lstStyle/>
           <a:p>
-            <a:pPr lvl="0" rtl="0">
-              <a:spcBef>
-                <a:spcPts val="0"/>
-              </a:spcBef>
-              <a:buNone/>
+            <a:pPr lvl="0">
+              <a:lnSpc>
+                <a:spcPct val="100000"/>
+              </a:lnSpc>
+              <a:spcAft>
+                <a:spcPts val="0"/>
+              </a:spcAft>
             </a:pPr>
             <a:r>
-              <a:rPr lang="en-US" sz="2000" dirty="0" smtClean="0">
+              <a:rPr lang="en-US" sz="1600" dirty="0" smtClean="0">
                 <a:solidFill>
                   <a:schemeClr val="dk1"/>
                 </a:solidFill>
@@ -10968,9 +11263,806 @@
                 <a:cs typeface="Andale Mono" charset="0"/>
                 <a:sym typeface="Oswald"/>
               </a:rPr>
-              <a:t>Code Snippet Here</a:t>
-            </a:r>
-            <a:endParaRPr lang="en" sz="2000" dirty="0">
+              <a:t>new </a:t>
+            </a:r>
+            <a:r>
+              <a:rPr lang="en-US" sz="1600" dirty="0">
+                <a:solidFill>
+                  <a:schemeClr val="dk1"/>
+                </a:solidFill>
+                <a:latin typeface="Andale Mono" charset="0"/>
+                <a:ea typeface="Andale Mono" charset="0"/>
+                <a:cs typeface="Andale Mono" charset="0"/>
+                <a:sym typeface="Oswald"/>
+              </a:rPr>
+              <a:t>Thread(new Runnable</a:t>
+            </a:r>
+            <a:r>
+              <a:rPr lang="en-US" sz="1600" dirty="0" smtClean="0">
+                <a:solidFill>
+                  <a:schemeClr val="dk1"/>
+                </a:solidFill>
+                <a:latin typeface="Andale Mono" charset="0"/>
+                <a:ea typeface="Andale Mono" charset="0"/>
+                <a:cs typeface="Andale Mono" charset="0"/>
+                <a:sym typeface="Oswald"/>
+              </a:rPr>
+              <a:t>(){</a:t>
+            </a:r>
+            <a:endParaRPr lang="en-US" sz="1600" dirty="0">
+              <a:solidFill>
+                <a:schemeClr val="dk1"/>
+              </a:solidFill>
+              <a:latin typeface="Andale Mono" charset="0"/>
+              <a:ea typeface="Andale Mono" charset="0"/>
+              <a:cs typeface="Andale Mono" charset="0"/>
+              <a:sym typeface="Oswald"/>
+            </a:endParaRPr>
+          </a:p>
+          <a:p>
+            <a:pPr lvl="0">
+              <a:lnSpc>
+                <a:spcPct val="100000"/>
+              </a:lnSpc>
+              <a:spcAft>
+                <a:spcPts val="0"/>
+              </a:spcAft>
+            </a:pPr>
+            <a:r>
+              <a:rPr lang="en-US" sz="1600" dirty="0" smtClean="0">
+                <a:solidFill>
+                  <a:schemeClr val="dk1"/>
+                </a:solidFill>
+                <a:latin typeface="Andale Mono" charset="0"/>
+                <a:ea typeface="Andale Mono" charset="0"/>
+                <a:cs typeface="Andale Mono" charset="0"/>
+                <a:sym typeface="Oswald"/>
+              </a:rPr>
+              <a:t>public </a:t>
+            </a:r>
+            <a:r>
+              <a:rPr lang="en-US" sz="1600" dirty="0">
+                <a:solidFill>
+                  <a:schemeClr val="dk1"/>
+                </a:solidFill>
+                <a:latin typeface="Andale Mono" charset="0"/>
+                <a:ea typeface="Andale Mono" charset="0"/>
+                <a:cs typeface="Andale Mono" charset="0"/>
+                <a:sym typeface="Oswald"/>
+              </a:rPr>
+              <a:t>void run</a:t>
+            </a:r>
+            <a:r>
+              <a:rPr lang="en-US" sz="1600" dirty="0" smtClean="0">
+                <a:solidFill>
+                  <a:schemeClr val="dk1"/>
+                </a:solidFill>
+                <a:latin typeface="Andale Mono" charset="0"/>
+                <a:ea typeface="Andale Mono" charset="0"/>
+                <a:cs typeface="Andale Mono" charset="0"/>
+                <a:sym typeface="Oswald"/>
+              </a:rPr>
+              <a:t>(){</a:t>
+            </a:r>
+            <a:endParaRPr lang="en-US" sz="1600" dirty="0">
+              <a:solidFill>
+                <a:schemeClr val="dk1"/>
+              </a:solidFill>
+              <a:latin typeface="Andale Mono" charset="0"/>
+              <a:ea typeface="Andale Mono" charset="0"/>
+              <a:cs typeface="Andale Mono" charset="0"/>
+              <a:sym typeface="Oswald"/>
+            </a:endParaRPr>
+          </a:p>
+          <a:p>
+            <a:pPr lvl="0">
+              <a:lnSpc>
+                <a:spcPct val="100000"/>
+              </a:lnSpc>
+              <a:spcAft>
+                <a:spcPts val="0"/>
+              </a:spcAft>
+            </a:pPr>
+            <a:r>
+              <a:rPr lang="en-US" sz="1600" dirty="0">
+                <a:solidFill>
+                  <a:schemeClr val="dk1"/>
+                </a:solidFill>
+                <a:latin typeface="Andale Mono" charset="0"/>
+                <a:ea typeface="Andale Mono" charset="0"/>
+                <a:cs typeface="Andale Mono" charset="0"/>
+                <a:sym typeface="Oswald"/>
+              </a:rPr>
+              <a:t>	</a:t>
+            </a:r>
+            <a:r>
+              <a:rPr lang="en-US" sz="1600" dirty="0" smtClean="0">
+                <a:solidFill>
+                  <a:schemeClr val="dk1"/>
+                </a:solidFill>
+                <a:latin typeface="Andale Mono" charset="0"/>
+                <a:ea typeface="Andale Mono" charset="0"/>
+                <a:cs typeface="Andale Mono" charset="0"/>
+                <a:sym typeface="Oswald"/>
+              </a:rPr>
+              <a:t>while(true){</a:t>
+            </a:r>
+            <a:endParaRPr lang="en-US" sz="1600" dirty="0">
+              <a:solidFill>
+                <a:schemeClr val="dk1"/>
+              </a:solidFill>
+              <a:latin typeface="Andale Mono" charset="0"/>
+              <a:ea typeface="Andale Mono" charset="0"/>
+              <a:cs typeface="Andale Mono" charset="0"/>
+              <a:sym typeface="Oswald"/>
+            </a:endParaRPr>
+          </a:p>
+          <a:p>
+            <a:pPr lvl="0">
+              <a:lnSpc>
+                <a:spcPct val="100000"/>
+              </a:lnSpc>
+              <a:spcAft>
+                <a:spcPts val="0"/>
+              </a:spcAft>
+            </a:pPr>
+            <a:r>
+              <a:rPr lang="en-US" sz="1600" dirty="0">
+                <a:solidFill>
+                  <a:schemeClr val="dk1"/>
+                </a:solidFill>
+                <a:latin typeface="Andale Mono" charset="0"/>
+                <a:ea typeface="Andale Mono" charset="0"/>
+                <a:cs typeface="Andale Mono" charset="0"/>
+                <a:sym typeface="Oswald"/>
+              </a:rPr>
+              <a:t>		</a:t>
+            </a:r>
+            <a:r>
+              <a:rPr lang="en-US" sz="1600" dirty="0" smtClean="0">
+                <a:solidFill>
+                  <a:schemeClr val="dk1"/>
+                </a:solidFill>
+                <a:latin typeface="Andale Mono" charset="0"/>
+                <a:ea typeface="Andale Mono" charset="0"/>
+                <a:cs typeface="Andale Mono" charset="0"/>
+                <a:sym typeface="Oswald"/>
+              </a:rPr>
+              <a:t>try{</a:t>
+            </a:r>
+            <a:endParaRPr lang="en-US" sz="1600" dirty="0">
+              <a:solidFill>
+                <a:schemeClr val="dk1"/>
+              </a:solidFill>
+              <a:latin typeface="Andale Mono" charset="0"/>
+              <a:ea typeface="Andale Mono" charset="0"/>
+              <a:cs typeface="Andale Mono" charset="0"/>
+              <a:sym typeface="Oswald"/>
+            </a:endParaRPr>
+          </a:p>
+          <a:p>
+            <a:pPr lvl="0">
+              <a:lnSpc>
+                <a:spcPct val="100000"/>
+              </a:lnSpc>
+              <a:spcAft>
+                <a:spcPts val="0"/>
+              </a:spcAft>
+            </a:pPr>
+            <a:r>
+              <a:rPr lang="en-US" sz="1600" dirty="0">
+                <a:solidFill>
+                  <a:schemeClr val="dk1"/>
+                </a:solidFill>
+                <a:latin typeface="Andale Mono" charset="0"/>
+                <a:ea typeface="Andale Mono" charset="0"/>
+                <a:cs typeface="Andale Mono" charset="0"/>
+                <a:sym typeface="Oswald"/>
+              </a:rPr>
+              <a:t>			</a:t>
+            </a:r>
+            <a:r>
+              <a:rPr lang="en-US" sz="1600" dirty="0" err="1" smtClean="0">
+                <a:solidFill>
+                  <a:schemeClr val="dk1"/>
+                </a:solidFill>
+                <a:latin typeface="Andale Mono" charset="0"/>
+                <a:ea typeface="Andale Mono" charset="0"/>
+                <a:cs typeface="Andale Mono" charset="0"/>
+                <a:sym typeface="Oswald"/>
+              </a:rPr>
+              <a:t>Thread.sleep</a:t>
+            </a:r>
+            <a:r>
+              <a:rPr lang="en-US" sz="1600" dirty="0" smtClean="0">
+                <a:solidFill>
+                  <a:schemeClr val="dk1"/>
+                </a:solidFill>
+                <a:latin typeface="Andale Mono" charset="0"/>
+                <a:ea typeface="Andale Mono" charset="0"/>
+                <a:cs typeface="Andale Mono" charset="0"/>
+                <a:sym typeface="Oswald"/>
+              </a:rPr>
+              <a:t>(1000);}</a:t>
+            </a:r>
+            <a:endParaRPr lang="en-US" sz="1600" dirty="0">
+              <a:solidFill>
+                <a:schemeClr val="dk1"/>
+              </a:solidFill>
+              <a:latin typeface="Andale Mono" charset="0"/>
+              <a:ea typeface="Andale Mono" charset="0"/>
+              <a:cs typeface="Andale Mono" charset="0"/>
+              <a:sym typeface="Oswald"/>
+            </a:endParaRPr>
+          </a:p>
+          <a:p>
+            <a:pPr lvl="0">
+              <a:lnSpc>
+                <a:spcPct val="100000"/>
+              </a:lnSpc>
+              <a:spcAft>
+                <a:spcPts val="0"/>
+              </a:spcAft>
+            </a:pPr>
+            <a:r>
+              <a:rPr lang="en-US" sz="1600" dirty="0">
+                <a:solidFill>
+                  <a:schemeClr val="dk1"/>
+                </a:solidFill>
+                <a:latin typeface="Andale Mono" charset="0"/>
+                <a:ea typeface="Andale Mono" charset="0"/>
+                <a:cs typeface="Andale Mono" charset="0"/>
+                <a:sym typeface="Oswald"/>
+              </a:rPr>
+              <a:t>			</a:t>
+            </a:r>
+            <a:r>
+              <a:rPr lang="en-US" sz="1600" dirty="0" smtClean="0">
+                <a:solidFill>
+                  <a:schemeClr val="dk1"/>
+                </a:solidFill>
+                <a:latin typeface="Andale Mono" charset="0"/>
+                <a:ea typeface="Andale Mono" charset="0"/>
+                <a:cs typeface="Andale Mono" charset="0"/>
+                <a:sym typeface="Oswald"/>
+              </a:rPr>
+              <a:t>catch(Exception </a:t>
+            </a:r>
+            <a:r>
+              <a:rPr lang="en-US" sz="1600" dirty="0">
+                <a:solidFill>
+                  <a:schemeClr val="dk1"/>
+                </a:solidFill>
+                <a:latin typeface="Andale Mono" charset="0"/>
+                <a:ea typeface="Andale Mono" charset="0"/>
+                <a:cs typeface="Andale Mono" charset="0"/>
+                <a:sym typeface="Oswald"/>
+              </a:rPr>
+              <a:t>e</a:t>
+            </a:r>
+            <a:r>
+              <a:rPr lang="en-US" sz="1600" dirty="0" smtClean="0">
+                <a:solidFill>
+                  <a:schemeClr val="dk1"/>
+                </a:solidFill>
+                <a:latin typeface="Andale Mono" charset="0"/>
+                <a:ea typeface="Andale Mono" charset="0"/>
+                <a:cs typeface="Andale Mono" charset="0"/>
+                <a:sym typeface="Oswald"/>
+              </a:rPr>
+              <a:t>){}</a:t>
+            </a:r>
+            <a:endParaRPr lang="en-US" sz="1600" dirty="0">
+              <a:solidFill>
+                <a:schemeClr val="dk1"/>
+              </a:solidFill>
+              <a:latin typeface="Andale Mono" charset="0"/>
+              <a:ea typeface="Andale Mono" charset="0"/>
+              <a:cs typeface="Andale Mono" charset="0"/>
+              <a:sym typeface="Oswald"/>
+            </a:endParaRPr>
+          </a:p>
+          <a:p>
+            <a:pPr lvl="0">
+              <a:lnSpc>
+                <a:spcPct val="100000"/>
+              </a:lnSpc>
+              <a:spcAft>
+                <a:spcPts val="0"/>
+              </a:spcAft>
+            </a:pPr>
+            <a:r>
+              <a:rPr lang="en-US" sz="1600" dirty="0">
+                <a:solidFill>
+                  <a:schemeClr val="dk1"/>
+                </a:solidFill>
+                <a:latin typeface="Andale Mono" charset="0"/>
+                <a:ea typeface="Andale Mono" charset="0"/>
+                <a:cs typeface="Andale Mono" charset="0"/>
+                <a:sym typeface="Oswald"/>
+              </a:rPr>
+              <a:t>	</a:t>
+            </a:r>
+            <a:r>
+              <a:rPr lang="en-US" sz="1600" dirty="0" err="1" smtClean="0">
+                <a:solidFill>
+                  <a:schemeClr val="dk1"/>
+                </a:solidFill>
+                <a:latin typeface="Andale Mono" charset="0"/>
+                <a:ea typeface="Andale Mono" charset="0"/>
+                <a:cs typeface="Andale Mono" charset="0"/>
+                <a:sym typeface="Oswald"/>
+              </a:rPr>
+              <a:t>jl.setIcon</a:t>
+            </a:r>
+            <a:r>
+              <a:rPr lang="en-US" sz="1600" dirty="0" smtClean="0">
+                <a:solidFill>
+                  <a:schemeClr val="dk1"/>
+                </a:solidFill>
+                <a:latin typeface="Andale Mono" charset="0"/>
+                <a:ea typeface="Andale Mono" charset="0"/>
+                <a:cs typeface="Andale Mono" charset="0"/>
+                <a:sym typeface="Oswald"/>
+              </a:rPr>
+              <a:t>(new </a:t>
+            </a:r>
+            <a:r>
+              <a:rPr lang="en-US" sz="1600" dirty="0" err="1">
+                <a:solidFill>
+                  <a:schemeClr val="dk1"/>
+                </a:solidFill>
+                <a:latin typeface="Andale Mono" charset="0"/>
+                <a:ea typeface="Andale Mono" charset="0"/>
+                <a:cs typeface="Andale Mono" charset="0"/>
+                <a:sym typeface="Oswald"/>
+              </a:rPr>
+              <a:t>ImageIcon</a:t>
+            </a:r>
+            <a:r>
+              <a:rPr lang="en-US" sz="1600" dirty="0">
+                <a:solidFill>
+                  <a:schemeClr val="dk1"/>
+                </a:solidFill>
+                <a:latin typeface="Andale Mono" charset="0"/>
+                <a:ea typeface="Andale Mono" charset="0"/>
+                <a:cs typeface="Andale Mono" charset="0"/>
+                <a:sym typeface="Oswald"/>
+              </a:rPr>
+              <a:t>("E://images//"+</a:t>
+            </a:r>
+            <a:r>
+              <a:rPr lang="en-US" sz="1600" dirty="0" err="1">
+                <a:solidFill>
+                  <a:schemeClr val="dk1"/>
+                </a:solidFill>
+                <a:latin typeface="Andale Mono" charset="0"/>
+                <a:ea typeface="Andale Mono" charset="0"/>
+                <a:cs typeface="Andale Mono" charset="0"/>
+                <a:sym typeface="Oswald"/>
+              </a:rPr>
+              <a:t>im</a:t>
+            </a:r>
+            <a:r>
+              <a:rPr lang="en-US" sz="1600" dirty="0">
+                <a:solidFill>
+                  <a:schemeClr val="dk1"/>
+                </a:solidFill>
+                <a:latin typeface="Andale Mono" charset="0"/>
+                <a:ea typeface="Andale Mono" charset="0"/>
+                <a:cs typeface="Andale Mono" charset="0"/>
+                <a:sym typeface="Oswald"/>
+              </a:rPr>
+              <a:t>[</a:t>
+            </a:r>
+            <a:r>
+              <a:rPr lang="en-US" sz="1600" dirty="0" err="1">
+                <a:solidFill>
+                  <a:schemeClr val="dk1"/>
+                </a:solidFill>
+                <a:latin typeface="Andale Mono" charset="0"/>
+                <a:ea typeface="Andale Mono" charset="0"/>
+                <a:cs typeface="Andale Mono" charset="0"/>
+                <a:sym typeface="Oswald"/>
+              </a:rPr>
+              <a:t>i</a:t>
+            </a:r>
+            <a:r>
+              <a:rPr lang="en-US" sz="1600" dirty="0">
+                <a:solidFill>
+                  <a:schemeClr val="dk1"/>
+                </a:solidFill>
+                <a:latin typeface="Andale Mono" charset="0"/>
+                <a:ea typeface="Andale Mono" charset="0"/>
+                <a:cs typeface="Andale Mono" charset="0"/>
+                <a:sym typeface="Oswald"/>
+              </a:rPr>
+              <a:t>]+".jpg"));</a:t>
+            </a:r>
+          </a:p>
+          <a:p>
+            <a:pPr lvl="0">
+              <a:lnSpc>
+                <a:spcPct val="100000"/>
+              </a:lnSpc>
+              <a:spcAft>
+                <a:spcPts val="0"/>
+              </a:spcAft>
+            </a:pPr>
+            <a:r>
+              <a:rPr lang="en-US" sz="1600" dirty="0">
+                <a:solidFill>
+                  <a:schemeClr val="dk1"/>
+                </a:solidFill>
+                <a:latin typeface="Andale Mono" charset="0"/>
+                <a:ea typeface="Andale Mono" charset="0"/>
+                <a:cs typeface="Andale Mono" charset="0"/>
+                <a:sym typeface="Oswald"/>
+              </a:rPr>
+              <a:t>	</a:t>
+            </a:r>
+            <a:r>
+              <a:rPr lang="en-US" sz="1600" dirty="0" err="1" smtClean="0">
+                <a:solidFill>
+                  <a:schemeClr val="dk1"/>
+                </a:solidFill>
+                <a:latin typeface="Andale Mono" charset="0"/>
+                <a:ea typeface="Andale Mono" charset="0"/>
+                <a:cs typeface="Andale Mono" charset="0"/>
+                <a:sym typeface="Oswald"/>
+              </a:rPr>
+              <a:t>i</a:t>
+            </a:r>
+            <a:r>
+              <a:rPr lang="en-US" sz="1600" dirty="0">
+                <a:solidFill>
+                  <a:schemeClr val="dk1"/>
+                </a:solidFill>
+                <a:latin typeface="Andale Mono" charset="0"/>
+                <a:ea typeface="Andale Mono" charset="0"/>
+                <a:cs typeface="Andale Mono" charset="0"/>
+                <a:sym typeface="Oswald"/>
+              </a:rPr>
+              <a:t>++;</a:t>
+            </a:r>
+          </a:p>
+          <a:p>
+            <a:pPr lvl="0">
+              <a:lnSpc>
+                <a:spcPct val="100000"/>
+              </a:lnSpc>
+              <a:spcAft>
+                <a:spcPts val="0"/>
+              </a:spcAft>
+            </a:pPr>
+            <a:r>
+              <a:rPr lang="en-US" sz="1600" dirty="0">
+                <a:solidFill>
+                  <a:schemeClr val="dk1"/>
+                </a:solidFill>
+                <a:latin typeface="Andale Mono" charset="0"/>
+                <a:ea typeface="Andale Mono" charset="0"/>
+                <a:cs typeface="Andale Mono" charset="0"/>
+                <a:sym typeface="Oswald"/>
+              </a:rPr>
+              <a:t>	</a:t>
+            </a:r>
+            <a:r>
+              <a:rPr lang="en-US" sz="1600" dirty="0" smtClean="0">
+                <a:solidFill>
+                  <a:schemeClr val="dk1"/>
+                </a:solidFill>
+                <a:latin typeface="Andale Mono" charset="0"/>
+                <a:ea typeface="Andale Mono" charset="0"/>
+                <a:cs typeface="Andale Mono" charset="0"/>
+                <a:sym typeface="Oswald"/>
+              </a:rPr>
+              <a:t>if</a:t>
+            </a:r>
+            <a:r>
+              <a:rPr lang="en-US" sz="1600" dirty="0">
+                <a:solidFill>
+                  <a:schemeClr val="dk1"/>
+                </a:solidFill>
+                <a:latin typeface="Andale Mono" charset="0"/>
+                <a:ea typeface="Andale Mono" charset="0"/>
+                <a:cs typeface="Andale Mono" charset="0"/>
+                <a:sym typeface="Oswald"/>
+              </a:rPr>
+              <a:t>((</a:t>
+            </a:r>
+            <a:r>
+              <a:rPr lang="en-US" sz="1600" dirty="0" err="1">
+                <a:solidFill>
+                  <a:schemeClr val="dk1"/>
+                </a:solidFill>
+                <a:latin typeface="Andale Mono" charset="0"/>
+                <a:ea typeface="Andale Mono" charset="0"/>
+                <a:cs typeface="Andale Mono" charset="0"/>
+                <a:sym typeface="Oswald"/>
+              </a:rPr>
+              <a:t>i</a:t>
+            </a:r>
+            <a:r>
+              <a:rPr lang="en-US" sz="1600" dirty="0">
+                <a:solidFill>
+                  <a:schemeClr val="dk1"/>
+                </a:solidFill>
+                <a:latin typeface="Andale Mono" charset="0"/>
+                <a:ea typeface="Andale Mono" charset="0"/>
+                <a:cs typeface="Andale Mono" charset="0"/>
+                <a:sym typeface="Oswald"/>
+              </a:rPr>
+              <a:t>==</a:t>
+            </a:r>
+            <a:r>
+              <a:rPr lang="en-US" sz="1600" dirty="0" err="1">
+                <a:solidFill>
+                  <a:schemeClr val="dk1"/>
+                </a:solidFill>
+                <a:latin typeface="Andale Mono" charset="0"/>
+                <a:ea typeface="Andale Mono" charset="0"/>
+                <a:cs typeface="Andale Mono" charset="0"/>
+                <a:sym typeface="Oswald"/>
+              </a:rPr>
+              <a:t>im.length</a:t>
+            </a:r>
+            <a:r>
+              <a:rPr lang="en-US" sz="1600" dirty="0" smtClean="0">
+                <a:solidFill>
+                  <a:schemeClr val="dk1"/>
+                </a:solidFill>
+                <a:latin typeface="Andale Mono" charset="0"/>
+                <a:ea typeface="Andale Mono" charset="0"/>
+                <a:cs typeface="Andale Mono" charset="0"/>
+                <a:sym typeface="Oswald"/>
+              </a:rPr>
+              <a:t>)){</a:t>
+            </a:r>
+            <a:endParaRPr lang="en-US" sz="1600" dirty="0">
+              <a:solidFill>
+                <a:schemeClr val="dk1"/>
+              </a:solidFill>
+              <a:latin typeface="Andale Mono" charset="0"/>
+              <a:ea typeface="Andale Mono" charset="0"/>
+              <a:cs typeface="Andale Mono" charset="0"/>
+              <a:sym typeface="Oswald"/>
+            </a:endParaRPr>
+          </a:p>
+          <a:p>
+            <a:pPr lvl="0">
+              <a:lnSpc>
+                <a:spcPct val="100000"/>
+              </a:lnSpc>
+              <a:spcAft>
+                <a:spcPts val="0"/>
+              </a:spcAft>
+            </a:pPr>
+            <a:r>
+              <a:rPr lang="en-US" sz="1600" dirty="0">
+                <a:solidFill>
+                  <a:schemeClr val="dk1"/>
+                </a:solidFill>
+                <a:latin typeface="Andale Mono" charset="0"/>
+                <a:ea typeface="Andale Mono" charset="0"/>
+                <a:cs typeface="Andale Mono" charset="0"/>
+                <a:sym typeface="Oswald"/>
+              </a:rPr>
+              <a:t>	</a:t>
+            </a:r>
+            <a:r>
+              <a:rPr lang="en-US" sz="1600" dirty="0" smtClean="0">
+                <a:solidFill>
+                  <a:schemeClr val="dk1"/>
+                </a:solidFill>
+                <a:latin typeface="Andale Mono" charset="0"/>
+                <a:ea typeface="Andale Mono" charset="0"/>
+                <a:cs typeface="Andale Mono" charset="0"/>
+                <a:sym typeface="Oswald"/>
+              </a:rPr>
+              <a:t>	</a:t>
+            </a:r>
+            <a:r>
+              <a:rPr lang="en-US" sz="1600" dirty="0" err="1" smtClean="0">
+                <a:solidFill>
+                  <a:schemeClr val="dk1"/>
+                </a:solidFill>
+                <a:latin typeface="Andale Mono" charset="0"/>
+                <a:ea typeface="Andale Mono" charset="0"/>
+                <a:cs typeface="Andale Mono" charset="0"/>
+                <a:sym typeface="Oswald"/>
+              </a:rPr>
+              <a:t>i</a:t>
+            </a:r>
+            <a:r>
+              <a:rPr lang="en-US" sz="1600" dirty="0" smtClean="0">
+                <a:solidFill>
+                  <a:schemeClr val="dk1"/>
+                </a:solidFill>
+                <a:latin typeface="Andale Mono" charset="0"/>
+                <a:ea typeface="Andale Mono" charset="0"/>
+                <a:cs typeface="Andale Mono" charset="0"/>
+                <a:sym typeface="Oswald"/>
+              </a:rPr>
+              <a:t>=0;}</a:t>
+            </a:r>
+          </a:p>
+          <a:p>
+            <a:pPr lvl="0">
+              <a:spcAft>
+                <a:spcPts val="0"/>
+              </a:spcAft>
+              <a:buClr>
+                <a:srgbClr val="CACACA"/>
+              </a:buClr>
+            </a:pPr>
+            <a:r>
+              <a:rPr lang="en-US" sz="1600" dirty="0" smtClean="0">
+                <a:solidFill>
+                  <a:srgbClr val="FFFFFF"/>
+                </a:solidFill>
+                <a:latin typeface="Andale Mono" charset="0"/>
+                <a:ea typeface="Andale Mono" charset="0"/>
+                <a:cs typeface="Andale Mono" charset="0"/>
+                <a:sym typeface="Oswald"/>
+              </a:rPr>
+              <a:t>	try{</a:t>
+            </a:r>
+            <a:r>
+              <a:rPr lang="en-US" sz="1600" dirty="0" err="1" smtClean="0">
+                <a:solidFill>
+                  <a:srgbClr val="FFFFFF"/>
+                </a:solidFill>
+                <a:latin typeface="Andale Mono" charset="0"/>
+                <a:ea typeface="Andale Mono" charset="0"/>
+                <a:cs typeface="Andale Mono" charset="0"/>
+                <a:sym typeface="Oswald"/>
+              </a:rPr>
+              <a:t>Thread.sleep</a:t>
+            </a:r>
+            <a:r>
+              <a:rPr lang="en-US" sz="1600" dirty="0" smtClean="0">
+                <a:solidFill>
+                  <a:srgbClr val="FFFFFF"/>
+                </a:solidFill>
+                <a:latin typeface="Andale Mono" charset="0"/>
+                <a:ea typeface="Andale Mono" charset="0"/>
+                <a:cs typeface="Andale Mono" charset="0"/>
+                <a:sym typeface="Oswald"/>
+              </a:rPr>
+              <a:t>(2000</a:t>
+            </a:r>
+            <a:r>
+              <a:rPr lang="en-US" sz="1600" dirty="0">
+                <a:solidFill>
+                  <a:srgbClr val="FFFFFF"/>
+                </a:solidFill>
+                <a:latin typeface="Andale Mono" charset="0"/>
+                <a:ea typeface="Andale Mono" charset="0"/>
+                <a:cs typeface="Andale Mono" charset="0"/>
+                <a:sym typeface="Oswald"/>
+              </a:rPr>
+              <a:t>)}</a:t>
+            </a:r>
+          </a:p>
+          <a:p>
+            <a:pPr lvl="0">
+              <a:spcAft>
+                <a:spcPts val="0"/>
+              </a:spcAft>
+              <a:buClr>
+                <a:srgbClr val="CACACA"/>
+              </a:buClr>
+            </a:pPr>
+            <a:r>
+              <a:rPr lang="en-US" sz="1600" dirty="0" smtClean="0">
+                <a:solidFill>
+                  <a:srgbClr val="FFFFFF"/>
+                </a:solidFill>
+                <a:latin typeface="Andale Mono" charset="0"/>
+                <a:ea typeface="Andale Mono" charset="0"/>
+                <a:cs typeface="Andale Mono" charset="0"/>
+                <a:sym typeface="Oswald"/>
+              </a:rPr>
+              <a:t>	catch(Exception </a:t>
+            </a:r>
+            <a:r>
+              <a:rPr lang="en-US" sz="1600" dirty="0">
+                <a:solidFill>
+                  <a:srgbClr val="FFFFFF"/>
+                </a:solidFill>
+                <a:latin typeface="Andale Mono" charset="0"/>
+                <a:ea typeface="Andale Mono" charset="0"/>
+                <a:cs typeface="Andale Mono" charset="0"/>
+                <a:sym typeface="Oswald"/>
+              </a:rPr>
+              <a:t>e){}</a:t>
+            </a:r>
+          </a:p>
+          <a:p>
+            <a:pPr lvl="0">
+              <a:spcAft>
+                <a:spcPts val="0"/>
+              </a:spcAft>
+              <a:buClr>
+                <a:srgbClr val="CACACA"/>
+              </a:buClr>
+            </a:pPr>
+            <a:r>
+              <a:rPr lang="en-US" sz="1600" dirty="0">
+                <a:solidFill>
+                  <a:srgbClr val="FFFFFF"/>
+                </a:solidFill>
+                <a:latin typeface="Andale Mono" charset="0"/>
+                <a:ea typeface="Andale Mono" charset="0"/>
+                <a:cs typeface="Andale Mono" charset="0"/>
+                <a:sym typeface="Oswald"/>
+              </a:rPr>
+              <a:t>}}}).start</a:t>
+            </a:r>
+            <a:r>
+              <a:rPr lang="en-US" sz="1600" dirty="0" smtClean="0">
+                <a:solidFill>
+                  <a:srgbClr val="FFFFFF"/>
+                </a:solidFill>
+                <a:latin typeface="Andale Mono" charset="0"/>
+                <a:ea typeface="Andale Mono" charset="0"/>
+                <a:cs typeface="Andale Mono" charset="0"/>
+                <a:sym typeface="Oswald"/>
+              </a:rPr>
+              <a:t>();</a:t>
+            </a:r>
+            <a:endParaRPr lang="en" sz="1600" dirty="0">
+              <a:solidFill>
+                <a:srgbClr val="FFFFFF"/>
+              </a:solidFill>
+              <a:latin typeface="Andale Mono" charset="0"/>
+              <a:ea typeface="Andale Mono" charset="0"/>
+              <a:cs typeface="Andale Mono" charset="0"/>
+              <a:sym typeface="Oswald"/>
+            </a:endParaRPr>
+          </a:p>
+          <a:p>
+            <a:pPr lvl="0">
+              <a:lnSpc>
+                <a:spcPct val="100000"/>
+              </a:lnSpc>
+              <a:spcAft>
+                <a:spcPts val="0"/>
+              </a:spcAft>
+            </a:pPr>
+            <a:endParaRPr lang="en-US" sz="1400" dirty="0">
+              <a:solidFill>
+                <a:schemeClr val="dk1"/>
+              </a:solidFill>
+              <a:latin typeface="Andale Mono" charset="0"/>
+              <a:ea typeface="Andale Mono" charset="0"/>
+              <a:cs typeface="Andale Mono" charset="0"/>
+              <a:sym typeface="Oswald"/>
+            </a:endParaRPr>
+          </a:p>
+          <a:p>
+            <a:pPr lvl="0">
+              <a:lnSpc>
+                <a:spcPct val="100000"/>
+              </a:lnSpc>
+              <a:spcAft>
+                <a:spcPts val="0"/>
+              </a:spcAft>
+            </a:pPr>
+            <a:r>
+              <a:rPr lang="en-US" sz="1400" dirty="0">
+                <a:solidFill>
+                  <a:schemeClr val="dk1"/>
+                </a:solidFill>
+                <a:latin typeface="Andale Mono" charset="0"/>
+                <a:ea typeface="Andale Mono" charset="0"/>
+                <a:cs typeface="Andale Mono" charset="0"/>
+                <a:sym typeface="Oswald"/>
+              </a:rPr>
+              <a:t>	</a:t>
+            </a:r>
+            <a:endParaRPr lang="en" sz="1400" dirty="0">
               <a:solidFill>
                 <a:schemeClr val="dk1"/>
               </a:solidFill>
@@ -11210,7 +12302,31 @@
                 <a:cs typeface="Andale Mono" charset="0"/>
                 <a:sym typeface="Oswald"/>
               </a:rPr>
-              <a:t>Code: ~4,000 Lines</a:t>
+              <a:t>Code: </a:t>
+            </a:r>
+            <a:r>
+              <a:rPr lang="en" sz="2000" dirty="0" smtClean="0">
+                <a:solidFill>
+                  <a:schemeClr val="dk1"/>
+                </a:solidFill>
+                <a:latin typeface="Andale Mono" charset="0"/>
+                <a:ea typeface="Andale Mono" charset="0"/>
+                <a:cs typeface="Andale Mono" charset="0"/>
+                <a:sym typeface="Oswald"/>
+              </a:rPr>
+              <a:t>~3,000 </a:t>
+            </a:r>
+            <a:r>
+              <a:rPr lang="en" sz="2000" dirty="0">
+                <a:solidFill>
+                  <a:schemeClr val="dk1"/>
+                </a:solidFill>
+                <a:latin typeface="Andale Mono" charset="0"/>
+                <a:ea typeface="Andale Mono" charset="0"/>
+                <a:cs typeface="Andale Mono" charset="0"/>
+                <a:sym typeface="Oswald"/>
+              </a:rPr>
+              <a:t>Lines</a:t>
             </a:r>
           </a:p>
           <a:p>

--- a/Presentation/Software Engineering Presentation.pptx
+++ b/Presentation/Software Engineering Presentation.pptx
@@ -6701,28 +6701,22 @@
       </p:sp>
       <p:pic>
         <p:nvPicPr>
-          <p:cNvPr id="9" name="Picture 8"/>
+          <p:cNvPr id="2" name="Picture 1"/>
           <p:cNvPicPr>
             <a:picLocks noChangeAspect="1"/>
           </p:cNvPicPr>
           <p:nvPr/>
         </p:nvPicPr>
         <p:blipFill>
-          <a:blip r:embed="rId3">
-            <a:extLst>
-              <a:ext uri="{28A0092B-C50C-407E-A947-70E740481C1C}">
-                <a14:useLocalDpi xmlns:a14="http://schemas.microsoft.com/office/drawing/2010/main" val="0"/>
-              </a:ext>
-            </a:extLst>
-          </a:blip>
+          <a:blip r:embed="rId3"/>
           <a:stretch>
             <a:fillRect/>
           </a:stretch>
         </p:blipFill>
         <p:spPr>
           <a:xfrm>
-            <a:off x="467036" y="1092709"/>
-            <a:ext cx="8228908" cy="3525012"/>
+            <a:off x="517137" y="1154183"/>
+            <a:ext cx="8239125" cy="3533775"/>
           </a:xfrm>
           <a:prstGeom prst="rect">
             <a:avLst/>
@@ -6807,28 +6801,22 @@
       </p:sp>
       <p:pic>
         <p:nvPicPr>
-          <p:cNvPr id="3" name="Picture 2"/>
+          <p:cNvPr id="4" name="Picture 3"/>
           <p:cNvPicPr>
             <a:picLocks noChangeAspect="1"/>
           </p:cNvPicPr>
           <p:nvPr/>
         </p:nvPicPr>
         <p:blipFill>
-          <a:blip r:embed="rId2">
-            <a:extLst>
-              <a:ext uri="{28A0092B-C50C-407E-A947-70E740481C1C}">
-                <a14:useLocalDpi xmlns:a14="http://schemas.microsoft.com/office/drawing/2010/main" val="0"/>
-              </a:ext>
-            </a:extLst>
-          </a:blip>
+          <a:blip r:embed="rId2"/>
           <a:stretch>
             <a:fillRect/>
           </a:stretch>
         </p:blipFill>
         <p:spPr>
           <a:xfrm>
-            <a:off x="596900" y="1017724"/>
-            <a:ext cx="7942684" cy="3586549"/>
+            <a:off x="1520686" y="1017724"/>
+            <a:ext cx="6102625" cy="3956647"/>
           </a:xfrm>
           <a:prstGeom prst="rect">
             <a:avLst/>
@@ -6926,28 +6914,22 @@
       </p:sp>
       <p:pic>
         <p:nvPicPr>
-          <p:cNvPr id="3" name="Picture 2"/>
+          <p:cNvPr id="4" name="Picture 3"/>
           <p:cNvPicPr>
             <a:picLocks noChangeAspect="1"/>
           </p:cNvPicPr>
           <p:nvPr/>
         </p:nvPicPr>
         <p:blipFill>
-          <a:blip r:embed="rId2">
-            <a:extLst>
-              <a:ext uri="{28A0092B-C50C-407E-A947-70E740481C1C}">
-                <a14:useLocalDpi xmlns:a14="http://schemas.microsoft.com/office/drawing/2010/main" val="0"/>
-              </a:ext>
-            </a:extLst>
-          </a:blip>
+          <a:blip r:embed="rId2"/>
           <a:stretch>
             <a:fillRect/>
           </a:stretch>
         </p:blipFill>
         <p:spPr>
           <a:xfrm>
-            <a:off x="596900" y="1017723"/>
-            <a:ext cx="7942684" cy="3543519"/>
+            <a:off x="1487155" y="1017724"/>
+            <a:ext cx="6169687" cy="3999323"/>
           </a:xfrm>
           <a:prstGeom prst="rect">
             <a:avLst/>
@@ -7037,28 +7019,22 @@
       </p:sp>
       <p:pic>
         <p:nvPicPr>
-          <p:cNvPr id="4" name="Picture 3"/>
+          <p:cNvPr id="3" name="Picture 2"/>
           <p:cNvPicPr>
             <a:picLocks noChangeAspect="1"/>
           </p:cNvPicPr>
           <p:nvPr/>
         </p:nvPicPr>
         <p:blipFill>
-          <a:blip r:embed="rId2">
-            <a:extLst>
-              <a:ext uri="{28A0092B-C50C-407E-A947-70E740481C1C}">
-                <a14:useLocalDpi xmlns:a14="http://schemas.microsoft.com/office/drawing/2010/main" val="0"/>
-              </a:ext>
-            </a:extLst>
-          </a:blip>
+          <a:blip r:embed="rId2"/>
           <a:stretch>
             <a:fillRect/>
           </a:stretch>
         </p:blipFill>
         <p:spPr>
           <a:xfrm>
-            <a:off x="603504" y="1106424"/>
-            <a:ext cx="7927848" cy="3691561"/>
+            <a:off x="600074" y="1130103"/>
+            <a:ext cx="7943850" cy="3705225"/>
           </a:xfrm>
           <a:prstGeom prst="rect">
             <a:avLst/>
@@ -7249,28 +7225,22 @@
       </p:sp>
       <p:pic>
         <p:nvPicPr>
-          <p:cNvPr id="3" name="Picture 2"/>
+          <p:cNvPr id="2" name="Picture 1"/>
           <p:cNvPicPr>
             <a:picLocks noChangeAspect="1"/>
           </p:cNvPicPr>
           <p:nvPr/>
         </p:nvPicPr>
         <p:blipFill>
-          <a:blip r:embed="rId3">
-            <a:extLst>
-              <a:ext uri="{28A0092B-C50C-407E-A947-70E740481C1C}">
-                <a14:useLocalDpi xmlns:a14="http://schemas.microsoft.com/office/drawing/2010/main" val="0"/>
-              </a:ext>
-            </a:extLst>
-          </a:blip>
+          <a:blip r:embed="rId3"/>
           <a:stretch>
             <a:fillRect/>
           </a:stretch>
         </p:blipFill>
         <p:spPr>
           <a:xfrm>
-            <a:off x="596900" y="1172584"/>
-            <a:ext cx="7942684" cy="3356385"/>
+            <a:off x="1453625" y="1017725"/>
+            <a:ext cx="6236749" cy="4041998"/>
           </a:xfrm>
           <a:prstGeom prst="rect">
             <a:avLst/>
@@ -7321,7 +7291,7 @@
         </p:nvSpPr>
         <p:spPr>
           <a:xfrm>
-            <a:off x="311700" y="445025"/>
+            <a:off x="311700" y="158675"/>
             <a:ext cx="8520600" cy="572700"/>
           </a:xfrm>
           <a:prstGeom prst="rect">
@@ -7456,28 +7426,22 @@
       </p:sp>
       <p:pic>
         <p:nvPicPr>
-          <p:cNvPr id="2" name="Picture 1"/>
+          <p:cNvPr id="4" name="Picture 3"/>
           <p:cNvPicPr>
             <a:picLocks noChangeAspect="1"/>
           </p:cNvPicPr>
           <p:nvPr/>
         </p:nvPicPr>
         <p:blipFill>
-          <a:blip r:embed="rId3">
-            <a:extLst>
-              <a:ext uri="{28A0092B-C50C-407E-A947-70E740481C1C}">
-                <a14:useLocalDpi xmlns:a14="http://schemas.microsoft.com/office/drawing/2010/main" val="0"/>
-              </a:ext>
-            </a:extLst>
-          </a:blip>
+          <a:blip r:embed="rId3"/>
           <a:stretch>
             <a:fillRect/>
           </a:stretch>
         </p:blipFill>
         <p:spPr>
           <a:xfrm>
-            <a:off x="1269639" y="1088136"/>
-            <a:ext cx="6604722" cy="3730752"/>
+            <a:off x="1780794" y="731377"/>
+            <a:ext cx="5582412" cy="4348925"/>
           </a:xfrm>
           <a:prstGeom prst="rect">
             <a:avLst/>
@@ -7533,7 +7497,7 @@
         </p:nvSpPr>
         <p:spPr>
           <a:xfrm>
-            <a:off x="311700" y="445025"/>
+            <a:off x="311700" y="158675"/>
             <a:ext cx="8520600" cy="572700"/>
           </a:xfrm>
           <a:prstGeom prst="rect">
@@ -7668,28 +7632,22 @@
       </p:sp>
       <p:pic>
         <p:nvPicPr>
-          <p:cNvPr id="4" name="Picture 3"/>
+          <p:cNvPr id="3" name="Picture 2"/>
           <p:cNvPicPr>
             <a:picLocks noChangeAspect="1"/>
           </p:cNvPicPr>
           <p:nvPr/>
         </p:nvPicPr>
         <p:blipFill>
-          <a:blip r:embed="rId3">
-            <a:extLst>
-              <a:ext uri="{28A0092B-C50C-407E-A947-70E740481C1C}">
-                <a14:useLocalDpi xmlns:a14="http://schemas.microsoft.com/office/drawing/2010/main" val="0"/>
-              </a:ext>
-            </a:extLst>
-          </a:blip>
+          <a:blip r:embed="rId3"/>
           <a:stretch>
             <a:fillRect/>
           </a:stretch>
         </p:blipFill>
         <p:spPr>
           <a:xfrm>
-            <a:off x="1269639" y="1019556"/>
-            <a:ext cx="6604722" cy="3488436"/>
+            <a:off x="1780794" y="731375"/>
+            <a:ext cx="5582412" cy="4348925"/>
           </a:xfrm>
           <a:prstGeom prst="rect">
             <a:avLst/>
@@ -7745,7 +7703,7 @@
         </p:nvSpPr>
         <p:spPr>
           <a:xfrm>
-            <a:off x="311700" y="445025"/>
+            <a:off x="311700" y="158675"/>
             <a:ext cx="8520600" cy="572700"/>
           </a:xfrm>
           <a:prstGeom prst="rect">
@@ -7880,28 +7838,22 @@
       </p:sp>
       <p:pic>
         <p:nvPicPr>
-          <p:cNvPr id="2" name="Picture 1"/>
+          <p:cNvPr id="4" name="Picture 3"/>
           <p:cNvPicPr>
             <a:picLocks noChangeAspect="1"/>
           </p:cNvPicPr>
           <p:nvPr/>
         </p:nvPicPr>
         <p:blipFill>
-          <a:blip r:embed="rId3">
-            <a:extLst>
-              <a:ext uri="{28A0092B-C50C-407E-A947-70E740481C1C}">
-                <a14:useLocalDpi xmlns:a14="http://schemas.microsoft.com/office/drawing/2010/main" val="0"/>
-              </a:ext>
-            </a:extLst>
-          </a:blip>
+          <a:blip r:embed="rId3"/>
           <a:stretch>
             <a:fillRect/>
           </a:stretch>
         </p:blipFill>
         <p:spPr>
           <a:xfrm>
-            <a:off x="1041400" y="1088136"/>
-            <a:ext cx="7038942" cy="3520440"/>
+            <a:off x="1694618" y="731378"/>
+            <a:ext cx="5884164" cy="4301681"/>
           </a:xfrm>
           <a:prstGeom prst="rect">
             <a:avLst/>
@@ -8065,28 +8017,22 @@
       </p:sp>
       <p:pic>
         <p:nvPicPr>
-          <p:cNvPr id="3" name="Picture 2"/>
+          <p:cNvPr id="5" name="Picture 4"/>
           <p:cNvPicPr>
             <a:picLocks noChangeAspect="1"/>
           </p:cNvPicPr>
           <p:nvPr/>
         </p:nvPicPr>
         <p:blipFill>
-          <a:blip r:embed="rId2">
-            <a:extLst>
-              <a:ext uri="{28A0092B-C50C-407E-A947-70E740481C1C}">
-                <a14:useLocalDpi xmlns:a14="http://schemas.microsoft.com/office/drawing/2010/main" val="0"/>
-              </a:ext>
-            </a:extLst>
-          </a:blip>
+          <a:blip r:embed="rId2"/>
           <a:stretch>
             <a:fillRect/>
           </a:stretch>
         </p:blipFill>
         <p:spPr>
           <a:xfrm>
-            <a:off x="596900" y="1017724"/>
-            <a:ext cx="7942684" cy="3586549"/>
+            <a:off x="1453624" y="1017724"/>
+            <a:ext cx="6236749" cy="4041998"/>
           </a:xfrm>
           <a:prstGeom prst="rect">
             <a:avLst/>
@@ -9005,12 +8951,6 @@
               </a:rPr>
               <a:t>        </a:t>
             </a:r>
-            <a:endParaRPr lang="en-US" sz="1000" b="1" dirty="0" smtClean="0">
-              <a:latin typeface="Andale Mono" charset="0"/>
-              <a:ea typeface="Andale Mono" charset="0"/>
-              <a:cs typeface="Andale Mono" charset="0"/>
-              <a:sym typeface="Ubuntu"/>
-            </a:endParaRPr>
           </a:p>
           <a:p>
             <a:pPr lvl="0" algn="ctr" rtl="0">
@@ -9032,23 +8972,8 @@
                 <a:cs typeface="Andale Mono" charset="0"/>
                 <a:sym typeface="Ubuntu"/>
               </a:rPr>
-              <a:t>Java </a:t>
-            </a:r>
-            <a:r>
-              <a:rPr lang="en-US" sz="1000" b="1" dirty="0" smtClean="0">
-                <a:latin typeface="Andale Mono" charset="0"/>
-                <a:ea typeface="Andale Mono" charset="0"/>
-                <a:cs typeface="Andale Mono" charset="0"/>
-                <a:sym typeface="Ubuntu"/>
-              </a:rPr>
-              <a:t>Coder            </a:t>
-            </a:r>
-            <a:endParaRPr lang="en-US" sz="1000" b="1" dirty="0" smtClean="0">
-              <a:latin typeface="Andale Mono" charset="0"/>
-              <a:ea typeface="Andale Mono" charset="0"/>
-              <a:cs typeface="Andale Mono" charset="0"/>
-              <a:sym typeface="Ubuntu"/>
-            </a:endParaRPr>
+              <a:t>Java Coder            </a:t>
+            </a:r>
           </a:p>
           <a:p>
             <a:pPr lvl="0" algn="ctr" rtl="0">
@@ -9070,16 +8995,7 @@
                 <a:cs typeface="Andale Mono" charset="0"/>
                 <a:sym typeface="Ubuntu"/>
               </a:rPr>
-              <a:t> </a:t>
-            </a:r>
-            <a:r>
-              <a:rPr lang="en-US" sz="1000" b="1" dirty="0" smtClean="0">
-                <a:latin typeface="Andale Mono" charset="0"/>
-                <a:ea typeface="Andale Mono" charset="0"/>
-                <a:cs typeface="Andale Mono" charset="0"/>
-                <a:sym typeface="Ubuntu"/>
-              </a:rPr>
-              <a:t>Front-End Developer     </a:t>
+              <a:t> Front-End Developer     </a:t>
             </a:r>
             <a:r>
               <a:rPr lang="en" sz="1000" b="1" dirty="0" smtClean="0">
@@ -9398,12 +9314,6 @@
               </a:rPr>
               <a:t>      </a:t>
             </a:r>
-            <a:endParaRPr lang="en-US" sz="1000" b="1" dirty="0" smtClean="0">
-              <a:latin typeface="Andale Mono" charset="0"/>
-              <a:ea typeface="Andale Mono" charset="0"/>
-              <a:cs typeface="Andale Mono" charset="0"/>
-              <a:sym typeface="Ubuntu"/>
-            </a:endParaRPr>
           </a:p>
           <a:p>
             <a:pPr lvl="0" algn="ctr" rtl="0">
@@ -9425,7 +9335,16 @@
                 <a:cs typeface="Andale Mono" charset="0"/>
                 <a:sym typeface="Ubuntu"/>
               </a:rPr>
-              <a:t> </a:t>
+              <a:t> QA Analyst</a:t>
+            </a:r>
+            <a:r>
+              <a:rPr lang="en" sz="1000" b="1" dirty="0" smtClean="0">
+                <a:latin typeface="Andale Mono" charset="0"/>
+                <a:ea typeface="Andale Mono" charset="0"/>
+                <a:cs typeface="Andale Mono" charset="0"/>
+                <a:sym typeface="Ubuntu"/>
+              </a:rPr>
+              <a:t>                                   Documentation</a:t>
             </a:r>
             <a:r>
               <a:rPr lang="en-US" sz="1000" b="1" dirty="0" smtClean="0">
@@ -9434,32 +9353,8 @@
                 <a:cs typeface="Andale Mono" charset="0"/>
                 <a:sym typeface="Ubuntu"/>
               </a:rPr>
-              <a:t>QA Analyst</a:t>
-            </a:r>
-            <a:r>
-              <a:rPr lang="en" sz="1000" b="1" dirty="0" smtClean="0">
-                <a:latin typeface="Andale Mono" charset="0"/>
-                <a:ea typeface="Andale Mono" charset="0"/>
-                <a:cs typeface="Andale Mono" charset="0"/>
-                <a:sym typeface="Ubuntu"/>
-              </a:rPr>
-              <a:t>                                   Documentation</a:t>
-            </a:r>
-            <a:r>
-              <a:rPr lang="en-US" sz="1000" b="1" dirty="0" smtClean="0">
-                <a:latin typeface="Andale Mono" charset="0"/>
-                <a:ea typeface="Andale Mono" charset="0"/>
-                <a:cs typeface="Andale Mono" charset="0"/>
-                <a:sym typeface="Ubuntu"/>
-              </a:rPr>
               <a:t>     </a:t>
             </a:r>
-            <a:endParaRPr lang="en-US" sz="1000" b="1" dirty="0" smtClean="0">
-              <a:latin typeface="Andale Mono" charset="0"/>
-              <a:ea typeface="Andale Mono" charset="0"/>
-              <a:cs typeface="Andale Mono" charset="0"/>
-              <a:sym typeface="Ubuntu"/>
-            </a:endParaRPr>
           </a:p>
           <a:p>
             <a:pPr lvl="0" algn="ctr" rtl="0">
@@ -9481,16 +9376,7 @@
                 <a:cs typeface="Andale Mono" charset="0"/>
                 <a:sym typeface="Ubuntu"/>
               </a:rPr>
-              <a:t>Java </a:t>
-            </a:r>
-            <a:r>
-              <a:rPr lang="en-US" sz="1000" b="1" dirty="0" smtClean="0">
-                <a:latin typeface="Andale Mono" charset="0"/>
-                <a:ea typeface="Andale Mono" charset="0"/>
-                <a:cs typeface="Andale Mono" charset="0"/>
-                <a:sym typeface="Ubuntu"/>
-              </a:rPr>
-              <a:t>Coder</a:t>
+              <a:t>Java Coder</a:t>
             </a:r>
             <a:endParaRPr lang="en" sz="1000" b="1" dirty="0">
               <a:latin typeface="Andale Mono" charset="0"/>
@@ -9776,12 +9662,6 @@
               </a:rPr>
               <a:t>        </a:t>
             </a:r>
-            <a:endParaRPr lang="en-US" sz="1000" b="1" dirty="0" smtClean="0">
-              <a:latin typeface="Andale Mono" charset="0"/>
-              <a:ea typeface="Andale Mono" charset="0"/>
-              <a:cs typeface="Andale Mono" charset="0"/>
-              <a:sym typeface="Ubuntu"/>
-            </a:endParaRPr>
           </a:p>
           <a:p>
             <a:pPr lvl="0" algn="ctr" rtl="0">
@@ -9803,7 +9683,16 @@
                 <a:cs typeface="Andale Mono" charset="0"/>
                 <a:sym typeface="Ubuntu"/>
               </a:rPr>
-              <a:t>User </a:t>
+              <a:t>User Guide</a:t>
+            </a:r>
+            <a:r>
+              <a:rPr lang="en-US" sz="1000" b="1">
+                <a:latin typeface="Andale Mono" charset="0"/>
+                <a:ea typeface="Andale Mono" charset="0"/>
+                <a:cs typeface="Andale Mono" charset="0"/>
+                <a:sym typeface="Ubuntu"/>
+              </a:rPr>
+              <a:t> </a:t>
             </a:r>
             <a:r>
               <a:rPr lang="en-US" sz="1000" b="1" smtClean="0">
@@ -9812,32 +9701,8 @@
                 <a:cs typeface="Andale Mono" charset="0"/>
                 <a:sym typeface="Ubuntu"/>
               </a:rPr>
-              <a:t>Guide</a:t>
-            </a:r>
-            <a:r>
-              <a:rPr lang="en-US" sz="1000" b="1">
-                <a:latin typeface="Andale Mono" charset="0"/>
-                <a:ea typeface="Andale Mono" charset="0"/>
-                <a:cs typeface="Andale Mono" charset="0"/>
-                <a:sym typeface="Ubuntu"/>
-              </a:rPr>
-              <a:t> </a:t>
-            </a:r>
-            <a:r>
-              <a:rPr lang="en-US" sz="1000" b="1" smtClean="0">
-                <a:latin typeface="Andale Mono" charset="0"/>
-                <a:ea typeface="Andale Mono" charset="0"/>
-                <a:cs typeface="Andale Mono" charset="0"/>
-                <a:sym typeface="Ubuntu"/>
-              </a:rPr>
               <a:t>          </a:t>
             </a:r>
-            <a:endParaRPr lang="en-US" sz="1000" b="1" smtClean="0">
-              <a:latin typeface="Andale Mono" charset="0"/>
-              <a:ea typeface="Andale Mono" charset="0"/>
-              <a:cs typeface="Andale Mono" charset="0"/>
-              <a:sym typeface="Ubuntu"/>
-            </a:endParaRPr>
           </a:p>
           <a:p>
             <a:pPr lvl="0" algn="ctr" rtl="0">
@@ -10326,8 +10191,8 @@
         </p:nvSpPr>
         <p:spPr>
           <a:xfrm>
-            <a:off x="3562748" y="1254158"/>
-            <a:ext cx="5111699" cy="799200"/>
+            <a:off x="3480624" y="1254158"/>
+            <a:ext cx="5193824" cy="799200"/>
           </a:xfrm>
           <a:prstGeom prst="rect">
             <a:avLst/>
@@ -10572,8 +10437,8 @@
         </p:nvSpPr>
         <p:spPr>
           <a:xfrm>
-            <a:off x="3635900" y="2127464"/>
-            <a:ext cx="5111699" cy="799200"/>
+            <a:off x="3480452" y="2127464"/>
+            <a:ext cx="5267147" cy="799200"/>
           </a:xfrm>
           <a:prstGeom prst="rect">
             <a:avLst/>
@@ -10619,6 +10484,18 @@
                 <a:sym typeface="Oswald"/>
               </a:rPr>
               <a:t> </a:t>
+            </a:r>
+            <a:r>
+              <a:rPr lang="en-US" sz="1400" b="1" dirty="0" smtClean="0">
+                <a:solidFill>
+                  <a:schemeClr val="lt1"/>
+                </a:solidFill>
+                <a:latin typeface="Oswald"/>
+                <a:ea typeface="Oswald"/>
+                <a:cs typeface="Oswald"/>
+                <a:sym typeface="Oswald"/>
+              </a:rPr>
+              <a:t>  </a:t>
             </a:r>
             <a:r>
               <a:rPr lang="en-US" sz="1400" b="1" dirty="0" smtClean="0">
@@ -10897,7 +10774,19 @@
                 <a:cs typeface="Oswald"/>
                 <a:sym typeface="Oswald"/>
               </a:rPr>
-              <a:t>      </a:t>
+              <a:t>   </a:t>
+            </a:r>
+            <a:r>
+              <a:rPr lang="en" dirty="0" smtClean="0">
+                <a:solidFill>
+                  <a:schemeClr val="lt1"/>
+                </a:solidFill>
+                <a:latin typeface="Oswald"/>
+                <a:ea typeface="Oswald"/>
+                <a:cs typeface="Oswald"/>
+                <a:sym typeface="Oswald"/>
+              </a:rPr>
+              <a:t> </a:t>
             </a:r>
             <a:r>
               <a:rPr lang="en" sz="1400" b="1" dirty="0" smtClean="0">
@@ -11097,8 +10986,8 @@
         </p:nvSpPr>
         <p:spPr>
           <a:xfrm>
-            <a:off x="3407300" y="3876311"/>
-            <a:ext cx="5111699" cy="799200"/>
+            <a:off x="3480624" y="3876311"/>
+            <a:ext cx="5038375" cy="799200"/>
           </a:xfrm>
           <a:prstGeom prst="rect">
             <a:avLst/>
@@ -11135,6 +11024,18 @@
             </a:pPr>
             <a:r>
               <a:rPr lang="en" sz="1400" b="1" dirty="0">
+                <a:solidFill>
+                  <a:schemeClr val="lt1"/>
+                </a:solidFill>
+                <a:latin typeface="Andale Mono" charset="0"/>
+                <a:ea typeface="Andale Mono" charset="0"/>
+                <a:cs typeface="Andale Mono" charset="0"/>
+                <a:sym typeface="Oswald"/>
+              </a:rPr>
+              <a:t> </a:t>
+            </a:r>
+            <a:r>
+              <a:rPr lang="en" sz="1400" b="1" dirty="0" smtClean="0">
                 <a:solidFill>
                   <a:schemeClr val="lt1"/>
                 </a:solidFill>
@@ -12398,7 +12299,9 @@
       <p:pic>
         <p:nvPicPr>
           <p:cNvPr id="93" name="Shape 93" descr="Screen Shot 2017-04-14 at 6.47.04 PM.png"/>
-          <p:cNvPicPr preferRelativeResize="0"/>
+          <p:cNvPicPr preferRelativeResize="0">
+            <a:picLocks noChangeAspect="1"/>
+          </p:cNvPicPr>
           <p:nvPr/>
         </p:nvPicPr>
         <p:blipFill>
@@ -12411,8 +12314,8 @@
         </p:blipFill>
         <p:spPr>
           <a:xfrm>
-            <a:off x="311700" y="3115275"/>
-            <a:ext cx="7877150" cy="1743050"/>
+            <a:off x="404164" y="3115274"/>
+            <a:ext cx="8271002" cy="1830203"/>
           </a:xfrm>
           <a:prstGeom prst="rect">
             <a:avLst/>
@@ -13100,7 +13003,7 @@
         </p:nvGrpSpPr>
         <p:grpSpPr>
           <a:xfrm>
-            <a:off x="5922706" y="1533542"/>
+            <a:off x="5902158" y="1533542"/>
             <a:ext cx="2327252" cy="441656"/>
             <a:chOff x="6448869" y="3733723"/>
             <a:chExt cx="2453355" cy="351301"/>
@@ -13279,7 +13182,7 @@
         </p:nvSpPr>
         <p:spPr>
           <a:xfrm>
-            <a:off x="8097175" y="2104250"/>
+            <a:off x="7912243" y="2104250"/>
             <a:ext cx="864300" cy="457500"/>
           </a:xfrm>
           <a:prstGeom prst="homePlate">

--- a/Presentation/Software Engineering Presentation.pptx
+++ b/Presentation/Software Engineering Presentation.pptx
@@ -1442,7 +1442,7 @@
               </a:spcBef>
               <a:buNone/>
             </a:pPr>
-            <a:endParaRPr/>
+            <a:endParaRPr dirty="0"/>
           </a:p>
         </p:txBody>
       </p:sp>
@@ -8653,6 +8653,36 @@
           </a:lstStyle>
           <a:p>
             <a:r>
+              <a:rPr lang="en-US" sz="2000" dirty="0">
+                <a:solidFill>
+                  <a:schemeClr val="bg1"/>
+                </a:solidFill>
+                <a:latin typeface="Andale Mono" charset="0"/>
+                <a:ea typeface="Andale Mono" charset="0"/>
+                <a:cs typeface="Andale Mono" charset="0"/>
+                <a:sym typeface="Oswald"/>
+              </a:rPr>
+              <a:t>We have created an easy-to-use, multi-user software which demonstrated the following:</a:t>
+            </a:r>
+          </a:p>
+          <a:p>
+            <a:pPr marL="342900" indent="-342900">
+              <a:buFont typeface="Arial" panose="020B0604020202020204" pitchFamily="34" charset="0"/>
+              <a:buChar char="•"/>
+            </a:pPr>
+            <a:r>
+              <a:rPr lang="en-US" sz="2000" dirty="0">
+                <a:solidFill>
+                  <a:schemeClr val="bg1"/>
+                </a:solidFill>
+                <a:latin typeface="Andale Mono" charset="0"/>
+                <a:ea typeface="Andale Mono" charset="0"/>
+                <a:cs typeface="Andale Mono" charset="0"/>
+                <a:sym typeface="Oswald"/>
+              </a:rPr>
+              <a:t>Relevant </a:t>
+            </a:r>
+            <a:r>
               <a:rPr lang="en-US" sz="2000" dirty="0" smtClean="0">
                 <a:solidFill>
                   <a:schemeClr val="bg1"/>
@@ -8662,17 +8692,74 @@
                 <a:cs typeface="Andale Mono" charset="0"/>
                 <a:sym typeface="Oswald"/>
               </a:rPr>
-              <a:t>Summary Here</a:t>
-            </a:r>
-            <a:endParaRPr lang="en" sz="2000" dirty="0">
-              <a:solidFill>
-                <a:schemeClr val="bg1"/>
-              </a:solidFill>
-              <a:latin typeface="Andale Mono" charset="0"/>
-              <a:ea typeface="Andale Mono" charset="0"/>
-              <a:cs typeface="Andale Mono" charset="0"/>
-              <a:sym typeface="Oswald"/>
-            </a:endParaRPr>
+              <a:t>functionality</a:t>
+            </a:r>
+          </a:p>
+          <a:p>
+            <a:pPr marL="342900" indent="-342900">
+              <a:buFont typeface="Arial" panose="020B0604020202020204" pitchFamily="34" charset="0"/>
+              <a:buChar char="•"/>
+            </a:pPr>
+            <a:r>
+              <a:rPr lang="en-US" sz="2000" dirty="0" smtClean="0">
+                <a:solidFill>
+                  <a:schemeClr val="bg1"/>
+                </a:solidFill>
+                <a:latin typeface="Andale Mono" charset="0"/>
+                <a:ea typeface="Andale Mono" charset="0"/>
+                <a:cs typeface="Andale Mono" charset="0"/>
+                <a:sym typeface="Oswald"/>
+              </a:rPr>
+              <a:t>Comprehensive GUI</a:t>
+            </a:r>
+          </a:p>
+          <a:p>
+            <a:pPr marL="342900" indent="-342900">
+              <a:buFont typeface="Arial" panose="020B0604020202020204" pitchFamily="34" charset="0"/>
+              <a:buChar char="•"/>
+            </a:pPr>
+            <a:r>
+              <a:rPr lang="en-US" sz="2000" dirty="0" smtClean="0">
+                <a:solidFill>
+                  <a:schemeClr val="bg1"/>
+                </a:solidFill>
+                <a:latin typeface="Andale Mono" charset="0"/>
+                <a:ea typeface="Andale Mono" charset="0"/>
+                <a:cs typeface="Andale Mono" charset="0"/>
+                <a:sym typeface="Oswald"/>
+              </a:rPr>
+              <a:t>Database manipulation</a:t>
+            </a:r>
+          </a:p>
+          <a:p>
+            <a:pPr marL="342900" indent="-342900">
+              <a:buFont typeface="Arial" panose="020B0604020202020204" pitchFamily="34" charset="0"/>
+              <a:buChar char="•"/>
+            </a:pPr>
+            <a:r>
+              <a:rPr lang="en-US" sz="2000" dirty="0" smtClean="0">
+                <a:solidFill>
+                  <a:schemeClr val="bg1"/>
+                </a:solidFill>
+                <a:latin typeface="Andale Mono" charset="0"/>
+                <a:ea typeface="Andale Mono" charset="0"/>
+                <a:cs typeface="Andale Mono" charset="0"/>
+                <a:sym typeface="Oswald"/>
+              </a:rPr>
+              <a:t>Group </a:t>
+            </a:r>
+            <a:r>
+              <a:rPr lang="en-US" sz="2000" dirty="0">
+                <a:solidFill>
+                  <a:schemeClr val="bg1"/>
+                </a:solidFill>
+                <a:latin typeface="Andale Mono" charset="0"/>
+                <a:ea typeface="Andale Mono" charset="0"/>
+                <a:cs typeface="Andale Mono" charset="0"/>
+                <a:sym typeface="Oswald"/>
+              </a:rPr>
+              <a:t>productivity</a:t>
+            </a:r>
           </a:p>
         </p:txBody>
       </p:sp>
@@ -9867,14 +9954,63 @@
           </a:bodyPr>
           <a:lstStyle/>
           <a:p>
-            <a:pPr lvl="0" rtl="0">
-              <a:spcBef>
-                <a:spcPts val="0"/>
-              </a:spcBef>
-              <a:buNone/>
+            <a:pPr lvl="0"/>
+            <a:r>
+              <a:rPr lang="en" sz="2000" u="sng" dirty="0">
+                <a:solidFill>
+                  <a:schemeClr val="dk1"/>
+                </a:solidFill>
+                <a:latin typeface="Andale Mono" charset="0"/>
+                <a:ea typeface="Andale Mono" charset="0"/>
+                <a:cs typeface="Andale Mono" charset="0"/>
+                <a:sym typeface="Oswald"/>
+              </a:rPr>
+              <a:t>Purpose</a:t>
+            </a:r>
+            <a:r>
+              <a:rPr lang="en-US" sz="2000" u="sng" dirty="0">
+                <a:solidFill>
+                  <a:schemeClr val="dk1"/>
+                </a:solidFill>
+                <a:latin typeface="Andale Mono" charset="0"/>
+                <a:ea typeface="Andale Mono" charset="0"/>
+                <a:cs typeface="Andale Mono" charset="0"/>
+                <a:sym typeface="Oswald"/>
+              </a:rPr>
+              <a:t>:</a:t>
+            </a:r>
+            <a:r>
+              <a:rPr lang="en-US" sz="2000" dirty="0">
+                <a:solidFill>
+                  <a:schemeClr val="dk1"/>
+                </a:solidFill>
+                <a:latin typeface="Andale Mono" charset="0"/>
+                <a:ea typeface="Andale Mono" charset="0"/>
+                <a:cs typeface="Andale Mono" charset="0"/>
+                <a:sym typeface="Oswald"/>
+              </a:rPr>
+              <a:t> </a:t>
+            </a:r>
+            <a:r>
+              <a:rPr lang="en" sz="2000" dirty="0">
+                <a:solidFill>
+                  <a:schemeClr val="dk1"/>
+                </a:solidFill>
+                <a:latin typeface="Andale Mono" charset="0"/>
+                <a:ea typeface="Andale Mono" charset="0"/>
+                <a:cs typeface="Andale Mono" charset="0"/>
+                <a:sym typeface="Oswald"/>
+              </a:rPr>
+              <a:t>Develop an efficient tool to manage and automate everyday tasks seen in hospitals.</a:t>
+            </a:r>
+          </a:p>
+          <a:p>
+            <a:pPr marL="342900" lvl="0" indent="-342900">
+              <a:buFont typeface="Arial" panose="020B0604020202020204" pitchFamily="34" charset="0"/>
+              <a:buChar char="•"/>
             </a:pPr>
             <a:r>
-              <a:rPr lang="en" sz="2000" u="sng" dirty="0" smtClean="0">
+              <a:rPr lang="en" sz="2000" dirty="0">
                 <a:solidFill>
                   <a:schemeClr val="dk1"/>
                 </a:solidFill>
@@ -9883,10 +10019,16 @@
                 <a:cs typeface="Andale Mono" charset="0"/>
                 <a:sym typeface="Oswald"/>
               </a:rPr>
-              <a:t>Purpose</a:t>
-            </a:r>
-            <a:r>
-              <a:rPr lang="en-US" sz="2000" u="sng" dirty="0" smtClean="0">
+              <a:t>Intuitive</a:t>
+            </a:r>
+          </a:p>
+          <a:p>
+            <a:pPr marL="342900" lvl="0" indent="-342900">
+              <a:buFont typeface="Arial" panose="020B0604020202020204" pitchFamily="34" charset="0"/>
+              <a:buChar char="•"/>
+            </a:pPr>
+            <a:r>
+              <a:rPr lang="en" sz="2000" dirty="0">
                 <a:solidFill>
                   <a:schemeClr val="dk1"/>
                 </a:solidFill>
@@ -9895,10 +10037,16 @@
                 <a:cs typeface="Andale Mono" charset="0"/>
                 <a:sym typeface="Oswald"/>
               </a:rPr>
-              <a:t>:</a:t>
-            </a:r>
-            <a:r>
-              <a:rPr lang="en-US" sz="2000" dirty="0" smtClean="0">
+              <a:t>Secure</a:t>
+            </a:r>
+          </a:p>
+          <a:p>
+            <a:pPr marL="342900" lvl="0" indent="-342900">
+              <a:buFont typeface="Arial" panose="020B0604020202020204" pitchFamily="34" charset="0"/>
+              <a:buChar char="•"/>
+            </a:pPr>
+            <a:r>
+              <a:rPr lang="en" sz="2000" dirty="0">
                 <a:solidFill>
                   <a:schemeClr val="dk1"/>
                 </a:solidFill>
@@ -9907,10 +10055,16 @@
                 <a:cs typeface="Andale Mono" charset="0"/>
                 <a:sym typeface="Oswald"/>
               </a:rPr>
-              <a:t> </a:t>
-            </a:r>
-            <a:r>
-              <a:rPr lang="en" sz="2000" dirty="0" smtClean="0">
+              <a:t>Reusable</a:t>
+            </a:r>
+          </a:p>
+          <a:p>
+            <a:pPr marL="342900" lvl="0" indent="-342900">
+              <a:buFont typeface="Arial" panose="020B0604020202020204" pitchFamily="34" charset="0"/>
+              <a:buChar char="•"/>
+            </a:pPr>
+            <a:r>
+              <a:rPr lang="en" sz="2000" dirty="0">
                 <a:solidFill>
                   <a:schemeClr val="dk1"/>
                 </a:solidFill>
@@ -9919,46 +10073,8 @@
                 <a:cs typeface="Andale Mono" charset="0"/>
                 <a:sym typeface="Oswald"/>
               </a:rPr>
-              <a:t>We have created a hospital management system which focuses on coordinating the day-to-day functionality of hospital environments so that they will be able to address patient and general hospital needs in a more simplified and organized fashion.</a:t>
-            </a:r>
-            <a:endParaRPr lang="en-US" sz="2000" dirty="0" smtClean="0">
-              <a:solidFill>
-                <a:schemeClr val="dk1"/>
-              </a:solidFill>
-              <a:latin typeface="Andale Mono" charset="0"/>
-              <a:ea typeface="Andale Mono" charset="0"/>
-              <a:cs typeface="Andale Mono" charset="0"/>
-              <a:sym typeface="Oswald"/>
-            </a:endParaRPr>
-          </a:p>
-          <a:p>
-            <a:pPr lvl="0" rtl="0">
-              <a:spcBef>
-                <a:spcPts val="0"/>
-              </a:spcBef>
-              <a:buNone/>
-            </a:pPr>
-            <a:r>
-              <a:rPr lang="en-US" sz="2000" dirty="0" smtClean="0">
-                <a:solidFill>
-                  <a:schemeClr val="dk1"/>
-                </a:solidFill>
-                <a:latin typeface="Andale Mono" charset="0"/>
-                <a:ea typeface="Andale Mono" charset="0"/>
-                <a:cs typeface="Andale Mono" charset="0"/>
-                <a:sym typeface="Oswald"/>
-              </a:rPr>
-              <a:t>Update Overview</a:t>
-            </a:r>
-            <a:endParaRPr lang="en" sz="2000" dirty="0">
-              <a:solidFill>
-                <a:schemeClr val="dk1"/>
-              </a:solidFill>
-              <a:latin typeface="Andale Mono" charset="0"/>
-              <a:ea typeface="Andale Mono" charset="0"/>
-              <a:cs typeface="Andale Mono" charset="0"/>
-              <a:sym typeface="Oswald"/>
-            </a:endParaRPr>
+              <a:t>All-In-One</a:t>
+            </a:r>
           </a:p>
         </p:txBody>
       </p:sp>
@@ -10495,19 +10611,7 @@
                 <a:cs typeface="Oswald"/>
                 <a:sym typeface="Oswald"/>
               </a:rPr>
-              <a:t>  </a:t>
-            </a:r>
-            <a:r>
-              <a:rPr lang="en-US" sz="1400" b="1" dirty="0" smtClean="0">
-                <a:solidFill>
-                  <a:schemeClr val="lt1"/>
-                </a:solidFill>
-                <a:latin typeface="Oswald"/>
-                <a:ea typeface="Oswald"/>
-                <a:cs typeface="Oswald"/>
-                <a:sym typeface="Oswald"/>
-              </a:rPr>
-              <a:t>   </a:t>
+              <a:t>     </a:t>
             </a:r>
             <a:r>
               <a:rPr lang="en" sz="1400" b="1" dirty="0" smtClean="0">
@@ -11044,19 +11148,7 @@
                 <a:cs typeface="Andale Mono" charset="0"/>
                 <a:sym typeface="Oswald"/>
               </a:rPr>
-              <a:t>    </a:t>
-            </a:r>
-            <a:r>
-              <a:rPr lang="en" sz="1400" b="1" dirty="0" smtClean="0">
-                <a:solidFill>
-                  <a:schemeClr val="lt1"/>
-                </a:solidFill>
-                <a:latin typeface="Andale Mono" charset="0"/>
-                <a:ea typeface="Andale Mono" charset="0"/>
-                <a:cs typeface="Andale Mono" charset="0"/>
-                <a:sym typeface="Oswald"/>
-              </a:rPr>
-              <a:t>Processing </a:t>
+              <a:t>    Processing </a:t>
             </a:r>
             <a:r>
               <a:rPr lang="en" sz="1400" b="1" dirty="0">
